--- a/RWorkshopPart2-DataAndPackages.pptx
+++ b/RWorkshopPart2-DataAndPackages.pptx
@@ -4,48 +4,56 @@
   <p:sldMasterIdLst>
     <p:sldMasterId id="2147483648" r:id="rId1"/>
   </p:sldMasterIdLst>
+  <p:notesMasterIdLst>
+    <p:notesMasterId r:id="rId45"/>
+  </p:notesMasterIdLst>
+  <p:handoutMasterIdLst>
+    <p:handoutMasterId r:id="rId46"/>
+  </p:handoutMasterIdLst>
   <p:sldIdLst>
     <p:sldId id="256" r:id="rId2"/>
     <p:sldId id="257" r:id="rId3"/>
-    <p:sldId id="258" r:id="rId4"/>
-    <p:sldId id="259" r:id="rId5"/>
-    <p:sldId id="260" r:id="rId6"/>
-    <p:sldId id="261" r:id="rId7"/>
-    <p:sldId id="262" r:id="rId8"/>
-    <p:sldId id="263" r:id="rId9"/>
-    <p:sldId id="264" r:id="rId10"/>
-    <p:sldId id="265" r:id="rId11"/>
-    <p:sldId id="266" r:id="rId12"/>
-    <p:sldId id="267" r:id="rId13"/>
-    <p:sldId id="282" r:id="rId14"/>
-    <p:sldId id="268" r:id="rId15"/>
-    <p:sldId id="269" r:id="rId16"/>
-    <p:sldId id="272" r:id="rId17"/>
-    <p:sldId id="273" r:id="rId18"/>
-    <p:sldId id="274" r:id="rId19"/>
-    <p:sldId id="275" r:id="rId20"/>
-    <p:sldId id="297" r:id="rId21"/>
-    <p:sldId id="298" r:id="rId22"/>
-    <p:sldId id="296" r:id="rId23"/>
-    <p:sldId id="276" r:id="rId24"/>
-    <p:sldId id="277" r:id="rId25"/>
-    <p:sldId id="278" r:id="rId26"/>
-    <p:sldId id="279" r:id="rId27"/>
-    <p:sldId id="280" r:id="rId28"/>
-    <p:sldId id="281" r:id="rId29"/>
-    <p:sldId id="293" r:id="rId30"/>
-    <p:sldId id="294" r:id="rId31"/>
-    <p:sldId id="295" r:id="rId32"/>
-    <p:sldId id="283" r:id="rId33"/>
-    <p:sldId id="284" r:id="rId34"/>
-    <p:sldId id="285" r:id="rId35"/>
-    <p:sldId id="286" r:id="rId36"/>
-    <p:sldId id="287" r:id="rId37"/>
-    <p:sldId id="288" r:id="rId38"/>
-    <p:sldId id="289" r:id="rId39"/>
-    <p:sldId id="290" r:id="rId40"/>
-    <p:sldId id="291" r:id="rId41"/>
-    <p:sldId id="292" r:id="rId42"/>
+    <p:sldId id="299" r:id="rId4"/>
+    <p:sldId id="258" r:id="rId5"/>
+    <p:sldId id="259" r:id="rId6"/>
+    <p:sldId id="260" r:id="rId7"/>
+    <p:sldId id="261" r:id="rId8"/>
+    <p:sldId id="262" r:id="rId9"/>
+    <p:sldId id="263" r:id="rId10"/>
+    <p:sldId id="264" r:id="rId11"/>
+    <p:sldId id="265" r:id="rId12"/>
+    <p:sldId id="266" r:id="rId13"/>
+    <p:sldId id="267" r:id="rId14"/>
+    <p:sldId id="282" r:id="rId15"/>
+    <p:sldId id="268" r:id="rId16"/>
+    <p:sldId id="269" r:id="rId17"/>
+    <p:sldId id="272" r:id="rId18"/>
+    <p:sldId id="273" r:id="rId19"/>
+    <p:sldId id="274" r:id="rId20"/>
+    <p:sldId id="275" r:id="rId21"/>
+    <p:sldId id="297" r:id="rId22"/>
+    <p:sldId id="298" r:id="rId23"/>
+    <p:sldId id="296" r:id="rId24"/>
+    <p:sldId id="276" r:id="rId25"/>
+    <p:sldId id="300" r:id="rId26"/>
+    <p:sldId id="277" r:id="rId27"/>
+    <p:sldId id="278" r:id="rId28"/>
+    <p:sldId id="279" r:id="rId29"/>
+    <p:sldId id="280" r:id="rId30"/>
+    <p:sldId id="281" r:id="rId31"/>
+    <p:sldId id="293" r:id="rId32"/>
+    <p:sldId id="294" r:id="rId33"/>
+    <p:sldId id="295" r:id="rId34"/>
+    <p:sldId id="283" r:id="rId35"/>
+    <p:sldId id="284" r:id="rId36"/>
+    <p:sldId id="285" r:id="rId37"/>
+    <p:sldId id="286" r:id="rId38"/>
+    <p:sldId id="287" r:id="rId39"/>
+    <p:sldId id="288" r:id="rId40"/>
+    <p:sldId id="289" r:id="rId41"/>
+    <p:sldId id="290" r:id="rId42"/>
+    <p:sldId id="291" r:id="rId43"/>
+    <p:sldId id="292" r:id="rId44"/>
   </p:sldIdLst>
   <p:sldSz cx="9144000" cy="6858000" type="screen4x3"/>
   <p:notesSz cx="6858000" cy="9144000"/>
@@ -147,6 +155,523 @@
 </p:presentation>
 </file>
 
+<file path=ppt/handoutMasters/handoutMaster1.xml><?xml version="1.0" encoding="utf-8"?>
+<p:handoutMaster xmlns:a="http://schemas.openxmlformats.org/drawingml/2006/main" xmlns:r="http://schemas.openxmlformats.org/officeDocument/2006/relationships" xmlns:p="http://schemas.openxmlformats.org/presentationml/2006/main">
+  <p:cSld>
+    <p:bg>
+      <p:bgRef idx="1001">
+        <a:schemeClr val="bg1"/>
+      </p:bgRef>
+    </p:bg>
+    <p:spTree>
+      <p:nvGrpSpPr>
+        <p:cNvPr id="1" name=""/>
+        <p:cNvGrpSpPr/>
+        <p:nvPr/>
+      </p:nvGrpSpPr>
+      <p:grpSpPr>
+        <a:xfrm>
+          <a:off x="0" y="0"/>
+          <a:ext cx="0" cy="0"/>
+          <a:chOff x="0" y="0"/>
+          <a:chExt cx="0" cy="0"/>
+        </a:xfrm>
+      </p:grpSpPr>
+      <p:sp>
+        <p:nvSpPr>
+          <p:cNvPr id="2" name="Header Placeholder 1"/>
+          <p:cNvSpPr>
+            <a:spLocks noGrp="1"/>
+          </p:cNvSpPr>
+          <p:nvPr>
+            <p:ph type="hdr" sz="quarter"/>
+          </p:nvPr>
+        </p:nvSpPr>
+        <p:spPr>
+          <a:xfrm>
+            <a:off x="0" y="0"/>
+            <a:ext cx="2971800" cy="457200"/>
+          </a:xfrm>
+          <a:prstGeom prst="rect">
+            <a:avLst/>
+          </a:prstGeom>
+        </p:spPr>
+        <p:txBody>
+          <a:bodyPr vert="horz" lIns="91440" tIns="45720" rIns="91440" bIns="45720" rtlCol="0"/>
+          <a:lstStyle>
+            <a:lvl1pPr algn="l">
+              <a:defRPr sz="1200"/>
+            </a:lvl1pPr>
+          </a:lstStyle>
+          <a:p>
+            <a:endParaRPr lang="en-US"/>
+          </a:p>
+        </p:txBody>
+      </p:sp>
+      <p:sp>
+        <p:nvSpPr>
+          <p:cNvPr id="3" name="Date Placeholder 2"/>
+          <p:cNvSpPr>
+            <a:spLocks noGrp="1"/>
+          </p:cNvSpPr>
+          <p:nvPr>
+            <p:ph type="dt" sz="quarter" idx="1"/>
+          </p:nvPr>
+        </p:nvSpPr>
+        <p:spPr>
+          <a:xfrm>
+            <a:off x="3884613" y="0"/>
+            <a:ext cx="2971800" cy="457200"/>
+          </a:xfrm>
+          <a:prstGeom prst="rect">
+            <a:avLst/>
+          </a:prstGeom>
+        </p:spPr>
+        <p:txBody>
+          <a:bodyPr vert="horz" lIns="91440" tIns="45720" rIns="91440" bIns="45720" rtlCol="0"/>
+          <a:lstStyle>
+            <a:lvl1pPr algn="r">
+              <a:defRPr sz="1200"/>
+            </a:lvl1pPr>
+          </a:lstStyle>
+          <a:p>
+            <a:fld id="{F3717877-7615-AF43-A15C-285D0785D62B}" type="datetimeFigureOut">
+              <a:rPr lang="en-US" smtClean="0"/>
+              <a:t>6/15/18</a:t>
+            </a:fld>
+            <a:endParaRPr lang="en-US"/>
+          </a:p>
+        </p:txBody>
+      </p:sp>
+      <p:sp>
+        <p:nvSpPr>
+          <p:cNvPr id="4" name="Footer Placeholder 3"/>
+          <p:cNvSpPr>
+            <a:spLocks noGrp="1"/>
+          </p:cNvSpPr>
+          <p:nvPr>
+            <p:ph type="ftr" sz="quarter" idx="2"/>
+          </p:nvPr>
+        </p:nvSpPr>
+        <p:spPr>
+          <a:xfrm>
+            <a:off x="0" y="8685213"/>
+            <a:ext cx="2971800" cy="457200"/>
+          </a:xfrm>
+          <a:prstGeom prst="rect">
+            <a:avLst/>
+          </a:prstGeom>
+        </p:spPr>
+        <p:txBody>
+          <a:bodyPr vert="horz" lIns="91440" tIns="45720" rIns="91440" bIns="45720" rtlCol="0" anchor="b"/>
+          <a:lstStyle>
+            <a:lvl1pPr algn="l">
+              <a:defRPr sz="1200"/>
+            </a:lvl1pPr>
+          </a:lstStyle>
+          <a:p>
+            <a:endParaRPr lang="en-US"/>
+          </a:p>
+        </p:txBody>
+      </p:sp>
+      <p:sp>
+        <p:nvSpPr>
+          <p:cNvPr id="5" name="Slide Number Placeholder 4"/>
+          <p:cNvSpPr>
+            <a:spLocks noGrp="1"/>
+          </p:cNvSpPr>
+          <p:nvPr>
+            <p:ph type="sldNum" sz="quarter" idx="3"/>
+          </p:nvPr>
+        </p:nvSpPr>
+        <p:spPr>
+          <a:xfrm>
+            <a:off x="3884613" y="8685213"/>
+            <a:ext cx="2971800" cy="457200"/>
+          </a:xfrm>
+          <a:prstGeom prst="rect">
+            <a:avLst/>
+          </a:prstGeom>
+        </p:spPr>
+        <p:txBody>
+          <a:bodyPr vert="horz" lIns="91440" tIns="45720" rIns="91440" bIns="45720" rtlCol="0" anchor="b"/>
+          <a:lstStyle>
+            <a:lvl1pPr algn="r">
+              <a:defRPr sz="1200"/>
+            </a:lvl1pPr>
+          </a:lstStyle>
+          <a:p>
+            <a:fld id="{C8E0A7E1-B1DC-EA43-9384-A08BC8F355AF}" type="slidenum">
+              <a:rPr lang="en-US" smtClean="0"/>
+              <a:t>‹#›</a:t>
+            </a:fld>
+            <a:endParaRPr lang="en-US"/>
+          </a:p>
+        </p:txBody>
+      </p:sp>
+    </p:spTree>
+    <p:extLst>
+      <p:ext uri="{BB962C8B-B14F-4D97-AF65-F5344CB8AC3E}">
+        <p14:creationId xmlns:p14="http://schemas.microsoft.com/office/powerpoint/2010/main" val="1019286983"/>
+      </p:ext>
+    </p:extLst>
+  </p:cSld>
+  <p:clrMap bg1="lt1" tx1="dk1" bg2="lt2" tx2="dk2" accent1="accent1" accent2="accent2" accent3="accent3" accent4="accent4" accent5="accent5" accent6="accent6" hlink="hlink" folHlink="folHlink"/>
+  <p:hf hdr="0" ftr="0" dt="0"/>
+</p:handoutMaster>
+</file>
+
+<file path=ppt/notesMasters/notesMaster1.xml><?xml version="1.0" encoding="utf-8"?>
+<p:notesMaster xmlns:a="http://schemas.openxmlformats.org/drawingml/2006/main" xmlns:r="http://schemas.openxmlformats.org/officeDocument/2006/relationships" xmlns:p="http://schemas.openxmlformats.org/presentationml/2006/main">
+  <p:cSld>
+    <p:bg>
+      <p:bgRef idx="1001">
+        <a:schemeClr val="bg1"/>
+      </p:bgRef>
+    </p:bg>
+    <p:spTree>
+      <p:nvGrpSpPr>
+        <p:cNvPr id="1" name=""/>
+        <p:cNvGrpSpPr/>
+        <p:nvPr/>
+      </p:nvGrpSpPr>
+      <p:grpSpPr>
+        <a:xfrm>
+          <a:off x="0" y="0"/>
+          <a:ext cx="0" cy="0"/>
+          <a:chOff x="0" y="0"/>
+          <a:chExt cx="0" cy="0"/>
+        </a:xfrm>
+      </p:grpSpPr>
+      <p:sp>
+        <p:nvSpPr>
+          <p:cNvPr id="2" name="Header Placeholder 1"/>
+          <p:cNvSpPr>
+            <a:spLocks noGrp="1"/>
+          </p:cNvSpPr>
+          <p:nvPr>
+            <p:ph type="hdr" sz="quarter"/>
+          </p:nvPr>
+        </p:nvSpPr>
+        <p:spPr>
+          <a:xfrm>
+            <a:off x="0" y="0"/>
+            <a:ext cx="2971800" cy="457200"/>
+          </a:xfrm>
+          <a:prstGeom prst="rect">
+            <a:avLst/>
+          </a:prstGeom>
+        </p:spPr>
+        <p:txBody>
+          <a:bodyPr vert="horz" lIns="91440" tIns="45720" rIns="91440" bIns="45720" rtlCol="0"/>
+          <a:lstStyle>
+            <a:lvl1pPr algn="l">
+              <a:defRPr sz="1200"/>
+            </a:lvl1pPr>
+          </a:lstStyle>
+          <a:p>
+            <a:endParaRPr lang="en-US"/>
+          </a:p>
+        </p:txBody>
+      </p:sp>
+      <p:sp>
+        <p:nvSpPr>
+          <p:cNvPr id="3" name="Date Placeholder 2"/>
+          <p:cNvSpPr>
+            <a:spLocks noGrp="1"/>
+          </p:cNvSpPr>
+          <p:nvPr>
+            <p:ph type="dt" idx="1"/>
+          </p:nvPr>
+        </p:nvSpPr>
+        <p:spPr>
+          <a:xfrm>
+            <a:off x="3884613" y="0"/>
+            <a:ext cx="2971800" cy="457200"/>
+          </a:xfrm>
+          <a:prstGeom prst="rect">
+            <a:avLst/>
+          </a:prstGeom>
+        </p:spPr>
+        <p:txBody>
+          <a:bodyPr vert="horz" lIns="91440" tIns="45720" rIns="91440" bIns="45720" rtlCol="0"/>
+          <a:lstStyle>
+            <a:lvl1pPr algn="r">
+              <a:defRPr sz="1200"/>
+            </a:lvl1pPr>
+          </a:lstStyle>
+          <a:p>
+            <a:fld id="{CC38DD35-9531-594F-83BF-4DA14DBC8189}" type="datetimeFigureOut">
+              <a:rPr lang="en-US" smtClean="0"/>
+              <a:t>6/15/18</a:t>
+            </a:fld>
+            <a:endParaRPr lang="en-US"/>
+          </a:p>
+        </p:txBody>
+      </p:sp>
+      <p:sp>
+        <p:nvSpPr>
+          <p:cNvPr id="4" name="Slide Image Placeholder 3"/>
+          <p:cNvSpPr>
+            <a:spLocks noGrp="1" noRot="1" noChangeAspect="1"/>
+          </p:cNvSpPr>
+          <p:nvPr>
+            <p:ph type="sldImg" idx="2"/>
+          </p:nvPr>
+        </p:nvSpPr>
+        <p:spPr>
+          <a:xfrm>
+            <a:off x="1143000" y="685800"/>
+            <a:ext cx="4572000" cy="3429000"/>
+          </a:xfrm>
+          <a:prstGeom prst="rect">
+            <a:avLst/>
+          </a:prstGeom>
+          <a:noFill/>
+          <a:ln w="12700">
+            <a:solidFill>
+              <a:prstClr val="black"/>
+            </a:solidFill>
+          </a:ln>
+        </p:spPr>
+        <p:txBody>
+          <a:bodyPr vert="horz" lIns="91440" tIns="45720" rIns="91440" bIns="45720" rtlCol="0" anchor="ctr"/>
+          <a:lstStyle/>
+          <a:p>
+            <a:endParaRPr lang="en-US"/>
+          </a:p>
+        </p:txBody>
+      </p:sp>
+      <p:sp>
+        <p:nvSpPr>
+          <p:cNvPr id="5" name="Notes Placeholder 4"/>
+          <p:cNvSpPr>
+            <a:spLocks noGrp="1"/>
+          </p:cNvSpPr>
+          <p:nvPr>
+            <p:ph type="body" sz="quarter" idx="3"/>
+          </p:nvPr>
+        </p:nvSpPr>
+        <p:spPr>
+          <a:xfrm>
+            <a:off x="685800" y="4343400"/>
+            <a:ext cx="5486400" cy="4114800"/>
+          </a:xfrm>
+          <a:prstGeom prst="rect">
+            <a:avLst/>
+          </a:prstGeom>
+        </p:spPr>
+        <p:txBody>
+          <a:bodyPr vert="horz" lIns="91440" tIns="45720" rIns="91440" bIns="45720" rtlCol="0"/>
+          <a:lstStyle/>
+          <a:p>
+            <a:pPr lvl="0"/>
+            <a:r>
+              <a:rPr lang="en-US" smtClean="0"/>
+              <a:t>Click to edit Master text styles</a:t>
+            </a:r>
+          </a:p>
+          <a:p>
+            <a:pPr lvl="1"/>
+            <a:r>
+              <a:rPr lang="en-US" smtClean="0"/>
+              <a:t>Second level</a:t>
+            </a:r>
+          </a:p>
+          <a:p>
+            <a:pPr lvl="2"/>
+            <a:r>
+              <a:rPr lang="en-US" smtClean="0"/>
+              <a:t>Third level</a:t>
+            </a:r>
+          </a:p>
+          <a:p>
+            <a:pPr lvl="3"/>
+            <a:r>
+              <a:rPr lang="en-US" smtClean="0"/>
+              <a:t>Fourth level</a:t>
+            </a:r>
+          </a:p>
+          <a:p>
+            <a:pPr lvl="4"/>
+            <a:r>
+              <a:rPr lang="en-US" smtClean="0"/>
+              <a:t>Fifth level</a:t>
+            </a:r>
+            <a:endParaRPr lang="en-US"/>
+          </a:p>
+        </p:txBody>
+      </p:sp>
+      <p:sp>
+        <p:nvSpPr>
+          <p:cNvPr id="6" name="Footer Placeholder 5"/>
+          <p:cNvSpPr>
+            <a:spLocks noGrp="1"/>
+          </p:cNvSpPr>
+          <p:nvPr>
+            <p:ph type="ftr" sz="quarter" idx="4"/>
+          </p:nvPr>
+        </p:nvSpPr>
+        <p:spPr>
+          <a:xfrm>
+            <a:off x="0" y="8685213"/>
+            <a:ext cx="2971800" cy="457200"/>
+          </a:xfrm>
+          <a:prstGeom prst="rect">
+            <a:avLst/>
+          </a:prstGeom>
+        </p:spPr>
+        <p:txBody>
+          <a:bodyPr vert="horz" lIns="91440" tIns="45720" rIns="91440" bIns="45720" rtlCol="0" anchor="b"/>
+          <a:lstStyle>
+            <a:lvl1pPr algn="l">
+              <a:defRPr sz="1200"/>
+            </a:lvl1pPr>
+          </a:lstStyle>
+          <a:p>
+            <a:endParaRPr lang="en-US"/>
+          </a:p>
+        </p:txBody>
+      </p:sp>
+      <p:sp>
+        <p:nvSpPr>
+          <p:cNvPr id="7" name="Slide Number Placeholder 6"/>
+          <p:cNvSpPr>
+            <a:spLocks noGrp="1"/>
+          </p:cNvSpPr>
+          <p:nvPr>
+            <p:ph type="sldNum" sz="quarter" idx="5"/>
+          </p:nvPr>
+        </p:nvSpPr>
+        <p:spPr>
+          <a:xfrm>
+            <a:off x="3884613" y="8685213"/>
+            <a:ext cx="2971800" cy="457200"/>
+          </a:xfrm>
+          <a:prstGeom prst="rect">
+            <a:avLst/>
+          </a:prstGeom>
+        </p:spPr>
+        <p:txBody>
+          <a:bodyPr vert="horz" lIns="91440" tIns="45720" rIns="91440" bIns="45720" rtlCol="0" anchor="b"/>
+          <a:lstStyle>
+            <a:lvl1pPr algn="r">
+              <a:defRPr sz="1200"/>
+            </a:lvl1pPr>
+          </a:lstStyle>
+          <a:p>
+            <a:fld id="{E20CA320-2AE0-054F-B7B0-A079191F573A}" type="slidenum">
+              <a:rPr lang="en-US" smtClean="0"/>
+              <a:t>‹#›</a:t>
+            </a:fld>
+            <a:endParaRPr lang="en-US"/>
+          </a:p>
+        </p:txBody>
+      </p:sp>
+    </p:spTree>
+    <p:extLst>
+      <p:ext uri="{BB962C8B-B14F-4D97-AF65-F5344CB8AC3E}">
+        <p14:creationId xmlns:p14="http://schemas.microsoft.com/office/powerpoint/2010/main" val="2442438770"/>
+      </p:ext>
+    </p:extLst>
+  </p:cSld>
+  <p:clrMap bg1="lt1" tx1="dk1" bg2="lt2" tx2="dk2" accent1="accent1" accent2="accent2" accent3="accent3" accent4="accent4" accent5="accent5" accent6="accent6" hlink="hlink" folHlink="folHlink"/>
+  <p:hf hdr="0" ftr="0" dt="0"/>
+  <p:notesStyle>
+    <a:lvl1pPr marL="0" algn="l" defTabSz="457200" rtl="0" eaLnBrk="1" latinLnBrk="0" hangingPunct="1">
+      <a:defRPr sz="1200" kern="1200">
+        <a:solidFill>
+          <a:schemeClr val="tx1"/>
+        </a:solidFill>
+        <a:latin typeface="+mn-lt"/>
+        <a:ea typeface="+mn-ea"/>
+        <a:cs typeface="+mn-cs"/>
+      </a:defRPr>
+    </a:lvl1pPr>
+    <a:lvl2pPr marL="457200" algn="l" defTabSz="457200" rtl="0" eaLnBrk="1" latinLnBrk="0" hangingPunct="1">
+      <a:defRPr sz="1200" kern="1200">
+        <a:solidFill>
+          <a:schemeClr val="tx1"/>
+        </a:solidFill>
+        <a:latin typeface="+mn-lt"/>
+        <a:ea typeface="+mn-ea"/>
+        <a:cs typeface="+mn-cs"/>
+      </a:defRPr>
+    </a:lvl2pPr>
+    <a:lvl3pPr marL="914400" algn="l" defTabSz="457200" rtl="0" eaLnBrk="1" latinLnBrk="0" hangingPunct="1">
+      <a:defRPr sz="1200" kern="1200">
+        <a:solidFill>
+          <a:schemeClr val="tx1"/>
+        </a:solidFill>
+        <a:latin typeface="+mn-lt"/>
+        <a:ea typeface="+mn-ea"/>
+        <a:cs typeface="+mn-cs"/>
+      </a:defRPr>
+    </a:lvl3pPr>
+    <a:lvl4pPr marL="1371600" algn="l" defTabSz="457200" rtl="0" eaLnBrk="1" latinLnBrk="0" hangingPunct="1">
+      <a:defRPr sz="1200" kern="1200">
+        <a:solidFill>
+          <a:schemeClr val="tx1"/>
+        </a:solidFill>
+        <a:latin typeface="+mn-lt"/>
+        <a:ea typeface="+mn-ea"/>
+        <a:cs typeface="+mn-cs"/>
+      </a:defRPr>
+    </a:lvl4pPr>
+    <a:lvl5pPr marL="1828800" algn="l" defTabSz="457200" rtl="0" eaLnBrk="1" latinLnBrk="0" hangingPunct="1">
+      <a:defRPr sz="1200" kern="1200">
+        <a:solidFill>
+          <a:schemeClr val="tx1"/>
+        </a:solidFill>
+        <a:latin typeface="+mn-lt"/>
+        <a:ea typeface="+mn-ea"/>
+        <a:cs typeface="+mn-cs"/>
+      </a:defRPr>
+    </a:lvl5pPr>
+    <a:lvl6pPr marL="2286000" algn="l" defTabSz="457200" rtl="0" eaLnBrk="1" latinLnBrk="0" hangingPunct="1">
+      <a:defRPr sz="1200" kern="1200">
+        <a:solidFill>
+          <a:schemeClr val="tx1"/>
+        </a:solidFill>
+        <a:latin typeface="+mn-lt"/>
+        <a:ea typeface="+mn-ea"/>
+        <a:cs typeface="+mn-cs"/>
+      </a:defRPr>
+    </a:lvl6pPr>
+    <a:lvl7pPr marL="2743200" algn="l" defTabSz="457200" rtl="0" eaLnBrk="1" latinLnBrk="0" hangingPunct="1">
+      <a:defRPr sz="1200" kern="1200">
+        <a:solidFill>
+          <a:schemeClr val="tx1"/>
+        </a:solidFill>
+        <a:latin typeface="+mn-lt"/>
+        <a:ea typeface="+mn-ea"/>
+        <a:cs typeface="+mn-cs"/>
+      </a:defRPr>
+    </a:lvl7pPr>
+    <a:lvl8pPr marL="3200400" algn="l" defTabSz="457200" rtl="0" eaLnBrk="1" latinLnBrk="0" hangingPunct="1">
+      <a:defRPr sz="1200" kern="1200">
+        <a:solidFill>
+          <a:schemeClr val="tx1"/>
+        </a:solidFill>
+        <a:latin typeface="+mn-lt"/>
+        <a:ea typeface="+mn-ea"/>
+        <a:cs typeface="+mn-cs"/>
+      </a:defRPr>
+    </a:lvl8pPr>
+    <a:lvl9pPr marL="3657600" algn="l" defTabSz="457200" rtl="0" eaLnBrk="1" latinLnBrk="0" hangingPunct="1">
+      <a:defRPr sz="1200" kern="1200">
+        <a:solidFill>
+          <a:schemeClr val="tx1"/>
+        </a:solidFill>
+        <a:latin typeface="+mn-lt"/>
+        <a:ea typeface="+mn-ea"/>
+        <a:cs typeface="+mn-cs"/>
+      </a:defRPr>
+    </a:lvl9pPr>
+  </p:notesStyle>
+</p:notesMaster>
+</file>
+
 <file path=ppt/slideLayouts/slideLayout1.xml><?xml version="1.0" encoding="utf-8"?>
 <p:sldLayout xmlns:a="http://schemas.openxmlformats.org/drawingml/2006/main" xmlns:r="http://schemas.openxmlformats.org/officeDocument/2006/relationships" xmlns:p="http://schemas.openxmlformats.org/presentationml/2006/main" type="title" preserve="1">
   <p:cSld name="Title Slide">
@@ -326,9 +851,9 @@
           <a:bodyPr/>
           <a:lstStyle/>
           <a:p>
-            <a:fld id="{788B13B0-4EE7-4DA8-BE63-F258330E132E}" type="datetimeFigureOut">
+            <a:fld id="{5B6DAEED-F786-AB4A-9D8D-DBEB84781174}" type="datetime1">
               <a:rPr lang="en-US" smtClean="0"/>
-              <a:t>6/19/2017</a:t>
+              <a:t>6/15/18</a:t>
             </a:fld>
             <a:endParaRPr lang="en-US"/>
           </a:p>
@@ -496,9 +1021,9 @@
           <a:bodyPr/>
           <a:lstStyle/>
           <a:p>
-            <a:fld id="{788B13B0-4EE7-4DA8-BE63-F258330E132E}" type="datetimeFigureOut">
+            <a:fld id="{AEB20C2C-7840-4D4E-99FE-B03E89588138}" type="datetime1">
               <a:rPr lang="en-US" smtClean="0"/>
-              <a:t>6/19/2017</a:t>
+              <a:t>6/15/18</a:t>
             </a:fld>
             <a:endParaRPr lang="en-US"/>
           </a:p>
@@ -676,9 +1201,9 @@
           <a:bodyPr/>
           <a:lstStyle/>
           <a:p>
-            <a:fld id="{788B13B0-4EE7-4DA8-BE63-F258330E132E}" type="datetimeFigureOut">
+            <a:fld id="{696A702B-D906-D846-9FFA-B2F2237A216C}" type="datetime1">
               <a:rPr lang="en-US" smtClean="0"/>
-              <a:t>6/19/2017</a:t>
+              <a:t>6/15/18</a:t>
             </a:fld>
             <a:endParaRPr lang="en-US"/>
           </a:p>
@@ -846,9 +1371,9 @@
           <a:bodyPr/>
           <a:lstStyle/>
           <a:p>
-            <a:fld id="{788B13B0-4EE7-4DA8-BE63-F258330E132E}" type="datetimeFigureOut">
+            <a:fld id="{EB79B524-030F-AF44-B302-F4E72FEF0F48}" type="datetime1">
               <a:rPr lang="en-US" smtClean="0"/>
-              <a:t>6/19/2017</a:t>
+              <a:t>6/15/18</a:t>
             </a:fld>
             <a:endParaRPr lang="en-US"/>
           </a:p>
@@ -1092,9 +1617,9 @@
           <a:bodyPr/>
           <a:lstStyle/>
           <a:p>
-            <a:fld id="{788B13B0-4EE7-4DA8-BE63-F258330E132E}" type="datetimeFigureOut">
+            <a:fld id="{BD1EEF56-89A2-1C48-A860-730D8C57FE15}" type="datetime1">
               <a:rPr lang="en-US" smtClean="0"/>
-              <a:t>6/19/2017</a:t>
+              <a:t>6/15/18</a:t>
             </a:fld>
             <a:endParaRPr lang="en-US"/>
           </a:p>
@@ -1380,9 +1905,9 @@
           <a:bodyPr/>
           <a:lstStyle/>
           <a:p>
-            <a:fld id="{788B13B0-4EE7-4DA8-BE63-F258330E132E}" type="datetimeFigureOut">
+            <a:fld id="{CF60464F-8784-A24B-8774-2C975FA8DFE7}" type="datetime1">
               <a:rPr lang="en-US" smtClean="0"/>
-              <a:t>6/19/2017</a:t>
+              <a:t>6/15/18</a:t>
             </a:fld>
             <a:endParaRPr lang="en-US"/>
           </a:p>
@@ -1802,9 +2327,9 @@
           <a:bodyPr/>
           <a:lstStyle/>
           <a:p>
-            <a:fld id="{788B13B0-4EE7-4DA8-BE63-F258330E132E}" type="datetimeFigureOut">
+            <a:fld id="{8F874D85-658E-184E-9F66-D953F6D8C4BF}" type="datetime1">
               <a:rPr lang="en-US" smtClean="0"/>
-              <a:t>6/19/2017</a:t>
+              <a:t>6/15/18</a:t>
             </a:fld>
             <a:endParaRPr lang="en-US"/>
           </a:p>
@@ -1920,9 +2445,9 @@
           <a:bodyPr/>
           <a:lstStyle/>
           <a:p>
-            <a:fld id="{788B13B0-4EE7-4DA8-BE63-F258330E132E}" type="datetimeFigureOut">
+            <a:fld id="{FE85A5AB-34CC-B547-B79D-F13D48B27D4E}" type="datetime1">
               <a:rPr lang="en-US" smtClean="0"/>
-              <a:t>6/19/2017</a:t>
+              <a:t>6/15/18</a:t>
             </a:fld>
             <a:endParaRPr lang="en-US"/>
           </a:p>
@@ -2015,9 +2540,9 @@
           <a:bodyPr/>
           <a:lstStyle/>
           <a:p>
-            <a:fld id="{788B13B0-4EE7-4DA8-BE63-F258330E132E}" type="datetimeFigureOut">
+            <a:fld id="{0C7BAE3D-096B-6C44-AE69-AF99EBAEC0CD}" type="datetime1">
               <a:rPr lang="en-US" smtClean="0"/>
-              <a:t>6/19/2017</a:t>
+              <a:t>6/15/18</a:t>
             </a:fld>
             <a:endParaRPr lang="en-US"/>
           </a:p>
@@ -2292,9 +2817,9 @@
           <a:bodyPr/>
           <a:lstStyle/>
           <a:p>
-            <a:fld id="{788B13B0-4EE7-4DA8-BE63-F258330E132E}" type="datetimeFigureOut">
+            <a:fld id="{CFC084E5-4795-8C41-8EE2-FBC01F67F73B}" type="datetime1">
               <a:rPr lang="en-US" smtClean="0"/>
-              <a:t>6/19/2017</a:t>
+              <a:t>6/15/18</a:t>
             </a:fld>
             <a:endParaRPr lang="en-US"/>
           </a:p>
@@ -2545,9 +3070,9 @@
           <a:bodyPr/>
           <a:lstStyle/>
           <a:p>
-            <a:fld id="{788B13B0-4EE7-4DA8-BE63-F258330E132E}" type="datetimeFigureOut">
+            <a:fld id="{0BDEA607-69D5-2B4E-A913-AE8D840245B6}" type="datetime1">
               <a:rPr lang="en-US" smtClean="0"/>
-              <a:t>6/19/2017</a:t>
+              <a:t>6/15/18</a:t>
             </a:fld>
             <a:endParaRPr lang="en-US"/>
           </a:p>
@@ -2758,9 +3283,9 @@
             </a:lvl1pPr>
           </a:lstStyle>
           <a:p>
-            <a:fld id="{788B13B0-4EE7-4DA8-BE63-F258330E132E}" type="datetimeFigureOut">
+            <a:fld id="{1980D06E-FDAE-284D-AC13-82681BC42AD9}" type="datetime1">
               <a:rPr lang="en-US" smtClean="0"/>
-              <a:t>6/19/2017</a:t>
+              <a:t>6/15/18</a:t>
             </a:fld>
             <a:endParaRPr lang="en-US"/>
           </a:p>
@@ -2865,6 +3390,7 @@
     <p:sldLayoutId id="2147483658" r:id="rId10"/>
     <p:sldLayoutId id="2147483659" r:id="rId11"/>
   </p:sldLayoutIdLst>
+  <p:hf hdr="0" ftr="0" dt="0"/>
   <p:txStyles>
     <p:titleStyle>
       <a:lvl1pPr algn="ctr" defTabSz="914400" rtl="0" eaLnBrk="1" latinLnBrk="0" hangingPunct="1">
@@ -3196,11 +3722,34 @@
           <a:p>
             <a:r>
               <a:rPr lang="en-US" dirty="0" smtClean="0"/>
-              <a:t>SER 2017</a:t>
+              <a:t>SER 2018</a:t>
             </a:r>
           </a:p>
           <a:p>
             <a:endParaRPr lang="en-US" dirty="0"/>
+          </a:p>
+        </p:txBody>
+      </p:sp>
+      <p:sp>
+        <p:nvSpPr>
+          <p:cNvPr id="4" name="Slide Number Placeholder 3"/>
+          <p:cNvSpPr>
+            <a:spLocks noGrp="1"/>
+          </p:cNvSpPr>
+          <p:nvPr>
+            <p:ph type="sldNum" sz="quarter" idx="12"/>
+          </p:nvPr>
+        </p:nvSpPr>
+        <p:spPr/>
+        <p:txBody>
+          <a:bodyPr/>
+          <a:lstStyle/>
+          <a:p>
+            <a:fld id="{2A660FC1-65A1-426E-B7B2-1978E5FE673A}" type="slidenum">
+              <a:rPr lang="en-US" smtClean="0"/>
+              <a:t>1</a:t>
+            </a:fld>
+            <a:endParaRPr lang="en-US"/>
           </a:p>
         </p:txBody>
       </p:sp>
@@ -3217,7 +3766,7 @@
   <p:timing>
     <p:tnLst>
       <p:par>
-        <p:cTn id="1" dur="indefinite" restart="never" nodeType="tmRoot"/>
+        <p:cTn xmlns:p14="http://schemas.microsoft.com/office/powerpoint/2010/main" id="1" dur="indefinite" restart="never" nodeType="tmRoot"/>
       </p:par>
     </p:tnLst>
   </p:timing>
@@ -3258,6 +3807,202 @@
           <a:p>
             <a:r>
               <a:rPr lang="en-US" dirty="0" smtClean="0"/>
+              <a:t>Aside: Reading from SQL</a:t>
+            </a:r>
+            <a:endParaRPr lang="en-US" dirty="0"/>
+          </a:p>
+        </p:txBody>
+      </p:sp>
+      <p:sp>
+        <p:nvSpPr>
+          <p:cNvPr id="3" name="Content Placeholder 2"/>
+          <p:cNvSpPr>
+            <a:spLocks noGrp="1"/>
+          </p:cNvSpPr>
+          <p:nvPr>
+            <p:ph idx="1"/>
+          </p:nvPr>
+        </p:nvSpPr>
+        <p:spPr>
+          <a:xfrm>
+            <a:off x="457201" y="1600200"/>
+            <a:ext cx="5638800" cy="4525963"/>
+          </a:xfrm>
+        </p:spPr>
+        <p:txBody>
+          <a:bodyPr>
+            <a:normAutofit lnSpcReduction="10000"/>
+          </a:bodyPr>
+          <a:lstStyle/>
+          <a:p>
+            <a:r>
+              <a:rPr lang="en-US" dirty="0" smtClean="0"/>
+              <a:t>We don't do this a lot now, but it is my belief that connecting to online databases is going to be more important in the future</a:t>
+            </a:r>
+          </a:p>
+          <a:p>
+            <a:endParaRPr lang="en-US" dirty="0"/>
+          </a:p>
+          <a:p>
+            <a:r>
+              <a:rPr lang="en-US" dirty="0" smtClean="0"/>
+              <a:t>If you agree with me, you may want to look into the </a:t>
+            </a:r>
+            <a:r>
+              <a:rPr lang="en-US" i="1" dirty="0" err="1" smtClean="0"/>
+              <a:t>sqldf</a:t>
+            </a:r>
+            <a:r>
+              <a:rPr lang="en-US" dirty="0" smtClean="0"/>
+              <a:t> package</a:t>
+            </a:r>
+          </a:p>
+          <a:p>
+            <a:endParaRPr lang="en-US" dirty="0"/>
+          </a:p>
+        </p:txBody>
+      </p:sp>
+      <p:pic>
+        <p:nvPicPr>
+          <p:cNvPr id="1026" name="Picture 2"/>
+          <p:cNvPicPr>
+            <a:picLocks noChangeAspect="1" noChangeArrowheads="1"/>
+          </p:cNvPicPr>
+          <p:nvPr/>
+        </p:nvPicPr>
+        <p:blipFill>
+          <a:blip r:embed="rId2">
+            <a:extLst>
+              <a:ext uri="{28A0092B-C50C-407E-A947-70E740481C1C}">
+                <a14:useLocalDpi xmlns:a14="http://schemas.microsoft.com/office/drawing/2010/main" val="0"/>
+              </a:ext>
+            </a:extLst>
+          </a:blip>
+          <a:srcRect/>
+          <a:stretch>
+            <a:fillRect/>
+          </a:stretch>
+        </p:blipFill>
+        <p:spPr bwMode="auto">
+          <a:xfrm>
+            <a:off x="6422571" y="2286000"/>
+            <a:ext cx="2552700" cy="1790700"/>
+          </a:xfrm>
+          <a:prstGeom prst="rect">
+            <a:avLst/>
+          </a:prstGeom>
+          <a:noFill/>
+          <a:ln>
+            <a:noFill/>
+          </a:ln>
+          <a:effectLst/>
+          <a:extLst>
+            <a:ext uri="{909E8E84-426E-40dd-AFC4-6F175D3DCCD1}">
+              <a14:hiddenFill xmlns:a14="http://schemas.microsoft.com/office/drawing/2010/main">
+                <a:solidFill>
+                  <a:schemeClr val="accent1"/>
+                </a:solidFill>
+              </a14:hiddenFill>
+            </a:ext>
+            <a:ext uri="{91240B29-F687-4f45-9708-019B960494DF}">
+              <a14:hiddenLine xmlns:a14="http://schemas.microsoft.com/office/drawing/2010/main" w="9525">
+                <a:solidFill>
+                  <a:schemeClr val="tx1"/>
+                </a:solidFill>
+                <a:miter lim="800000"/>
+                <a:headEnd/>
+                <a:tailEnd/>
+              </a14:hiddenLine>
+            </a:ext>
+            <a:ext uri="{AF507438-7753-43e0-B8FC-AC1667EBCBE1}">
+              <a14:hiddenEffects xmlns:a14="http://schemas.microsoft.com/office/drawing/2010/main">
+                <a:effectLst>
+                  <a:outerShdw dist="35921" dir="2700000" algn="ctr" rotWithShape="0">
+                    <a:schemeClr val="bg2"/>
+                  </a:outerShdw>
+                </a:effectLst>
+              </a14:hiddenEffects>
+            </a:ext>
+          </a:extLst>
+        </p:spPr>
+      </p:pic>
+      <p:sp>
+        <p:nvSpPr>
+          <p:cNvPr id="4" name="Slide Number Placeholder 3"/>
+          <p:cNvSpPr>
+            <a:spLocks noGrp="1"/>
+          </p:cNvSpPr>
+          <p:nvPr>
+            <p:ph type="sldNum" sz="quarter" idx="12"/>
+          </p:nvPr>
+        </p:nvSpPr>
+        <p:spPr/>
+        <p:txBody>
+          <a:bodyPr/>
+          <a:lstStyle/>
+          <a:p>
+            <a:fld id="{8E535618-13C3-4318-851E-E6049AC5CA6F}" type="slidenum">
+              <a:rPr lang="en-US" smtClean="0"/>
+              <a:t>10</a:t>
+            </a:fld>
+            <a:endParaRPr lang="en-US"/>
+          </a:p>
+        </p:txBody>
+      </p:sp>
+    </p:spTree>
+    <p:extLst>
+      <p:ext uri="{BB962C8B-B14F-4D97-AF65-F5344CB8AC3E}">
+        <p14:creationId xmlns:p14="http://schemas.microsoft.com/office/powerpoint/2010/main" val="1247735791"/>
+      </p:ext>
+    </p:extLst>
+  </p:cSld>
+  <p:clrMapOvr>
+    <a:masterClrMapping/>
+  </p:clrMapOvr>
+  <p:timing>
+    <p:tnLst>
+      <p:par>
+        <p:cTn xmlns:p14="http://schemas.microsoft.com/office/powerpoint/2010/main" id="1" dur="indefinite" restart="never" nodeType="tmRoot"/>
+      </p:par>
+    </p:tnLst>
+  </p:timing>
+</p:sld>
+</file>
+
+<file path=ppt/slides/slide11.xml><?xml version="1.0" encoding="utf-8"?>
+<p:sld xmlns:a="http://schemas.openxmlformats.org/drawingml/2006/main" xmlns:r="http://schemas.openxmlformats.org/officeDocument/2006/relationships" xmlns:p="http://schemas.openxmlformats.org/presentationml/2006/main">
+  <p:cSld>
+    <p:spTree>
+      <p:nvGrpSpPr>
+        <p:cNvPr id="1" name=""/>
+        <p:cNvGrpSpPr/>
+        <p:nvPr/>
+      </p:nvGrpSpPr>
+      <p:grpSpPr>
+        <a:xfrm>
+          <a:off x="0" y="0"/>
+          <a:ext cx="0" cy="0"/>
+          <a:chOff x="0" y="0"/>
+          <a:chExt cx="0" cy="0"/>
+        </a:xfrm>
+      </p:grpSpPr>
+      <p:sp>
+        <p:nvSpPr>
+          <p:cNvPr id="2" name="Title 1"/>
+          <p:cNvSpPr>
+            <a:spLocks noGrp="1"/>
+          </p:cNvSpPr>
+          <p:nvPr>
+            <p:ph type="title"/>
+          </p:nvPr>
+        </p:nvSpPr>
+        <p:spPr/>
+        <p:txBody>
+          <a:bodyPr/>
+          <a:lstStyle/>
+          <a:p>
+            <a:r>
+              <a:rPr lang="en-US" dirty="0" smtClean="0"/>
               <a:t>A note on .</a:t>
             </a:r>
             <a:r>
@@ -3361,7 +4106,7 @@
           <a:p>
             <a:fld id="{8E535618-13C3-4318-851E-E6049AC5CA6F}" type="slidenum">
               <a:rPr lang="en-US" smtClean="0"/>
-              <a:t>10</a:t>
+              <a:t>11</a:t>
             </a:fld>
             <a:endParaRPr lang="en-US"/>
           </a:p>
@@ -3380,14 +4125,14 @@
   <p:timing>
     <p:tnLst>
       <p:par>
-        <p:cTn id="1" dur="indefinite" restart="never" nodeType="tmRoot"/>
+        <p:cTn xmlns:p14="http://schemas.microsoft.com/office/powerpoint/2010/main" id="1" dur="indefinite" restart="never" nodeType="tmRoot"/>
       </p:par>
     </p:tnLst>
   </p:timing>
 </p:sld>
 </file>
 
-<file path=ppt/slides/slide11.xml><?xml version="1.0" encoding="utf-8"?>
+<file path=ppt/slides/slide12.xml><?xml version="1.0" encoding="utf-8"?>
 <p:sld xmlns:a="http://schemas.openxmlformats.org/drawingml/2006/main" xmlns:r="http://schemas.openxmlformats.org/officeDocument/2006/relationships" xmlns:p="http://schemas.openxmlformats.org/presentationml/2006/main">
   <p:cSld>
     <p:spTree>
@@ -3701,14 +4446,14 @@
           </a:ln>
           <a:effectLst/>
           <a:extLst>
-            <a:ext uri="{909E8E84-426E-40DD-AFC4-6F175D3DCCD1}">
+            <a:ext uri="{909E8E84-426E-40dd-AFC4-6F175D3DCCD1}">
               <a14:hiddenFill xmlns:a14="http://schemas.microsoft.com/office/drawing/2010/main">
                 <a:solidFill>
                   <a:schemeClr val="accent1"/>
                 </a:solidFill>
               </a14:hiddenFill>
             </a:ext>
-            <a:ext uri="{91240B29-F687-4F45-9708-019B960494DF}">
+            <a:ext uri="{91240B29-F687-4f45-9708-019B960494DF}">
               <a14:hiddenLine xmlns:a14="http://schemas.microsoft.com/office/drawing/2010/main" w="9525">
                 <a:solidFill>
                   <a:schemeClr val="tx1"/>
@@ -3718,7 +4463,7 @@
                 <a:tailEnd/>
               </a14:hiddenLine>
             </a:ext>
-            <a:ext uri="{AF507438-7753-43E0-B8FC-AC1667EBCBE1}">
+            <a:ext uri="{AF507438-7753-43e0-B8FC-AC1667EBCBE1}">
               <a14:hiddenEffects xmlns:a14="http://schemas.microsoft.com/office/drawing/2010/main">
                 <a:effectLst>
                   <a:outerShdw dist="35921" dir="2700000" algn="ctr" rotWithShape="0">
@@ -3861,7 +4606,7 @@
           <a:p>
             <a:fld id="{8E535618-13C3-4318-851E-E6049AC5CA6F}" type="slidenum">
               <a:rPr lang="en-US" smtClean="0"/>
-              <a:t>11</a:t>
+              <a:t>12</a:t>
             </a:fld>
             <a:endParaRPr lang="en-US"/>
           </a:p>
@@ -3880,14 +4625,14 @@
   <p:timing>
     <p:tnLst>
       <p:par>
-        <p:cTn id="1" dur="indefinite" restart="never" nodeType="tmRoot"/>
+        <p:cTn xmlns:p14="http://schemas.microsoft.com/office/powerpoint/2010/main" id="1" dur="indefinite" restart="never" nodeType="tmRoot"/>
       </p:par>
     </p:tnLst>
   </p:timing>
 </p:sld>
 </file>
 
-<file path=ppt/slides/slide12.xml><?xml version="1.0" encoding="utf-8"?>
+<file path=ppt/slides/slide13.xml><?xml version="1.0" encoding="utf-8"?>
 <p:sld xmlns:a="http://schemas.openxmlformats.org/drawingml/2006/main" xmlns:r="http://schemas.openxmlformats.org/officeDocument/2006/relationships" xmlns:p="http://schemas.openxmlformats.org/presentationml/2006/main">
   <p:cSld>
     <p:spTree>
@@ -4130,14 +4875,14 @@
           </a:ln>
           <a:effectLst/>
           <a:extLst>
-            <a:ext uri="{909E8E84-426E-40DD-AFC4-6F175D3DCCD1}">
+            <a:ext uri="{909E8E84-426E-40dd-AFC4-6F175D3DCCD1}">
               <a14:hiddenFill xmlns:a14="http://schemas.microsoft.com/office/drawing/2010/main">
                 <a:solidFill>
                   <a:schemeClr val="accent1"/>
                 </a:solidFill>
               </a14:hiddenFill>
             </a:ext>
-            <a:ext uri="{91240B29-F687-4F45-9708-019B960494DF}">
+            <a:ext uri="{91240B29-F687-4f45-9708-019B960494DF}">
               <a14:hiddenLine xmlns:a14="http://schemas.microsoft.com/office/drawing/2010/main" w="9525">
                 <a:solidFill>
                   <a:schemeClr val="tx1"/>
@@ -4147,7 +4892,7 @@
                 <a:tailEnd/>
               </a14:hiddenLine>
             </a:ext>
-            <a:ext uri="{AF507438-7753-43E0-B8FC-AC1667EBCBE1}">
+            <a:ext uri="{AF507438-7753-43e0-B8FC-AC1667EBCBE1}">
               <a14:hiddenEffects xmlns:a14="http://schemas.microsoft.com/office/drawing/2010/main">
                 <a:effectLst>
                   <a:outerShdw dist="35921" dir="2700000" algn="ctr" rotWithShape="0">
@@ -4168,7 +4913,7 @@
         <p:spPr>
           <a:xfrm>
             <a:off x="5562600" y="4038600"/>
-            <a:ext cx="3200400" cy="1200329"/>
+            <a:ext cx="3200400" cy="1477328"/>
           </a:xfrm>
           <a:prstGeom prst="rect">
             <a:avLst/>
@@ -4184,15 +4929,15 @@
             <a:pPr algn="ctr"/>
             <a:r>
               <a:rPr lang="en-US" dirty="0" smtClean="0"/>
-              <a:t>I assume this picture of generic white guys with ties doing very </a:t>
-            </a:r>
-            <a:r>
-              <a:rPr lang="en-US" dirty="0" err="1" smtClean="0"/>
-              <a:t>very</a:t>
-            </a:r>
-            <a:r>
-              <a:rPr lang="en-US" dirty="0" smtClean="0"/>
-              <a:t> important work with data was taken by a window washer</a:t>
+              <a:t>I assume this picture of generically handsome white guys with ties doing </a:t>
+            </a:r>
+            <a:r>
+              <a:rPr lang="en-US" i="1" dirty="0" smtClean="0"/>
+              <a:t>very very </a:t>
+            </a:r>
+            <a:r>
+              <a:rPr lang="en-US" dirty="0" smtClean="0"/>
+              <a:t>important work with data was taken by a window washer</a:t>
             </a:r>
             <a:endParaRPr lang="en-US" dirty="0"/>
           </a:p>
@@ -4215,7 +4960,7 @@
           <a:p>
             <a:fld id="{8E535618-13C3-4318-851E-E6049AC5CA6F}" type="slidenum">
               <a:rPr lang="en-US" smtClean="0"/>
-              <a:t>12</a:t>
+              <a:t>13</a:t>
             </a:fld>
             <a:endParaRPr lang="en-US"/>
           </a:p>
@@ -4234,14 +4979,14 @@
   <p:timing>
     <p:tnLst>
       <p:par>
-        <p:cTn id="1" dur="indefinite" restart="never" nodeType="tmRoot"/>
+        <p:cTn xmlns:p14="http://schemas.microsoft.com/office/powerpoint/2010/main" id="1" dur="indefinite" restart="never" nodeType="tmRoot"/>
       </p:par>
     </p:tnLst>
   </p:timing>
 </p:sld>
 </file>
 
-<file path=ppt/slides/slide13.xml><?xml version="1.0" encoding="utf-8"?>
+<file path=ppt/slides/slide14.xml><?xml version="1.0" encoding="utf-8"?>
 <p:sld xmlns:a="http://schemas.openxmlformats.org/drawingml/2006/main" xmlns:r="http://schemas.openxmlformats.org/officeDocument/2006/relationships" xmlns:p="http://schemas.openxmlformats.org/presentationml/2006/main">
   <p:cSld>
     <p:spTree>
@@ -4367,14 +5112,14 @@
             <a:noFill/>
           </a:ln>
           <a:extLst>
-            <a:ext uri="{909E8E84-426E-40DD-AFC4-6F175D3DCCD1}">
+            <a:ext uri="{909E8E84-426E-40dd-AFC4-6F175D3DCCD1}">
               <a14:hiddenFill xmlns:a14="http://schemas.microsoft.com/office/drawing/2010/main">
                 <a:solidFill>
                   <a:schemeClr val="accent1"/>
                 </a:solidFill>
               </a14:hiddenFill>
             </a:ext>
-            <a:ext uri="{91240B29-F687-4F45-9708-019B960494DF}">
+            <a:ext uri="{91240B29-F687-4f45-9708-019B960494DF}">
               <a14:hiddenLine xmlns:a14="http://schemas.microsoft.com/office/drawing/2010/main" w="9525">
                 <a:solidFill>
                   <a:schemeClr val="tx1"/>
@@ -4432,6 +5177,29 @@
               <a:rPr lang="en-US" dirty="0"/>
               <a:t>(titanic)</a:t>
             </a:r>
+          </a:p>
+        </p:txBody>
+      </p:sp>
+      <p:sp>
+        <p:nvSpPr>
+          <p:cNvPr id="5" name="Slide Number Placeholder 4"/>
+          <p:cNvSpPr>
+            <a:spLocks noGrp="1"/>
+          </p:cNvSpPr>
+          <p:nvPr>
+            <p:ph type="sldNum" sz="quarter" idx="12"/>
+          </p:nvPr>
+        </p:nvSpPr>
+        <p:spPr/>
+        <p:txBody>
+          <a:bodyPr/>
+          <a:lstStyle/>
+          <a:p>
+            <a:fld id="{2A660FC1-65A1-426E-B7B2-1978E5FE673A}" type="slidenum">
+              <a:rPr lang="en-US" smtClean="0"/>
+              <a:t>14</a:t>
+            </a:fld>
+            <a:endParaRPr lang="en-US"/>
           </a:p>
         </p:txBody>
       </p:sp>
@@ -4448,7 +5216,7 @@
   <p:timing>
     <p:tnLst>
       <p:par>
-        <p:cTn id="1" dur="indefinite" restart="never" nodeType="tmRoot">
+        <p:cTn xmlns:p14="http://schemas.microsoft.com/office/powerpoint/2010/main" id="1" dur="indefinite" restart="never" nodeType="tmRoot">
           <p:childTnLst>
             <p:seq concurrent="1" nextAc="seek">
               <p:cTn id="2" dur="indefinite" nodeType="mainSeq">
@@ -4526,7 +5294,7 @@
 </p:sld>
 </file>
 
-<file path=ppt/slides/slide14.xml><?xml version="1.0" encoding="utf-8"?>
+<file path=ppt/slides/slide15.xml><?xml version="1.0" encoding="utf-8"?>
 <p:sld xmlns:a="http://schemas.openxmlformats.org/drawingml/2006/main" xmlns:r="http://schemas.openxmlformats.org/officeDocument/2006/relationships" xmlns:p="http://schemas.openxmlformats.org/presentationml/2006/main">
   <p:cSld>
     <p:spTree>
@@ -4997,7 +5765,7 @@
           <a:p>
             <a:fld id="{8E535618-13C3-4318-851E-E6049AC5CA6F}" type="slidenum">
               <a:rPr lang="en-US" smtClean="0"/>
-              <a:t>14</a:t>
+              <a:t>15</a:t>
             </a:fld>
             <a:endParaRPr lang="en-US"/>
           </a:p>
@@ -5016,14 +5784,14 @@
   <p:timing>
     <p:tnLst>
       <p:par>
-        <p:cTn id="1" dur="indefinite" restart="never" nodeType="tmRoot"/>
+        <p:cTn xmlns:p14="http://schemas.microsoft.com/office/powerpoint/2010/main" id="1" dur="indefinite" restart="never" nodeType="tmRoot"/>
       </p:par>
     </p:tnLst>
   </p:timing>
 </p:sld>
 </file>
 
-<file path=ppt/slides/slide15.xml><?xml version="1.0" encoding="utf-8"?>
+<file path=ppt/slides/slide16.xml><?xml version="1.0" encoding="utf-8"?>
 <p:sld xmlns:a="http://schemas.openxmlformats.org/drawingml/2006/main" xmlns:r="http://schemas.openxmlformats.org/officeDocument/2006/relationships" xmlns:p="http://schemas.openxmlformats.org/presentationml/2006/main">
   <p:cSld>
     <p:spTree>
@@ -5174,14 +5942,14 @@
           </a:ln>
           <a:effectLst/>
           <a:extLst>
-            <a:ext uri="{909E8E84-426E-40DD-AFC4-6F175D3DCCD1}">
+            <a:ext uri="{909E8E84-426E-40dd-AFC4-6F175D3DCCD1}">
               <a14:hiddenFill xmlns:a14="http://schemas.microsoft.com/office/drawing/2010/main">
                 <a:solidFill>
                   <a:schemeClr val="accent1"/>
                 </a:solidFill>
               </a14:hiddenFill>
             </a:ext>
-            <a:ext uri="{91240B29-F687-4F45-9708-019B960494DF}">
+            <a:ext uri="{91240B29-F687-4f45-9708-019B960494DF}">
               <a14:hiddenLine xmlns:a14="http://schemas.microsoft.com/office/drawing/2010/main" w="9525">
                 <a:solidFill>
                   <a:schemeClr val="tx1"/>
@@ -5191,7 +5959,7 @@
                 <a:tailEnd/>
               </a14:hiddenLine>
             </a:ext>
-            <a:ext uri="{AF507438-7753-43E0-B8FC-AC1667EBCBE1}">
+            <a:ext uri="{AF507438-7753-43e0-B8FC-AC1667EBCBE1}">
               <a14:hiddenEffects xmlns:a14="http://schemas.microsoft.com/office/drawing/2010/main">
                 <a:effectLst>
                   <a:outerShdw dist="35921" dir="2700000" algn="ctr" rotWithShape="0">
@@ -5250,7 +6018,7 @@
           <a:p>
             <a:fld id="{8E535618-13C3-4318-851E-E6049AC5CA6F}" type="slidenum">
               <a:rPr lang="en-US" smtClean="0"/>
-              <a:t>15</a:t>
+              <a:t>16</a:t>
             </a:fld>
             <a:endParaRPr lang="en-US"/>
           </a:p>
@@ -5269,231 +6037,7 @@
   <p:timing>
     <p:tnLst>
       <p:par>
-        <p:cTn id="1" dur="indefinite" restart="never" nodeType="tmRoot"/>
-      </p:par>
-    </p:tnLst>
-  </p:timing>
-</p:sld>
-</file>
-
-<file path=ppt/slides/slide16.xml><?xml version="1.0" encoding="utf-8"?>
-<p:sld xmlns:a="http://schemas.openxmlformats.org/drawingml/2006/main" xmlns:r="http://schemas.openxmlformats.org/officeDocument/2006/relationships" xmlns:p="http://schemas.openxmlformats.org/presentationml/2006/main">
-  <p:cSld>
-    <p:spTree>
-      <p:nvGrpSpPr>
-        <p:cNvPr id="1" name=""/>
-        <p:cNvGrpSpPr/>
-        <p:nvPr/>
-      </p:nvGrpSpPr>
-      <p:grpSpPr>
-        <a:xfrm>
-          <a:off x="0" y="0"/>
-          <a:ext cx="0" cy="0"/>
-          <a:chOff x="0" y="0"/>
-          <a:chExt cx="0" cy="0"/>
-        </a:xfrm>
-      </p:grpSpPr>
-      <p:sp>
-        <p:nvSpPr>
-          <p:cNvPr id="2" name="Title 1"/>
-          <p:cNvSpPr>
-            <a:spLocks noGrp="1"/>
-          </p:cNvSpPr>
-          <p:nvPr>
-            <p:ph type="title"/>
-          </p:nvPr>
-        </p:nvSpPr>
-        <p:spPr/>
-        <p:txBody>
-          <a:bodyPr>
-            <a:normAutofit fontScale="90000"/>
-          </a:bodyPr>
-          <a:lstStyle/>
-          <a:p>
-            <a:r>
-              <a:rPr lang="en-US" dirty="0" smtClean="0"/>
-              <a:t>Reminder: Indexing data frames to get rows</a:t>
-            </a:r>
-            <a:endParaRPr lang="en-US" dirty="0"/>
-          </a:p>
-        </p:txBody>
-      </p:sp>
-      <p:sp>
-        <p:nvSpPr>
-          <p:cNvPr id="3" name="Content Placeholder 2"/>
-          <p:cNvSpPr>
-            <a:spLocks noGrp="1"/>
-          </p:cNvSpPr>
-          <p:nvPr>
-            <p:ph idx="1"/>
-          </p:nvPr>
-        </p:nvSpPr>
-        <p:spPr/>
-        <p:txBody>
-          <a:bodyPr>
-            <a:normAutofit fontScale="85000" lnSpcReduction="20000"/>
-          </a:bodyPr>
-          <a:lstStyle/>
-          <a:p>
-            <a:r>
-              <a:rPr lang="en-US" dirty="0" smtClean="0"/>
-              <a:t>Get rows by position – index is a numeric vector:</a:t>
-            </a:r>
-          </a:p>
-          <a:p>
-            <a:endParaRPr lang="en-US" dirty="0" smtClean="0"/>
-          </a:p>
-          <a:p>
-            <a:pPr marL="0" indent="0">
-              <a:buNone/>
-            </a:pPr>
-            <a:r>
-              <a:rPr lang="en-US" dirty="0" err="1" smtClean="0">
-                <a:latin typeface="Courier New" pitchFamily="49" charset="0"/>
-                <a:cs typeface="Courier New" pitchFamily="49" charset="0"/>
-              </a:rPr>
-              <a:t>infert</a:t>
-            </a:r>
-            <a:r>
-              <a:rPr lang="en-US" dirty="0" smtClean="0">
-                <a:latin typeface="Courier New" pitchFamily="49" charset="0"/>
-                <a:cs typeface="Courier New" pitchFamily="49" charset="0"/>
-              </a:rPr>
-              <a:t>[1,]</a:t>
-            </a:r>
-          </a:p>
-          <a:p>
-            <a:pPr marL="0" indent="0">
-              <a:buNone/>
-            </a:pPr>
-            <a:r>
-              <a:rPr lang="en-US" dirty="0" err="1" smtClean="0">
-                <a:latin typeface="Courier New" pitchFamily="49" charset="0"/>
-                <a:cs typeface="Courier New" pitchFamily="49" charset="0"/>
-              </a:rPr>
-              <a:t>infert</a:t>
-            </a:r>
-            <a:r>
-              <a:rPr lang="en-US" dirty="0" smtClean="0">
-                <a:latin typeface="Courier New" pitchFamily="49" charset="0"/>
-                <a:cs typeface="Courier New" pitchFamily="49" charset="0"/>
-              </a:rPr>
-              <a:t>[c(1,2),]</a:t>
-            </a:r>
-          </a:p>
-          <a:p>
-            <a:pPr marL="0" indent="0">
-              <a:buNone/>
-            </a:pPr>
-            <a:r>
-              <a:rPr lang="en-US" dirty="0" err="1" smtClean="0">
-                <a:latin typeface="Courier New" pitchFamily="49" charset="0"/>
-                <a:cs typeface="Courier New" pitchFamily="49" charset="0"/>
-              </a:rPr>
-              <a:t>infert</a:t>
-            </a:r>
-            <a:r>
-              <a:rPr lang="en-US" dirty="0" smtClean="0">
-                <a:latin typeface="Courier New" pitchFamily="49" charset="0"/>
-                <a:cs typeface="Courier New" pitchFamily="49" charset="0"/>
-              </a:rPr>
-              <a:t>[1:2,]</a:t>
-            </a:r>
-          </a:p>
-          <a:p>
-            <a:pPr marL="0" indent="0">
-              <a:buNone/>
-            </a:pPr>
-            <a:r>
-              <a:rPr lang="en-US" dirty="0" err="1" smtClean="0">
-                <a:latin typeface="Courier New" pitchFamily="49" charset="0"/>
-                <a:cs typeface="Courier New" pitchFamily="49" charset="0"/>
-              </a:rPr>
-              <a:t>infert</a:t>
-            </a:r>
-            <a:r>
-              <a:rPr lang="en-US" dirty="0" smtClean="0">
-                <a:latin typeface="Courier New" pitchFamily="49" charset="0"/>
-                <a:cs typeface="Courier New" pitchFamily="49" charset="0"/>
-              </a:rPr>
-              <a:t>[2:1,]</a:t>
-            </a:r>
-          </a:p>
-          <a:p>
-            <a:endParaRPr lang="en-US" dirty="0" smtClean="0"/>
-          </a:p>
-          <a:p>
-            <a:r>
-              <a:rPr lang="en-US" dirty="0" smtClean="0"/>
-              <a:t>A minus before the position index means everything except those positions</a:t>
-            </a:r>
-            <a:endParaRPr lang="en-US" dirty="0"/>
-          </a:p>
-          <a:p>
-            <a:pPr marL="0" indent="0">
-              <a:buNone/>
-            </a:pPr>
-            <a:r>
-              <a:rPr lang="en-US" dirty="0" err="1">
-                <a:latin typeface="Courier New" pitchFamily="49" charset="0"/>
-                <a:cs typeface="Courier New" pitchFamily="49" charset="0"/>
-              </a:rPr>
-              <a:t>infert</a:t>
-            </a:r>
-            <a:r>
-              <a:rPr lang="en-US" dirty="0" smtClean="0">
-                <a:latin typeface="Courier New" pitchFamily="49" charset="0"/>
-                <a:cs typeface="Courier New" pitchFamily="49" charset="0"/>
-              </a:rPr>
-              <a:t>[-1,]</a:t>
-            </a:r>
-          </a:p>
-          <a:p>
-            <a:pPr marL="0" indent="0">
-              <a:buNone/>
-            </a:pPr>
-            <a:r>
-              <a:rPr lang="en-US" dirty="0" err="1">
-                <a:latin typeface="Courier New" pitchFamily="49" charset="0"/>
-                <a:cs typeface="Courier New" pitchFamily="49" charset="0"/>
-              </a:rPr>
-              <a:t>infert</a:t>
-            </a:r>
-            <a:r>
-              <a:rPr lang="en-US" dirty="0">
-                <a:latin typeface="Courier New" pitchFamily="49" charset="0"/>
-                <a:cs typeface="Courier New" pitchFamily="49" charset="0"/>
-              </a:rPr>
-              <a:t>[-(</a:t>
-            </a:r>
-            <a:r>
-              <a:rPr lang="en-US" dirty="0" smtClean="0">
-                <a:latin typeface="Courier New" pitchFamily="49" charset="0"/>
-                <a:cs typeface="Courier New" pitchFamily="49" charset="0"/>
-              </a:rPr>
-              <a:t>1:244),]</a:t>
-            </a:r>
-            <a:endParaRPr lang="en-US" dirty="0">
-              <a:latin typeface="Courier New" pitchFamily="49" charset="0"/>
-              <a:cs typeface="Courier New" pitchFamily="49" charset="0"/>
-            </a:endParaRPr>
-          </a:p>
-        </p:txBody>
-      </p:sp>
-    </p:spTree>
-    <p:extLst>
-      <p:ext uri="{BB962C8B-B14F-4D97-AF65-F5344CB8AC3E}">
-        <p14:creationId xmlns:p14="http://schemas.microsoft.com/office/powerpoint/2010/main" val="1183971871"/>
-      </p:ext>
-    </p:extLst>
-  </p:cSld>
-  <p:clrMapOvr>
-    <a:masterClrMapping/>
-  </p:clrMapOvr>
-  <p:timing>
-    <p:tnLst>
-      <p:par>
-        <p:cTn id="1" dur="indefinite" restart="never" nodeType="tmRoot"/>
+        <p:cTn xmlns:p14="http://schemas.microsoft.com/office/powerpoint/2010/main" id="1" dur="indefinite" restart="never" nodeType="tmRoot"/>
       </p:par>
     </p:tnLst>
   </p:timing>
@@ -5529,12 +6073,14 @@
         </p:nvSpPr>
         <p:spPr/>
         <p:txBody>
-          <a:bodyPr/>
-          <a:lstStyle/>
-          <a:p>
-            <a:r>
-              <a:rPr lang="en-US" dirty="0" smtClean="0"/>
-              <a:t>Getting rows by name</a:t>
+          <a:bodyPr>
+            <a:normAutofit fontScale="90000"/>
+          </a:bodyPr>
+          <a:lstStyle/>
+          <a:p>
+            <a:r>
+              <a:rPr lang="en-US" dirty="0" smtClean="0"/>
+              <a:t>Reminder: Indexing data frames to get rows</a:t>
             </a:r>
             <a:endParaRPr lang="en-US" dirty="0"/>
           </a:p>
@@ -5553,132 +6099,182 @@
         <p:spPr/>
         <p:txBody>
           <a:bodyPr>
-            <a:normAutofit fontScale="92500" lnSpcReduction="20000"/>
+            <a:normAutofit fontScale="85000" lnSpcReduction="20000"/>
           </a:bodyPr>
           <a:lstStyle/>
           <a:p>
             <a:r>
               <a:rPr lang="en-US" dirty="0" smtClean="0"/>
-              <a:t>If the row index </a:t>
-            </a:r>
-            <a:r>
-              <a:rPr lang="en-US" dirty="0"/>
-              <a:t>is a </a:t>
-            </a:r>
-            <a:r>
-              <a:rPr lang="en-US" dirty="0" smtClean="0"/>
-              <a:t>character vector, R will try to find rows with those names:</a:t>
+              <a:t>Get rows by position – index is a numeric vector:</a:t>
+            </a:r>
+          </a:p>
+          <a:p>
+            <a:endParaRPr lang="en-US" dirty="0" smtClean="0"/>
+          </a:p>
+          <a:p>
+            <a:pPr marL="0" indent="0">
+              <a:buNone/>
+            </a:pPr>
+            <a:r>
+              <a:rPr lang="en-US" dirty="0" err="1" smtClean="0">
+                <a:latin typeface="Courier New" pitchFamily="49" charset="0"/>
+                <a:cs typeface="Courier New" pitchFamily="49" charset="0"/>
+              </a:rPr>
+              <a:t>infert</a:t>
+            </a:r>
+            <a:r>
+              <a:rPr lang="en-US" dirty="0" smtClean="0">
+                <a:latin typeface="Courier New" pitchFamily="49" charset="0"/>
+                <a:cs typeface="Courier New" pitchFamily="49" charset="0"/>
+              </a:rPr>
+              <a:t>[1,]</a:t>
+            </a:r>
+          </a:p>
+          <a:p>
+            <a:pPr marL="0" indent="0">
+              <a:buNone/>
+            </a:pPr>
+            <a:r>
+              <a:rPr lang="en-US" dirty="0" err="1" smtClean="0">
+                <a:latin typeface="Courier New" pitchFamily="49" charset="0"/>
+                <a:cs typeface="Courier New" pitchFamily="49" charset="0"/>
+              </a:rPr>
+              <a:t>infert</a:t>
+            </a:r>
+            <a:r>
+              <a:rPr lang="en-US" dirty="0" smtClean="0">
+                <a:latin typeface="Courier New" pitchFamily="49" charset="0"/>
+                <a:cs typeface="Courier New" pitchFamily="49" charset="0"/>
+              </a:rPr>
+              <a:t>[c(1,2),]</a:t>
+            </a:r>
+          </a:p>
+          <a:p>
+            <a:pPr marL="0" indent="0">
+              <a:buNone/>
+            </a:pPr>
+            <a:r>
+              <a:rPr lang="en-US" dirty="0" err="1" smtClean="0">
+                <a:latin typeface="Courier New" pitchFamily="49" charset="0"/>
+                <a:cs typeface="Courier New" pitchFamily="49" charset="0"/>
+              </a:rPr>
+              <a:t>infert</a:t>
+            </a:r>
+            <a:r>
+              <a:rPr lang="en-US" dirty="0" smtClean="0">
+                <a:latin typeface="Courier New" pitchFamily="49" charset="0"/>
+                <a:cs typeface="Courier New" pitchFamily="49" charset="0"/>
+              </a:rPr>
+              <a:t>[1:2,]</a:t>
+            </a:r>
+          </a:p>
+          <a:p>
+            <a:pPr marL="0" indent="0">
+              <a:buNone/>
+            </a:pPr>
+            <a:r>
+              <a:rPr lang="en-US" dirty="0" err="1" smtClean="0">
+                <a:latin typeface="Courier New" pitchFamily="49" charset="0"/>
+                <a:cs typeface="Courier New" pitchFamily="49" charset="0"/>
+              </a:rPr>
+              <a:t>infert</a:t>
+            </a:r>
+            <a:r>
+              <a:rPr lang="en-US" dirty="0" smtClean="0">
+                <a:latin typeface="Courier New" pitchFamily="49" charset="0"/>
+                <a:cs typeface="Courier New" pitchFamily="49" charset="0"/>
+              </a:rPr>
+              <a:t>[2:1,]</a:t>
+            </a:r>
+          </a:p>
+          <a:p>
+            <a:endParaRPr lang="en-US" dirty="0" smtClean="0"/>
+          </a:p>
+          <a:p>
+            <a:r>
+              <a:rPr lang="en-US" dirty="0" smtClean="0"/>
+              <a:t>A minus before the position index means everything except those positions</a:t>
             </a:r>
             <a:endParaRPr lang="en-US" dirty="0"/>
           </a:p>
           <a:p>
-            <a:endParaRPr lang="en-US" dirty="0" smtClean="0"/>
-          </a:p>
-          <a:p>
-            <a:r>
-              <a:rPr lang="en-US" dirty="0" smtClean="0"/>
-              <a:t>It turns out that </a:t>
-            </a:r>
-            <a:r>
-              <a:rPr lang="en-US" dirty="0" err="1" smtClean="0"/>
-              <a:t>infert's</a:t>
-            </a:r>
-            <a:r>
-              <a:rPr lang="en-US" dirty="0" smtClean="0"/>
-              <a:t> row names are (character) numbers.  So for </a:t>
-            </a:r>
-            <a:r>
-              <a:rPr lang="en-US" dirty="0" err="1" smtClean="0"/>
+            <a:pPr marL="0" indent="0">
+              <a:buNone/>
+            </a:pPr>
+            <a:r>
+              <a:rPr lang="en-US" dirty="0" err="1">
+                <a:latin typeface="Courier New" pitchFamily="49" charset="0"/>
+                <a:cs typeface="Courier New" pitchFamily="49" charset="0"/>
+              </a:rPr>
               <a:t>infert</a:t>
             </a:r>
             <a:r>
-              <a:rPr lang="en-US" dirty="0" smtClean="0"/>
-              <a:t>:</a:t>
-            </a:r>
-            <a:endParaRPr lang="en-US" dirty="0"/>
+              <a:rPr lang="en-US" dirty="0" smtClean="0">
+                <a:latin typeface="Courier New" pitchFamily="49" charset="0"/>
+                <a:cs typeface="Courier New" pitchFamily="49" charset="0"/>
+              </a:rPr>
+              <a:t>[-1,]</a:t>
+            </a:r>
           </a:p>
           <a:p>
             <a:pPr marL="0" indent="0">
               <a:buNone/>
             </a:pPr>
-            <a:endParaRPr lang="en-US" sz="2400" dirty="0" smtClean="0">
+            <a:r>
+              <a:rPr lang="en-US" dirty="0" err="1">
+                <a:latin typeface="Courier New" pitchFamily="49" charset="0"/>
+                <a:cs typeface="Courier New" pitchFamily="49" charset="0"/>
+              </a:rPr>
+              <a:t>infert</a:t>
+            </a:r>
+            <a:r>
+              <a:rPr lang="en-US" dirty="0">
+                <a:latin typeface="Courier New" pitchFamily="49" charset="0"/>
+                <a:cs typeface="Courier New" pitchFamily="49" charset="0"/>
+              </a:rPr>
+              <a:t>[-(</a:t>
+            </a:r>
+            <a:r>
+              <a:rPr lang="en-US" dirty="0" smtClean="0">
+                <a:latin typeface="Courier New" pitchFamily="49" charset="0"/>
+                <a:cs typeface="Courier New" pitchFamily="49" charset="0"/>
+              </a:rPr>
+              <a:t>1:244),]</a:t>
+            </a:r>
+            <a:endParaRPr lang="en-US" dirty="0">
               <a:latin typeface="Courier New" pitchFamily="49" charset="0"/>
               <a:cs typeface="Courier New" pitchFamily="49" charset="0"/>
             </a:endParaRPr>
           </a:p>
-          <a:p>
-            <a:pPr marL="0" indent="0">
-              <a:buNone/>
-            </a:pPr>
-            <a:r>
-              <a:rPr lang="en-US" sz="2400" dirty="0" err="1" smtClean="0">
-                <a:latin typeface="Courier New" pitchFamily="49" charset="0"/>
-                <a:cs typeface="Courier New" pitchFamily="49" charset="0"/>
-              </a:rPr>
-              <a:t>infert</a:t>
-            </a:r>
-            <a:r>
-              <a:rPr lang="en-US" sz="2400" dirty="0" smtClean="0">
-                <a:latin typeface="Courier New" pitchFamily="49" charset="0"/>
-                <a:cs typeface="Courier New" pitchFamily="49" charset="0"/>
-              </a:rPr>
-              <a:t>["1",]</a:t>
-            </a:r>
-            <a:endParaRPr lang="en-US" sz="2400" dirty="0">
-              <a:latin typeface="Courier New" pitchFamily="49" charset="0"/>
-              <a:cs typeface="Courier New" pitchFamily="49" charset="0"/>
-            </a:endParaRPr>
-          </a:p>
-          <a:p>
-            <a:pPr marL="0" indent="0">
-              <a:buNone/>
-            </a:pPr>
-            <a:endParaRPr lang="en-US" dirty="0" smtClean="0"/>
-          </a:p>
-          <a:p>
-            <a:pPr marL="0" indent="0">
-              <a:buNone/>
-            </a:pPr>
-            <a:r>
-              <a:rPr lang="en-US" dirty="0" smtClean="0"/>
-              <a:t>works just like:</a:t>
-            </a:r>
-          </a:p>
-          <a:p>
-            <a:pPr marL="0" indent="0">
-              <a:buNone/>
-            </a:pPr>
-            <a:endParaRPr lang="en-US" sz="2400" dirty="0" smtClean="0">
-              <a:latin typeface="Courier New" pitchFamily="49" charset="0"/>
-              <a:cs typeface="Courier New" pitchFamily="49" charset="0"/>
-            </a:endParaRPr>
-          </a:p>
-          <a:p>
-            <a:pPr marL="0" indent="0">
-              <a:buNone/>
-            </a:pPr>
-            <a:r>
-              <a:rPr lang="en-US" sz="2400" dirty="0" err="1" smtClean="0">
-                <a:latin typeface="Courier New" pitchFamily="49" charset="0"/>
-                <a:cs typeface="Courier New" pitchFamily="49" charset="0"/>
-              </a:rPr>
-              <a:t>infert</a:t>
-            </a:r>
-            <a:r>
-              <a:rPr lang="en-US" sz="2400" dirty="0" smtClean="0">
-                <a:latin typeface="Courier New" pitchFamily="49" charset="0"/>
-                <a:cs typeface="Courier New" pitchFamily="49" charset="0"/>
-              </a:rPr>
-              <a:t>[1,]</a:t>
-            </a:r>
-            <a:endParaRPr lang="en-US" sz="2400" dirty="0"/>
+        </p:txBody>
+      </p:sp>
+      <p:sp>
+        <p:nvSpPr>
+          <p:cNvPr id="4" name="Slide Number Placeholder 3"/>
+          <p:cNvSpPr>
+            <a:spLocks noGrp="1"/>
+          </p:cNvSpPr>
+          <p:nvPr>
+            <p:ph type="sldNum" sz="quarter" idx="12"/>
+          </p:nvPr>
+        </p:nvSpPr>
+        <p:spPr/>
+        <p:txBody>
+          <a:bodyPr/>
+          <a:lstStyle/>
+          <a:p>
+            <a:fld id="{2A660FC1-65A1-426E-B7B2-1978E5FE673A}" type="slidenum">
+              <a:rPr lang="en-US" smtClean="0"/>
+              <a:t>17</a:t>
+            </a:fld>
+            <a:endParaRPr lang="en-US"/>
           </a:p>
         </p:txBody>
       </p:sp>
     </p:spTree>
     <p:extLst>
       <p:ext uri="{BB962C8B-B14F-4D97-AF65-F5344CB8AC3E}">
-        <p14:creationId xmlns:p14="http://schemas.microsoft.com/office/powerpoint/2010/main" val="1195199587"/>
+        <p14:creationId xmlns:p14="http://schemas.microsoft.com/office/powerpoint/2010/main" val="1183971871"/>
       </p:ext>
     </p:extLst>
   </p:cSld>
@@ -5688,7 +6284,7 @@
   <p:timing>
     <p:tnLst>
       <p:par>
-        <p:cTn id="1" dur="indefinite" restart="never" nodeType="tmRoot"/>
+        <p:cTn xmlns:p14="http://schemas.microsoft.com/office/powerpoint/2010/main" id="1" dur="indefinite" restart="never" nodeType="tmRoot"/>
       </p:par>
     </p:tnLst>
   </p:timing>
@@ -5724,46 +6320,79 @@
         </p:nvSpPr>
         <p:spPr/>
         <p:txBody>
+          <a:bodyPr/>
+          <a:lstStyle/>
+          <a:p>
+            <a:r>
+              <a:rPr lang="en-US" dirty="0" smtClean="0"/>
+              <a:t>Getting rows by name</a:t>
+            </a:r>
+            <a:endParaRPr lang="en-US" dirty="0"/>
+          </a:p>
+        </p:txBody>
+      </p:sp>
+      <p:sp>
+        <p:nvSpPr>
+          <p:cNvPr id="3" name="Content Placeholder 2"/>
+          <p:cNvSpPr>
+            <a:spLocks noGrp="1"/>
+          </p:cNvSpPr>
+          <p:nvPr>
+            <p:ph idx="1"/>
+          </p:nvPr>
+        </p:nvSpPr>
+        <p:spPr/>
+        <p:txBody>
           <a:bodyPr>
-            <a:normAutofit/>
+            <a:normAutofit fontScale="92500" lnSpcReduction="20000"/>
           </a:bodyPr>
           <a:lstStyle/>
           <a:p>
             <a:r>
               <a:rPr lang="en-US" dirty="0" smtClean="0"/>
-              <a:t>Indexing data frame rows by name: </a:t>
+              <a:t>If the row index </a:t>
+            </a:r>
+            <a:r>
+              <a:rPr lang="en-US" dirty="0"/>
+              <a:t>is a </a:t>
+            </a:r>
+            <a:r>
+              <a:rPr lang="en-US" dirty="0" smtClean="0"/>
+              <a:t>character vector, R will try to find rows with those names:</a:t>
             </a:r>
             <a:endParaRPr lang="en-US" dirty="0"/>
           </a:p>
-        </p:txBody>
-      </p:sp>
-      <p:sp>
-        <p:nvSpPr>
-          <p:cNvPr id="3" name="Content Placeholder 2"/>
-          <p:cNvSpPr>
-            <a:spLocks noGrp="1"/>
-          </p:cNvSpPr>
-          <p:nvPr>
-            <p:ph idx="1"/>
-          </p:nvPr>
-        </p:nvSpPr>
-        <p:spPr/>
-        <p:txBody>
-          <a:bodyPr>
-            <a:normAutofit fontScale="92500"/>
-          </a:bodyPr>
-          <a:lstStyle/>
-          <a:p>
-            <a:r>
-              <a:rPr lang="en-US" sz="3000" dirty="0" smtClean="0"/>
-              <a:t>… but this is not true in general.  See, for example:</a:t>
-            </a:r>
+          <a:p>
+            <a:endParaRPr lang="en-US" dirty="0" smtClean="0"/>
+          </a:p>
+          <a:p>
+            <a:r>
+              <a:rPr lang="en-US" dirty="0" smtClean="0"/>
+              <a:t>It turns out that </a:t>
+            </a:r>
+            <a:r>
+              <a:rPr lang="en-US" dirty="0" err="1" smtClean="0"/>
+              <a:t>infert's</a:t>
+            </a:r>
+            <a:r>
+              <a:rPr lang="en-US" dirty="0" smtClean="0"/>
+              <a:t> row names are (character) numbers.  So for </a:t>
+            </a:r>
+            <a:r>
+              <a:rPr lang="en-US" dirty="0" err="1" smtClean="0"/>
+              <a:t>infert</a:t>
+            </a:r>
+            <a:r>
+              <a:rPr lang="en-US" dirty="0" smtClean="0"/>
+              <a:t>:</a:t>
+            </a:r>
+            <a:endParaRPr lang="en-US" dirty="0"/>
           </a:p>
           <a:p>
             <a:pPr marL="0" indent="0">
               <a:buNone/>
             </a:pPr>
-            <a:endParaRPr lang="en-US" sz="2000" dirty="0" smtClean="0">
+            <a:endParaRPr lang="en-US" sz="2400" dirty="0" smtClean="0">
               <a:latin typeface="Courier New" pitchFamily="49" charset="0"/>
               <a:cs typeface="Courier New" pitchFamily="49" charset="0"/>
             </a:endParaRPr>
@@ -5773,27 +6402,20 @@
               <a:buNone/>
             </a:pPr>
             <a:r>
-              <a:rPr lang="en-US" sz="2000" dirty="0">
-                <a:latin typeface="Courier New" pitchFamily="49" charset="0"/>
-                <a:cs typeface="Courier New" pitchFamily="49" charset="0"/>
-              </a:rPr>
-              <a:t>data(</a:t>
-            </a:r>
-            <a:r>
-              <a:rPr lang="en-US" sz="2000" dirty="0" err="1">
-                <a:latin typeface="Courier New" pitchFamily="49" charset="0"/>
-                <a:cs typeface="Courier New" pitchFamily="49" charset="0"/>
-              </a:rPr>
-              <a:t>USArrests</a:t>
-            </a:r>
-            <a:r>
-              <a:rPr lang="en-US" sz="2000" dirty="0">
-                <a:latin typeface="Courier New" pitchFamily="49" charset="0"/>
-                <a:cs typeface="Courier New" pitchFamily="49" charset="0"/>
-              </a:rPr>
-              <a:t>)</a:t>
-            </a:r>
-            <a:endParaRPr lang="en-US" sz="2000" dirty="0" smtClean="0">
+              <a:rPr lang="en-US" sz="2400" dirty="0" err="1" smtClean="0">
+                <a:latin typeface="Courier New" pitchFamily="49" charset="0"/>
+                <a:cs typeface="Courier New" pitchFamily="49" charset="0"/>
+              </a:rPr>
+              <a:t>infert</a:t>
+            </a:r>
+            <a:r>
+              <a:rPr lang="en-US" sz="2400" dirty="0" smtClean="0">
+                <a:latin typeface="Courier New" pitchFamily="49" charset="0"/>
+                <a:cs typeface="Courier New" pitchFamily="49" charset="0"/>
+              </a:rPr>
+              <a:t>["1",]</a:t>
+            </a:r>
+            <a:endParaRPr lang="en-US" sz="2400" dirty="0">
               <a:latin typeface="Courier New" pitchFamily="49" charset="0"/>
               <a:cs typeface="Courier New" pitchFamily="49" charset="0"/>
             </a:endParaRPr>
@@ -5802,141 +6424,75 @@
             <a:pPr marL="0" indent="0">
               <a:buNone/>
             </a:pPr>
-            <a:r>
-              <a:rPr lang="en-US" sz="2000" dirty="0" smtClean="0">
-                <a:latin typeface="Courier New" pitchFamily="49" charset="0"/>
-                <a:cs typeface="Courier New" pitchFamily="49" charset="0"/>
-              </a:rPr>
-              <a:t>head(</a:t>
-            </a:r>
-            <a:r>
-              <a:rPr lang="en-US" sz="2000" dirty="0" err="1" smtClean="0">
-                <a:latin typeface="Courier New" pitchFamily="49" charset="0"/>
-                <a:cs typeface="Courier New" pitchFamily="49" charset="0"/>
-              </a:rPr>
-              <a:t>USArrests</a:t>
-            </a:r>
-            <a:r>
-              <a:rPr lang="en-US" sz="2000" dirty="0" smtClean="0">
-                <a:latin typeface="Courier New" pitchFamily="49" charset="0"/>
-                <a:cs typeface="Courier New" pitchFamily="49" charset="0"/>
-              </a:rPr>
-              <a:t>)</a:t>
-            </a:r>
+            <a:endParaRPr lang="en-US" dirty="0" smtClean="0"/>
           </a:p>
           <a:p>
             <a:pPr marL="0" indent="0">
               <a:buNone/>
             </a:pPr>
-            <a:endParaRPr lang="en-US" sz="2000" dirty="0" smtClean="0">
+            <a:r>
+              <a:rPr lang="en-US" dirty="0" smtClean="0"/>
+              <a:t>works just like:</a:t>
+            </a:r>
+          </a:p>
+          <a:p>
+            <a:pPr marL="0" indent="0">
+              <a:buNone/>
+            </a:pPr>
+            <a:endParaRPr lang="en-US" sz="2400" dirty="0" smtClean="0">
               <a:latin typeface="Courier New" pitchFamily="49" charset="0"/>
               <a:cs typeface="Courier New" pitchFamily="49" charset="0"/>
             </a:endParaRPr>
           </a:p>
           <a:p>
-            <a:r>
-              <a:rPr lang="en-US" sz="3000" dirty="0" smtClean="0">
-                <a:cs typeface="Courier New" pitchFamily="49" charset="0"/>
-              </a:rPr>
-              <a:t>For the </a:t>
-            </a:r>
-            <a:r>
-              <a:rPr lang="en-US" sz="3000" dirty="0" err="1" smtClean="0">
-                <a:cs typeface="Courier New" pitchFamily="49" charset="0"/>
-              </a:rPr>
-              <a:t>USArrests</a:t>
-            </a:r>
-            <a:r>
-              <a:rPr lang="en-US" sz="3000" dirty="0" smtClean="0">
-                <a:cs typeface="Courier New" pitchFamily="49" charset="0"/>
-              </a:rPr>
-              <a:t> dataset, </a:t>
-            </a:r>
-            <a:r>
-              <a:rPr lang="en-US" sz="3000" dirty="0" err="1" smtClean="0">
-                <a:cs typeface="Courier New" pitchFamily="49" charset="0"/>
-              </a:rPr>
-              <a:t>rownames</a:t>
-            </a:r>
-            <a:r>
-              <a:rPr lang="en-US" sz="3000" dirty="0" smtClean="0">
-                <a:cs typeface="Courier New" pitchFamily="49" charset="0"/>
-              </a:rPr>
-              <a:t> are state names.  So:</a:t>
-            </a:r>
-          </a:p>
-          <a:p>
-            <a:endParaRPr lang="en-US" dirty="0" smtClean="0">
-              <a:cs typeface="Courier New" pitchFamily="49" charset="0"/>
-            </a:endParaRPr>
-          </a:p>
-          <a:p>
             <a:pPr marL="0" indent="0">
               <a:buNone/>
             </a:pPr>
             <a:r>
-              <a:rPr lang="en-US" sz="2000" dirty="0" err="1" smtClean="0">
-                <a:latin typeface="Courier New" pitchFamily="49" charset="0"/>
-                <a:cs typeface="Courier New" pitchFamily="49" charset="0"/>
-              </a:rPr>
-              <a:t>USArrests</a:t>
-            </a:r>
-            <a:r>
-              <a:rPr lang="en-US" sz="2000" dirty="0" smtClean="0">
-                <a:latin typeface="Courier New" pitchFamily="49" charset="0"/>
-                <a:cs typeface="Courier New" pitchFamily="49" charset="0"/>
-              </a:rPr>
-              <a:t>[1,] # works</a:t>
-            </a:r>
-          </a:p>
-          <a:p>
-            <a:pPr marL="0" indent="0">
-              <a:buNone/>
-            </a:pPr>
-            <a:r>
-              <a:rPr lang="en-US" sz="2000" dirty="0" err="1" smtClean="0">
-                <a:latin typeface="Courier New" pitchFamily="49" charset="0"/>
-                <a:cs typeface="Courier New" pitchFamily="49" charset="0"/>
-              </a:rPr>
-              <a:t>USArrests</a:t>
-            </a:r>
-            <a:r>
-              <a:rPr lang="en-US" sz="2000" dirty="0" smtClean="0">
-                <a:latin typeface="Courier New" pitchFamily="49" charset="0"/>
-                <a:cs typeface="Courier New" pitchFamily="49" charset="0"/>
-              </a:rPr>
-              <a:t>["New York",] # works</a:t>
-            </a:r>
-          </a:p>
-          <a:p>
-            <a:pPr marL="0" indent="0">
-              <a:buNone/>
-            </a:pPr>
-            <a:r>
-              <a:rPr lang="en-US" sz="2000" dirty="0" err="1">
-                <a:latin typeface="Courier New" pitchFamily="49" charset="0"/>
-                <a:cs typeface="Courier New" pitchFamily="49" charset="0"/>
-              </a:rPr>
-              <a:t>USArrests</a:t>
-            </a:r>
-            <a:r>
-              <a:rPr lang="en-US" sz="2000" dirty="0" smtClean="0">
-                <a:latin typeface="Courier New" pitchFamily="49" charset="0"/>
-                <a:cs typeface="Courier New" pitchFamily="49" charset="0"/>
-              </a:rPr>
-              <a:t>["1",] # returns an error</a:t>
-            </a:r>
-            <a:endParaRPr lang="en-US" sz="2000" dirty="0">
-              <a:latin typeface="Courier New" pitchFamily="49" charset="0"/>
-              <a:cs typeface="Courier New" pitchFamily="49" charset="0"/>
-            </a:endParaRPr>
+              <a:rPr lang="en-US" sz="2400" dirty="0" err="1" smtClean="0">
+                <a:latin typeface="Courier New" pitchFamily="49" charset="0"/>
+                <a:cs typeface="Courier New" pitchFamily="49" charset="0"/>
+              </a:rPr>
+              <a:t>infert</a:t>
+            </a:r>
+            <a:r>
+              <a:rPr lang="en-US" sz="2400" dirty="0" smtClean="0">
+                <a:latin typeface="Courier New" pitchFamily="49" charset="0"/>
+                <a:cs typeface="Courier New" pitchFamily="49" charset="0"/>
+              </a:rPr>
+              <a:t>[1,]</a:t>
+            </a:r>
+            <a:endParaRPr lang="en-US" sz="2400" dirty="0"/>
+          </a:p>
+        </p:txBody>
+      </p:sp>
+      <p:sp>
+        <p:nvSpPr>
+          <p:cNvPr id="4" name="Slide Number Placeholder 3"/>
+          <p:cNvSpPr>
+            <a:spLocks noGrp="1"/>
+          </p:cNvSpPr>
+          <p:nvPr>
+            <p:ph type="sldNum" sz="quarter" idx="12"/>
+          </p:nvPr>
+        </p:nvSpPr>
+        <p:spPr/>
+        <p:txBody>
+          <a:bodyPr/>
+          <a:lstStyle/>
+          <a:p>
+            <a:fld id="{2A660FC1-65A1-426E-B7B2-1978E5FE673A}" type="slidenum">
+              <a:rPr lang="en-US" smtClean="0"/>
+              <a:t>18</a:t>
+            </a:fld>
+            <a:endParaRPr lang="en-US"/>
           </a:p>
         </p:txBody>
       </p:sp>
     </p:spTree>
     <p:extLst>
       <p:ext uri="{BB962C8B-B14F-4D97-AF65-F5344CB8AC3E}">
-        <p14:creationId xmlns:p14="http://schemas.microsoft.com/office/powerpoint/2010/main" val="2643187762"/>
+        <p14:creationId xmlns:p14="http://schemas.microsoft.com/office/powerpoint/2010/main" val="1195199587"/>
       </p:ext>
     </p:extLst>
   </p:cSld>
@@ -5946,7 +6502,7 @@
   <p:timing>
     <p:tnLst>
       <p:par>
-        <p:cTn id="1" dur="indefinite" restart="never" nodeType="tmRoot"/>
+        <p:cTn xmlns:p14="http://schemas.microsoft.com/office/powerpoint/2010/main" id="1" dur="indefinite" restart="never" nodeType="tmRoot"/>
       </p:par>
     </p:tnLst>
   </p:timing>
@@ -5983,17 +6539,13 @@
         <p:spPr/>
         <p:txBody>
           <a:bodyPr>
-            <a:normAutofit fontScale="90000"/>
+            <a:normAutofit/>
           </a:bodyPr>
           <a:lstStyle/>
           <a:p>
             <a:r>
-              <a:rPr lang="en-US" dirty="0"/>
-              <a:t>Indexing data frames to get </a:t>
-            </a:r>
-            <a:r>
-              <a:rPr lang="en-US" dirty="0" smtClean="0"/>
-              <a:t>columns</a:t>
+              <a:rPr lang="en-US" dirty="0" smtClean="0"/>
+              <a:t>Indexing data frame rows by name: </a:t>
             </a:r>
             <a:endParaRPr lang="en-US" dirty="0"/>
           </a:p>
@@ -6012,38 +6564,20 @@
         <p:spPr/>
         <p:txBody>
           <a:bodyPr>
-            <a:normAutofit fontScale="92500" lnSpcReduction="20000"/>
+            <a:normAutofit fontScale="92500"/>
           </a:bodyPr>
           <a:lstStyle/>
           <a:p>
             <a:r>
-              <a:rPr lang="en-US" dirty="0" smtClean="0"/>
-              <a:t>Can also get columns by position, name, or logical:</a:t>
-            </a:r>
-            <a:endParaRPr lang="en-US" dirty="0"/>
-          </a:p>
-          <a:p>
-            <a:endParaRPr lang="en-US" dirty="0"/>
+              <a:rPr lang="en-US" sz="3000" dirty="0" smtClean="0"/>
+              <a:t>… but this is not true in general.  See, for example:</a:t>
+            </a:r>
           </a:p>
           <a:p>
             <a:pPr marL="0" indent="0">
               <a:buNone/>
             </a:pPr>
-            <a:r>
-              <a:rPr lang="en-US" sz="2200" dirty="0" err="1">
-                <a:latin typeface="Courier New" pitchFamily="49" charset="0"/>
-                <a:cs typeface="Courier New" pitchFamily="49" charset="0"/>
-              </a:rPr>
-              <a:t>infert</a:t>
-            </a:r>
-            <a:r>
-              <a:rPr lang="en-US" sz="2200" dirty="0" smtClean="0">
-                <a:latin typeface="Courier New" pitchFamily="49" charset="0"/>
-                <a:cs typeface="Courier New" pitchFamily="49" charset="0"/>
-              </a:rPr>
-              <a:t>[,1]</a:t>
-            </a:r>
-            <a:endParaRPr lang="en-US" sz="2200" dirty="0">
+            <a:endParaRPr lang="en-US" sz="2000" dirty="0" smtClean="0">
               <a:latin typeface="Courier New" pitchFamily="49" charset="0"/>
               <a:cs typeface="Courier New" pitchFamily="49" charset="0"/>
             </a:endParaRPr>
@@ -6053,126 +6587,193 @@
               <a:buNone/>
             </a:pPr>
             <a:r>
-              <a:rPr lang="en-US" sz="2200" dirty="0" err="1" smtClean="0">
-                <a:latin typeface="Courier New" pitchFamily="49" charset="0"/>
-                <a:cs typeface="Courier New" pitchFamily="49" charset="0"/>
-              </a:rPr>
-              <a:t>infert</a:t>
-            </a:r>
-            <a:r>
-              <a:rPr lang="en-US" sz="2200" dirty="0" smtClean="0">
-                <a:latin typeface="Courier New" pitchFamily="49" charset="0"/>
-                <a:cs typeface="Courier New" pitchFamily="49" charset="0"/>
-              </a:rPr>
-              <a:t>[,1:2]</a:t>
-            </a:r>
-          </a:p>
-          <a:p>
-            <a:pPr marL="0" indent="0">
-              <a:buNone/>
-            </a:pPr>
-            <a:r>
-              <a:rPr lang="en-US" sz="2200" dirty="0" err="1" smtClean="0">
-                <a:latin typeface="Courier New" pitchFamily="49" charset="0"/>
-                <a:cs typeface="Courier New" pitchFamily="49" charset="0"/>
-              </a:rPr>
-              <a:t>infert</a:t>
-            </a:r>
-            <a:r>
-              <a:rPr lang="en-US" sz="2200" dirty="0" smtClean="0">
-                <a:latin typeface="Courier New" pitchFamily="49" charset="0"/>
-                <a:cs typeface="Courier New" pitchFamily="49" charset="0"/>
-              </a:rPr>
-              <a:t>[,'age']</a:t>
-            </a:r>
-          </a:p>
-          <a:p>
-            <a:pPr marL="0" indent="0">
-              <a:buNone/>
-            </a:pPr>
-            <a:r>
-              <a:rPr lang="en-US" sz="2200" dirty="0" err="1" smtClean="0">
-                <a:latin typeface="Courier New" pitchFamily="49" charset="0"/>
-                <a:cs typeface="Courier New" pitchFamily="49" charset="0"/>
-              </a:rPr>
-              <a:t>infert</a:t>
-            </a:r>
-            <a:r>
-              <a:rPr lang="en-US" sz="2200" dirty="0" smtClean="0">
-                <a:latin typeface="Courier New" pitchFamily="49" charset="0"/>
-                <a:cs typeface="Courier New" pitchFamily="49" charset="0"/>
-              </a:rPr>
-              <a:t>[,c(T,T,F,F,F,F,F,F)]</a:t>
-            </a:r>
-          </a:p>
-          <a:p>
-            <a:pPr marL="0" indent="0">
-              <a:buNone/>
-            </a:pPr>
-            <a:endParaRPr lang="en-US" dirty="0">
+              <a:rPr lang="en-US" sz="2000" dirty="0">
+                <a:latin typeface="Courier New" pitchFamily="49" charset="0"/>
+                <a:cs typeface="Courier New" pitchFamily="49" charset="0"/>
+              </a:rPr>
+              <a:t>data(</a:t>
+            </a:r>
+            <a:r>
+              <a:rPr lang="en-US" sz="2000" dirty="0" err="1">
+                <a:latin typeface="Courier New" pitchFamily="49" charset="0"/>
+                <a:cs typeface="Courier New" pitchFamily="49" charset="0"/>
+              </a:rPr>
+              <a:t>USArrests</a:t>
+            </a:r>
+            <a:r>
+              <a:rPr lang="en-US" sz="2000" dirty="0">
+                <a:latin typeface="Courier New" pitchFamily="49" charset="0"/>
+                <a:cs typeface="Courier New" pitchFamily="49" charset="0"/>
+              </a:rPr>
+              <a:t>)</a:t>
+            </a:r>
+            <a:endParaRPr lang="en-US" sz="2000" dirty="0" smtClean="0">
               <a:latin typeface="Courier New" pitchFamily="49" charset="0"/>
               <a:cs typeface="Courier New" pitchFamily="49" charset="0"/>
             </a:endParaRPr>
           </a:p>
           <a:p>
-            <a:r>
-              <a:rPr lang="en-US" dirty="0" smtClean="0"/>
-              <a:t>In my experience, most column indexing is by name using $:</a:t>
-            </a:r>
-            <a:endParaRPr lang="en-US" dirty="0"/>
-          </a:p>
-          <a:p>
             <a:pPr marL="0" indent="0">
               <a:buNone/>
             </a:pPr>
-            <a:endParaRPr lang="en-US" sz="2200" dirty="0" smtClean="0">
+            <a:r>
+              <a:rPr lang="en-US" sz="2000" dirty="0" smtClean="0">
+                <a:latin typeface="Courier New" pitchFamily="49" charset="0"/>
+                <a:cs typeface="Courier New" pitchFamily="49" charset="0"/>
+              </a:rPr>
+              <a:t>head(</a:t>
+            </a:r>
+            <a:r>
+              <a:rPr lang="en-US" sz="2000" dirty="0" err="1" smtClean="0">
+                <a:latin typeface="Courier New" pitchFamily="49" charset="0"/>
+                <a:cs typeface="Courier New" pitchFamily="49" charset="0"/>
+              </a:rPr>
+              <a:t>USArrests</a:t>
+            </a:r>
+            <a:r>
+              <a:rPr lang="en-US" sz="2000" dirty="0" smtClean="0">
+                <a:latin typeface="Courier New" pitchFamily="49" charset="0"/>
+                <a:cs typeface="Courier New" pitchFamily="49" charset="0"/>
+              </a:rPr>
+              <a:t>)</a:t>
+            </a:r>
+          </a:p>
+          <a:p>
+            <a:pPr marL="0" indent="0">
+              <a:buNone/>
+            </a:pPr>
+            <a:endParaRPr lang="en-US" sz="2000" dirty="0" smtClean="0">
               <a:latin typeface="Courier New" pitchFamily="49" charset="0"/>
               <a:cs typeface="Courier New" pitchFamily="49" charset="0"/>
             </a:endParaRPr>
           </a:p>
           <a:p>
+            <a:r>
+              <a:rPr lang="en-US" sz="3000" dirty="0" smtClean="0">
+                <a:cs typeface="Courier New" pitchFamily="49" charset="0"/>
+              </a:rPr>
+              <a:t>For the </a:t>
+            </a:r>
+            <a:r>
+              <a:rPr lang="en-US" sz="3000" dirty="0" err="1" smtClean="0">
+                <a:cs typeface="Courier New" pitchFamily="49" charset="0"/>
+              </a:rPr>
+              <a:t>USArrests</a:t>
+            </a:r>
+            <a:r>
+              <a:rPr lang="en-US" sz="3000" dirty="0" smtClean="0">
+                <a:cs typeface="Courier New" pitchFamily="49" charset="0"/>
+              </a:rPr>
+              <a:t> dataset, </a:t>
+            </a:r>
+            <a:r>
+              <a:rPr lang="en-US" sz="3000" dirty="0" err="1" smtClean="0">
+                <a:cs typeface="Courier New" pitchFamily="49" charset="0"/>
+              </a:rPr>
+              <a:t>rownames</a:t>
+            </a:r>
+            <a:r>
+              <a:rPr lang="en-US" sz="3000" dirty="0" smtClean="0">
+                <a:cs typeface="Courier New" pitchFamily="49" charset="0"/>
+              </a:rPr>
+              <a:t> are state names.  So:</a:t>
+            </a:r>
+          </a:p>
+          <a:p>
+            <a:endParaRPr lang="en-US" dirty="0" smtClean="0">
+              <a:cs typeface="Courier New" pitchFamily="49" charset="0"/>
+            </a:endParaRPr>
+          </a:p>
+          <a:p>
             <a:pPr marL="0" indent="0">
               <a:buNone/>
             </a:pPr>
             <a:r>
-              <a:rPr lang="en-US" sz="2200" dirty="0" err="1" smtClean="0">
-                <a:latin typeface="Courier New" pitchFamily="49" charset="0"/>
-                <a:cs typeface="Courier New" pitchFamily="49" charset="0"/>
-              </a:rPr>
-              <a:t>infert$age</a:t>
-            </a:r>
-            <a:endParaRPr lang="en-US" sz="2200" dirty="0" smtClean="0">
+              <a:rPr lang="en-US" sz="2000" dirty="0" err="1" smtClean="0">
+                <a:latin typeface="Courier New" pitchFamily="49" charset="0"/>
+                <a:cs typeface="Courier New" pitchFamily="49" charset="0"/>
+              </a:rPr>
+              <a:t>USArrests</a:t>
+            </a:r>
+            <a:r>
+              <a:rPr lang="en-US" sz="2000" dirty="0" smtClean="0">
+                <a:latin typeface="Courier New" pitchFamily="49" charset="0"/>
+                <a:cs typeface="Courier New" pitchFamily="49" charset="0"/>
+              </a:rPr>
+              <a:t>[1,] # works</a:t>
+            </a:r>
+          </a:p>
+          <a:p>
+            <a:pPr marL="0" indent="0">
+              <a:buNone/>
+            </a:pPr>
+            <a:r>
+              <a:rPr lang="en-US" sz="2000" dirty="0" err="1" smtClean="0">
+                <a:latin typeface="Courier New" pitchFamily="49" charset="0"/>
+                <a:cs typeface="Courier New" pitchFamily="49" charset="0"/>
+              </a:rPr>
+              <a:t>USArrests</a:t>
+            </a:r>
+            <a:r>
+              <a:rPr lang="en-US" sz="2000" dirty="0" smtClean="0">
+                <a:latin typeface="Courier New" pitchFamily="49" charset="0"/>
+                <a:cs typeface="Courier New" pitchFamily="49" charset="0"/>
+              </a:rPr>
+              <a:t>["New York",] # works</a:t>
+            </a:r>
+          </a:p>
+          <a:p>
+            <a:pPr marL="0" indent="0">
+              <a:buNone/>
+            </a:pPr>
+            <a:r>
+              <a:rPr lang="en-US" sz="2000" dirty="0" err="1">
+                <a:latin typeface="Courier New" pitchFamily="49" charset="0"/>
+                <a:cs typeface="Courier New" pitchFamily="49" charset="0"/>
+              </a:rPr>
+              <a:t>USArrests</a:t>
+            </a:r>
+            <a:r>
+              <a:rPr lang="en-US" sz="2000" dirty="0" smtClean="0">
+                <a:latin typeface="Courier New" pitchFamily="49" charset="0"/>
+                <a:cs typeface="Courier New" pitchFamily="49" charset="0"/>
+              </a:rPr>
+              <a:t>["1",] # returns an error</a:t>
+            </a:r>
+            <a:endParaRPr lang="en-US" sz="2000" dirty="0">
               <a:latin typeface="Courier New" pitchFamily="49" charset="0"/>
               <a:cs typeface="Courier New" pitchFamily="49" charset="0"/>
             </a:endParaRPr>
           </a:p>
-          <a:p>
-            <a:pPr marL="0" indent="0">
-              <a:buNone/>
-            </a:pPr>
-            <a:endParaRPr lang="en-US" dirty="0">
-              <a:latin typeface="Courier New" pitchFamily="49" charset="0"/>
-              <a:cs typeface="Courier New" pitchFamily="49" charset="0"/>
-            </a:endParaRPr>
-          </a:p>
-          <a:p>
-            <a:pPr marL="0" indent="0">
-              <a:buNone/>
-            </a:pPr>
-            <a:endParaRPr lang="en-US" dirty="0">
-              <a:latin typeface="Courier New" pitchFamily="49" charset="0"/>
-              <a:cs typeface="Courier New" pitchFamily="49" charset="0"/>
-            </a:endParaRPr>
-          </a:p>
-          <a:p>
-            <a:endParaRPr lang="en-US" dirty="0"/>
+        </p:txBody>
+      </p:sp>
+      <p:sp>
+        <p:nvSpPr>
+          <p:cNvPr id="4" name="Slide Number Placeholder 3"/>
+          <p:cNvSpPr>
+            <a:spLocks noGrp="1"/>
+          </p:cNvSpPr>
+          <p:nvPr>
+            <p:ph type="sldNum" sz="quarter" idx="12"/>
+          </p:nvPr>
+        </p:nvSpPr>
+        <p:spPr/>
+        <p:txBody>
+          <a:bodyPr/>
+          <a:lstStyle/>
+          <a:p>
+            <a:fld id="{2A660FC1-65A1-426E-B7B2-1978E5FE673A}" type="slidenum">
+              <a:rPr lang="en-US" smtClean="0"/>
+              <a:t>19</a:t>
+            </a:fld>
+            <a:endParaRPr lang="en-US"/>
           </a:p>
         </p:txBody>
       </p:sp>
     </p:spTree>
     <p:extLst>
       <p:ext uri="{BB962C8B-B14F-4D97-AF65-F5344CB8AC3E}">
-        <p14:creationId xmlns:p14="http://schemas.microsoft.com/office/powerpoint/2010/main" val="3733499568"/>
+        <p14:creationId xmlns:p14="http://schemas.microsoft.com/office/powerpoint/2010/main" val="2643187762"/>
       </p:ext>
     </p:extLst>
   </p:cSld>
@@ -6182,7 +6783,7 @@
   <p:timing>
     <p:tnLst>
       <p:par>
-        <p:cTn id="1" dur="indefinite" restart="never" nodeType="tmRoot"/>
+        <p:cTn xmlns:p14="http://schemas.microsoft.com/office/powerpoint/2010/main" id="1" dur="indefinite" restart="never" nodeType="tmRoot"/>
       </p:par>
     </p:tnLst>
   </p:timing>
@@ -6358,7 +6959,7 @@
   <p:timing>
     <p:tnLst>
       <p:par>
-        <p:cTn id="1" dur="indefinite" restart="never" nodeType="tmRoot"/>
+        <p:cTn xmlns:p14="http://schemas.microsoft.com/office/powerpoint/2010/main" id="1" dur="indefinite" restart="never" nodeType="tmRoot"/>
       </p:par>
     </p:tnLst>
   </p:timing>
@@ -6395,17 +6996,17 @@
         <p:spPr/>
         <p:txBody>
           <a:bodyPr>
-            <a:normAutofit/>
+            <a:normAutofit fontScale="90000"/>
           </a:bodyPr>
           <a:lstStyle/>
           <a:p>
             <a:r>
-              <a:rPr lang="en-US" dirty="0" smtClean="0"/>
-              <a:t>Indexing data frames by </a:t>
-            </a:r>
-            <a:r>
-              <a:rPr lang="en-US" dirty="0" err="1" smtClean="0"/>
-              <a:t>boolean</a:t>
+              <a:rPr lang="en-US" dirty="0"/>
+              <a:t>Indexing data frames to get </a:t>
+            </a:r>
+            <a:r>
+              <a:rPr lang="en-US" dirty="0" smtClean="0"/>
+              <a:t>columns</a:t>
             </a:r>
             <a:endParaRPr lang="en-US" dirty="0"/>
           </a:p>
@@ -6424,34 +7025,38 @@
         <p:spPr/>
         <p:txBody>
           <a:bodyPr>
-            <a:normAutofit lnSpcReduction="10000"/>
+            <a:normAutofit fontScale="92500" lnSpcReduction="20000"/>
           </a:bodyPr>
           <a:lstStyle/>
           <a:p>
             <a:r>
               <a:rPr lang="en-US" dirty="0" smtClean="0"/>
-              <a:t>In my experience, you frequently want to index rows to filter your data.</a:t>
-            </a:r>
-          </a:p>
-          <a:p>
-            <a:r>
-              <a:rPr lang="en-US" dirty="0" smtClean="0"/>
-              <a:t>The filter logic can usually be a </a:t>
-            </a:r>
-            <a:r>
-              <a:rPr lang="en-US" dirty="0" err="1" smtClean="0"/>
-              <a:t>boolean</a:t>
-            </a:r>
-            <a:r>
-              <a:rPr lang="en-US" dirty="0" smtClean="0"/>
-              <a:t> statement:</a:t>
-            </a:r>
+              <a:t>Can also get columns by position, name, or logical:</a:t>
+            </a:r>
+            <a:endParaRPr lang="en-US" dirty="0"/>
+          </a:p>
+          <a:p>
+            <a:endParaRPr lang="en-US" dirty="0"/>
           </a:p>
           <a:p>
             <a:pPr marL="0" indent="0">
               <a:buNone/>
             </a:pPr>
-            <a:endParaRPr lang="en-US" sz="2400" dirty="0" smtClean="0">
+            <a:r>
+              <a:rPr lang="en-US" sz="2200" dirty="0" err="1">
+                <a:latin typeface="Courier New" pitchFamily="49" charset="0"/>
+                <a:cs typeface="Courier New" pitchFamily="49" charset="0"/>
+              </a:rPr>
+              <a:t>infert</a:t>
+            </a:r>
+            <a:r>
+              <a:rPr lang="en-US" sz="2200" dirty="0" smtClean="0">
+                <a:latin typeface="Courier New" pitchFamily="49" charset="0"/>
+                <a:cs typeface="Courier New" pitchFamily="49" charset="0"/>
+              </a:rPr>
+              <a:t>[,1]</a:t>
+            </a:r>
+            <a:endParaRPr lang="en-US" sz="2200" dirty="0">
               <a:latin typeface="Courier New" pitchFamily="49" charset="0"/>
               <a:cs typeface="Courier New" pitchFamily="49" charset="0"/>
             </a:endParaRPr>
@@ -6461,32 +7066,18 @@
               <a:buNone/>
             </a:pPr>
             <a:r>
-              <a:rPr lang="en-US" sz="2400" dirty="0" smtClean="0">
-                <a:latin typeface="Courier New" pitchFamily="49" charset="0"/>
-                <a:cs typeface="Courier New" pitchFamily="49" charset="0"/>
-              </a:rPr>
-              <a:t>rows_over_40 &lt;- </a:t>
-            </a:r>
-            <a:r>
-              <a:rPr lang="en-US" sz="2400" dirty="0" err="1">
-                <a:latin typeface="Courier New" pitchFamily="49" charset="0"/>
-                <a:cs typeface="Courier New" pitchFamily="49" charset="0"/>
-              </a:rPr>
-              <a:t>infert$age</a:t>
-            </a:r>
-            <a:r>
-              <a:rPr lang="en-US" sz="2400" dirty="0">
-                <a:latin typeface="Courier New" pitchFamily="49" charset="0"/>
-                <a:cs typeface="Courier New" pitchFamily="49" charset="0"/>
-              </a:rPr>
-              <a:t> &gt; </a:t>
-            </a:r>
-            <a:r>
-              <a:rPr lang="en-US" sz="2400" dirty="0" smtClean="0">
-                <a:latin typeface="Courier New" pitchFamily="49" charset="0"/>
-                <a:cs typeface="Courier New" pitchFamily="49" charset="0"/>
-              </a:rPr>
-              <a:t>40</a:t>
+              <a:rPr lang="en-US" sz="2200" dirty="0" err="1" smtClean="0">
+                <a:latin typeface="Courier New" pitchFamily="49" charset="0"/>
+                <a:cs typeface="Courier New" pitchFamily="49" charset="0"/>
+              </a:rPr>
+              <a:t>infert</a:t>
+            </a:r>
+            <a:r>
+              <a:rPr lang="en-US" sz="2200" dirty="0" smtClean="0">
+                <a:latin typeface="Courier New" pitchFamily="49" charset="0"/>
+                <a:cs typeface="Courier New" pitchFamily="49" charset="0"/>
+              </a:rPr>
+              <a:t>[,1:2]</a:t>
             </a:r>
           </a:p>
           <a:p>
@@ -6494,91 +7085,130 @@
               <a:buNone/>
             </a:pPr>
             <a:r>
-              <a:rPr lang="en-US" sz="2400" dirty="0" smtClean="0">
-                <a:latin typeface="Courier New" pitchFamily="49" charset="0"/>
-                <a:cs typeface="Courier New" pitchFamily="49" charset="0"/>
-              </a:rPr>
-              <a:t>rows_over_40</a:t>
-            </a:r>
-            <a:endParaRPr lang="en-US" sz="2400" dirty="0">
+              <a:rPr lang="en-US" sz="2200" dirty="0" err="1" smtClean="0">
+                <a:latin typeface="Courier New" pitchFamily="49" charset="0"/>
+                <a:cs typeface="Courier New" pitchFamily="49" charset="0"/>
+              </a:rPr>
+              <a:t>infert</a:t>
+            </a:r>
+            <a:r>
+              <a:rPr lang="en-US" sz="2200" dirty="0" smtClean="0">
+                <a:latin typeface="Courier New" pitchFamily="49" charset="0"/>
+                <a:cs typeface="Courier New" pitchFamily="49" charset="0"/>
+              </a:rPr>
+              <a:t>[,'age']</a:t>
+            </a:r>
+          </a:p>
+          <a:p>
+            <a:pPr marL="0" indent="0">
+              <a:buNone/>
+            </a:pPr>
+            <a:r>
+              <a:rPr lang="en-US" sz="2200" dirty="0" err="1" smtClean="0">
+                <a:latin typeface="Courier New" pitchFamily="49" charset="0"/>
+                <a:cs typeface="Courier New" pitchFamily="49" charset="0"/>
+              </a:rPr>
+              <a:t>infert</a:t>
+            </a:r>
+            <a:r>
+              <a:rPr lang="en-US" sz="2200" dirty="0" smtClean="0">
+                <a:latin typeface="Courier New" pitchFamily="49" charset="0"/>
+                <a:cs typeface="Courier New" pitchFamily="49" charset="0"/>
+              </a:rPr>
+              <a:t>[,c(T,T,F,F,F,F,F,F)]</a:t>
+            </a:r>
+          </a:p>
+          <a:p>
+            <a:pPr marL="0" indent="0">
+              <a:buNone/>
+            </a:pPr>
+            <a:endParaRPr lang="en-US" dirty="0">
               <a:latin typeface="Courier New" pitchFamily="49" charset="0"/>
               <a:cs typeface="Courier New" pitchFamily="49" charset="0"/>
             </a:endParaRPr>
           </a:p>
           <a:p>
+            <a:r>
+              <a:rPr lang="en-US" dirty="0" smtClean="0"/>
+              <a:t>In my experience, most column indexing is by name using $:</a:t>
+            </a:r>
+            <a:endParaRPr lang="en-US" dirty="0"/>
+          </a:p>
+          <a:p>
             <a:pPr marL="0" indent="0">
               <a:buNone/>
             </a:pPr>
-            <a:r>
-              <a:rPr lang="en-US" sz="2400" dirty="0" smtClean="0">
-                <a:latin typeface="Courier New" pitchFamily="49" charset="0"/>
-                <a:cs typeface="Courier New" pitchFamily="49" charset="0"/>
-              </a:rPr>
-              <a:t>table(rows_over_40)</a:t>
-            </a:r>
-          </a:p>
-          <a:p>
-            <a:pPr marL="0" indent="0">
-              <a:buNone/>
-            </a:pPr>
-            <a:r>
-              <a:rPr lang="en-US" sz="2400" dirty="0" err="1" smtClean="0">
-                <a:latin typeface="Courier New" pitchFamily="49" charset="0"/>
-                <a:cs typeface="Courier New" pitchFamily="49" charset="0"/>
-              </a:rPr>
-              <a:t>infert</a:t>
-            </a:r>
-            <a:r>
-              <a:rPr lang="en-US" sz="2400" dirty="0" smtClean="0">
-                <a:latin typeface="Courier New" pitchFamily="49" charset="0"/>
-                <a:cs typeface="Courier New" pitchFamily="49" charset="0"/>
-              </a:rPr>
-              <a:t>[rows_over_40,]</a:t>
-            </a:r>
-          </a:p>
-          <a:p>
-            <a:pPr marL="0" indent="0">
-              <a:buNone/>
-            </a:pPr>
-            <a:r>
-              <a:rPr lang="en-US" sz="2400" dirty="0" err="1" smtClean="0">
-                <a:latin typeface="Courier New" pitchFamily="49" charset="0"/>
-                <a:cs typeface="Courier New" pitchFamily="49" charset="0"/>
-              </a:rPr>
-              <a:t>infert</a:t>
-            </a:r>
-            <a:r>
-              <a:rPr lang="en-US" sz="2400" dirty="0" smtClean="0">
-                <a:latin typeface="Courier New" pitchFamily="49" charset="0"/>
-                <a:cs typeface="Courier New" pitchFamily="49" charset="0"/>
-              </a:rPr>
-              <a:t>[</a:t>
-            </a:r>
-            <a:r>
-              <a:rPr lang="en-US" sz="2400" dirty="0" err="1" smtClean="0">
-                <a:latin typeface="Courier New" pitchFamily="49" charset="0"/>
-                <a:cs typeface="Courier New" pitchFamily="49" charset="0"/>
-              </a:rPr>
-              <a:t>infert$age</a:t>
-            </a:r>
-            <a:r>
-              <a:rPr lang="en-US" sz="2400" dirty="0" smtClean="0">
-                <a:latin typeface="Courier New" pitchFamily="49" charset="0"/>
-                <a:cs typeface="Courier New" pitchFamily="49" charset="0"/>
-              </a:rPr>
-              <a:t> &gt; 40,]</a:t>
-            </a:r>
-            <a:endParaRPr lang="en-US" sz="2400" dirty="0">
+            <a:endParaRPr lang="en-US" sz="2200" dirty="0" smtClean="0">
               <a:latin typeface="Courier New" pitchFamily="49" charset="0"/>
               <a:cs typeface="Courier New" pitchFamily="49" charset="0"/>
             </a:endParaRPr>
           </a:p>
+          <a:p>
+            <a:pPr marL="0" indent="0">
+              <a:buNone/>
+            </a:pPr>
+            <a:r>
+              <a:rPr lang="en-US" sz="2200" dirty="0" err="1" smtClean="0">
+                <a:latin typeface="Courier New" pitchFamily="49" charset="0"/>
+                <a:cs typeface="Courier New" pitchFamily="49" charset="0"/>
+              </a:rPr>
+              <a:t>infert$age</a:t>
+            </a:r>
+            <a:endParaRPr lang="en-US" sz="2200" dirty="0" smtClean="0">
+              <a:latin typeface="Courier New" pitchFamily="49" charset="0"/>
+              <a:cs typeface="Courier New" pitchFamily="49" charset="0"/>
+            </a:endParaRPr>
+          </a:p>
+          <a:p>
+            <a:pPr marL="0" indent="0">
+              <a:buNone/>
+            </a:pPr>
+            <a:endParaRPr lang="en-US" dirty="0">
+              <a:latin typeface="Courier New" pitchFamily="49" charset="0"/>
+              <a:cs typeface="Courier New" pitchFamily="49" charset="0"/>
+            </a:endParaRPr>
+          </a:p>
+          <a:p>
+            <a:pPr marL="0" indent="0">
+              <a:buNone/>
+            </a:pPr>
+            <a:endParaRPr lang="en-US" dirty="0">
+              <a:latin typeface="Courier New" pitchFamily="49" charset="0"/>
+              <a:cs typeface="Courier New" pitchFamily="49" charset="0"/>
+            </a:endParaRPr>
+          </a:p>
+          <a:p>
+            <a:endParaRPr lang="en-US" dirty="0"/>
+          </a:p>
+        </p:txBody>
+      </p:sp>
+      <p:sp>
+        <p:nvSpPr>
+          <p:cNvPr id="4" name="Slide Number Placeholder 3"/>
+          <p:cNvSpPr>
+            <a:spLocks noGrp="1"/>
+          </p:cNvSpPr>
+          <p:nvPr>
+            <p:ph type="sldNum" sz="quarter" idx="12"/>
+          </p:nvPr>
+        </p:nvSpPr>
+        <p:spPr/>
+        <p:txBody>
+          <a:bodyPr/>
+          <a:lstStyle/>
+          <a:p>
+            <a:fld id="{2A660FC1-65A1-426E-B7B2-1978E5FE673A}" type="slidenum">
+              <a:rPr lang="en-US" smtClean="0"/>
+              <a:t>20</a:t>
+            </a:fld>
+            <a:endParaRPr lang="en-US"/>
+          </a:p>
         </p:txBody>
       </p:sp>
     </p:spTree>
     <p:extLst>
       <p:ext uri="{BB962C8B-B14F-4D97-AF65-F5344CB8AC3E}">
-        <p14:creationId xmlns:p14="http://schemas.microsoft.com/office/powerpoint/2010/main" val="1170483094"/>
+        <p14:creationId xmlns:p14="http://schemas.microsoft.com/office/powerpoint/2010/main" val="3733499568"/>
       </p:ext>
     </p:extLst>
   </p:cSld>
@@ -6588,7 +7218,7 @@
   <p:timing>
     <p:tnLst>
       <p:par>
-        <p:cTn id="1" dur="indefinite" restart="never" nodeType="tmRoot"/>
+        <p:cTn xmlns:p14="http://schemas.microsoft.com/office/powerpoint/2010/main" id="1" dur="indefinite" restart="never" nodeType="tmRoot"/>
       </p:par>
     </p:tnLst>
   </p:timing>
@@ -6624,12 +7254,18 @@
         </p:nvSpPr>
         <p:spPr/>
         <p:txBody>
-          <a:bodyPr/>
-          <a:lstStyle/>
-          <a:p>
-            <a:r>
-              <a:rPr lang="en-US" dirty="0" smtClean="0"/>
-              <a:t>Adding columns to data frames</a:t>
+          <a:bodyPr>
+            <a:normAutofit/>
+          </a:bodyPr>
+          <a:lstStyle/>
+          <a:p>
+            <a:r>
+              <a:rPr lang="en-US" dirty="0" smtClean="0"/>
+              <a:t>Indexing data frames by </a:t>
+            </a:r>
+            <a:r>
+              <a:rPr lang="en-US" dirty="0" err="1" smtClean="0"/>
+              <a:t>boolean</a:t>
             </a:r>
             <a:endParaRPr lang="en-US" dirty="0"/>
           </a:p>
@@ -6647,120 +7283,198 @@
         </p:nvSpPr>
         <p:spPr/>
         <p:txBody>
-          <a:bodyPr/>
-          <a:lstStyle/>
-          <a:p>
-            <a:r>
-              <a:rPr lang="en-US" dirty="0" smtClean="0"/>
-              <a:t>Maybe you want to create a dichotomous indicator for over 40</a:t>
-            </a:r>
-          </a:p>
-          <a:p>
-            <a:r>
-              <a:rPr lang="en-US" dirty="0" smtClean="0"/>
-              <a:t>Can assign to columns of data frames just like lists:</a:t>
-            </a:r>
-          </a:p>
-          <a:p>
-            <a:endParaRPr lang="en-US" dirty="0"/>
+          <a:bodyPr>
+            <a:normAutofit lnSpcReduction="10000"/>
+          </a:bodyPr>
+          <a:lstStyle/>
+          <a:p>
+            <a:r>
+              <a:rPr lang="en-US" dirty="0" smtClean="0"/>
+              <a:t>In my experience, you frequently want to index rows to filter your data.</a:t>
+            </a:r>
+          </a:p>
+          <a:p>
+            <a:r>
+              <a:rPr lang="en-US" dirty="0" smtClean="0"/>
+              <a:t>The filter logic can usually be a </a:t>
+            </a:r>
+            <a:r>
+              <a:rPr lang="en-US" dirty="0" err="1" smtClean="0"/>
+              <a:t>boolean</a:t>
+            </a:r>
+            <a:r>
+              <a:rPr lang="en-US" dirty="0" smtClean="0"/>
+              <a:t> statement:</a:t>
+            </a:r>
           </a:p>
           <a:p>
             <a:pPr marL="0" indent="0">
               <a:buNone/>
             </a:pPr>
-            <a:r>
-              <a:rPr lang="en-US" sz="2000" dirty="0" smtClean="0">
-                <a:latin typeface="Courier New" pitchFamily="49" charset="0"/>
-                <a:cs typeface="Courier New" pitchFamily="49" charset="0"/>
-              </a:rPr>
-              <a:t>infert$rows_over_40 </a:t>
-            </a:r>
-            <a:r>
-              <a:rPr lang="en-US" sz="2000" dirty="0">
-                <a:latin typeface="Courier New" pitchFamily="49" charset="0"/>
-                <a:cs typeface="Courier New" pitchFamily="49" charset="0"/>
-              </a:rPr>
-              <a:t>&lt;- </a:t>
-            </a:r>
-            <a:r>
-              <a:rPr lang="en-US" sz="2000" dirty="0" err="1">
-                <a:latin typeface="Courier New" pitchFamily="49" charset="0"/>
-                <a:cs typeface="Courier New" pitchFamily="49" charset="0"/>
-              </a:rPr>
-              <a:t>infert$age</a:t>
-            </a:r>
-            <a:r>
-              <a:rPr lang="en-US" sz="2000" dirty="0">
-                <a:latin typeface="Courier New" pitchFamily="49" charset="0"/>
-                <a:cs typeface="Courier New" pitchFamily="49" charset="0"/>
-              </a:rPr>
-              <a:t> &gt; </a:t>
-            </a:r>
-            <a:r>
-              <a:rPr lang="en-US" sz="2000" dirty="0" smtClean="0">
-                <a:latin typeface="Courier New" pitchFamily="49" charset="0"/>
-                <a:cs typeface="Courier New" pitchFamily="49" charset="0"/>
-              </a:rPr>
-              <a:t>40</a:t>
-            </a:r>
-          </a:p>
-          <a:p>
-            <a:pPr marL="0" indent="0">
-              <a:buNone/>
-            </a:pPr>
-            <a:r>
-              <a:rPr lang="en-US" sz="2000" dirty="0" smtClean="0">
-                <a:latin typeface="Courier New" pitchFamily="49" charset="0"/>
-                <a:cs typeface="Courier New" pitchFamily="49" charset="0"/>
-              </a:rPr>
-              <a:t>table(infert$rows_over_40)</a:t>
-            </a:r>
-          </a:p>
-          <a:p>
-            <a:pPr marL="0" indent="0">
-              <a:buNone/>
-            </a:pPr>
-            <a:r>
-              <a:rPr lang="en-US" sz="2000" dirty="0" smtClean="0">
-                <a:latin typeface="Courier New" pitchFamily="49" charset="0"/>
-                <a:cs typeface="Courier New" pitchFamily="49" charset="0"/>
-              </a:rPr>
-              <a:t>table(infert$rows_over_40, </a:t>
-            </a:r>
-            <a:r>
-              <a:rPr lang="en-US" sz="2000" dirty="0" err="1" smtClean="0">
-                <a:latin typeface="Courier New" pitchFamily="49" charset="0"/>
-                <a:cs typeface="Courier New" pitchFamily="49" charset="0"/>
-              </a:rPr>
-              <a:t>infert$age</a:t>
-            </a:r>
-            <a:r>
-              <a:rPr lang="en-US" sz="2000" dirty="0" smtClean="0">
-                <a:latin typeface="Courier New" pitchFamily="49" charset="0"/>
-                <a:cs typeface="Courier New" pitchFamily="49" charset="0"/>
-              </a:rPr>
-              <a:t>)</a:t>
-            </a:r>
-            <a:endParaRPr lang="en-US" sz="2000" dirty="0">
+            <a:endParaRPr lang="en-US" sz="2400" dirty="0" smtClean="0">
               <a:latin typeface="Courier New" pitchFamily="49" charset="0"/>
               <a:cs typeface="Courier New" pitchFamily="49" charset="0"/>
             </a:endParaRPr>
           </a:p>
           <a:p>
-            <a:endParaRPr lang="en-US" dirty="0"/>
+            <a:pPr marL="0" indent="0">
+              <a:buNone/>
+            </a:pPr>
+            <a:r>
+              <a:rPr lang="en-US" sz="2400" dirty="0" smtClean="0">
+                <a:latin typeface="Courier New" pitchFamily="49" charset="0"/>
+                <a:cs typeface="Courier New" pitchFamily="49" charset="0"/>
+              </a:rPr>
+              <a:t>rows_over_40 &lt;- </a:t>
+            </a:r>
+            <a:r>
+              <a:rPr lang="en-US" sz="2400" dirty="0" err="1">
+                <a:latin typeface="Courier New" pitchFamily="49" charset="0"/>
+                <a:cs typeface="Courier New" pitchFamily="49" charset="0"/>
+              </a:rPr>
+              <a:t>infert$age</a:t>
+            </a:r>
+            <a:r>
+              <a:rPr lang="en-US" sz="2400" dirty="0">
+                <a:latin typeface="Courier New" pitchFamily="49" charset="0"/>
+                <a:cs typeface="Courier New" pitchFamily="49" charset="0"/>
+              </a:rPr>
+              <a:t> &gt; </a:t>
+            </a:r>
+            <a:r>
+              <a:rPr lang="en-US" sz="2400" dirty="0" smtClean="0">
+                <a:latin typeface="Courier New" pitchFamily="49" charset="0"/>
+                <a:cs typeface="Courier New" pitchFamily="49" charset="0"/>
+              </a:rPr>
+              <a:t>40</a:t>
+            </a:r>
+          </a:p>
+          <a:p>
+            <a:pPr marL="0" indent="0">
+              <a:buNone/>
+            </a:pPr>
+            <a:r>
+              <a:rPr lang="en-US" sz="2400" dirty="0" smtClean="0">
+                <a:latin typeface="Courier New" pitchFamily="49" charset="0"/>
+                <a:cs typeface="Courier New" pitchFamily="49" charset="0"/>
+              </a:rPr>
+              <a:t>rows_over_40</a:t>
+            </a:r>
+            <a:endParaRPr lang="en-US" sz="2400" dirty="0">
+              <a:latin typeface="Courier New" pitchFamily="49" charset="0"/>
+              <a:cs typeface="Courier New" pitchFamily="49" charset="0"/>
+            </a:endParaRPr>
+          </a:p>
+          <a:p>
+            <a:pPr marL="0" indent="0">
+              <a:buNone/>
+            </a:pPr>
+            <a:r>
+              <a:rPr lang="en-US" sz="2400" dirty="0" smtClean="0">
+                <a:latin typeface="Courier New" pitchFamily="49" charset="0"/>
+                <a:cs typeface="Courier New" pitchFamily="49" charset="0"/>
+              </a:rPr>
+              <a:t>table(rows_over_40)</a:t>
+            </a:r>
+          </a:p>
+          <a:p>
+            <a:pPr marL="0" indent="0">
+              <a:buNone/>
+            </a:pPr>
+            <a:r>
+              <a:rPr lang="en-US" sz="2400" dirty="0" err="1" smtClean="0">
+                <a:latin typeface="Courier New" pitchFamily="49" charset="0"/>
+                <a:cs typeface="Courier New" pitchFamily="49" charset="0"/>
+              </a:rPr>
+              <a:t>infert</a:t>
+            </a:r>
+            <a:r>
+              <a:rPr lang="en-US" sz="2400" dirty="0" smtClean="0">
+                <a:latin typeface="Courier New" pitchFamily="49" charset="0"/>
+                <a:cs typeface="Courier New" pitchFamily="49" charset="0"/>
+              </a:rPr>
+              <a:t>[rows_over_40,]</a:t>
+            </a:r>
+          </a:p>
+          <a:p>
+            <a:pPr marL="0" indent="0">
+              <a:buNone/>
+            </a:pPr>
+            <a:r>
+              <a:rPr lang="en-US" sz="2400" dirty="0" err="1" smtClean="0">
+                <a:latin typeface="Courier New" pitchFamily="49" charset="0"/>
+                <a:cs typeface="Courier New" pitchFamily="49" charset="0"/>
+              </a:rPr>
+              <a:t>infert</a:t>
+            </a:r>
+            <a:r>
+              <a:rPr lang="en-US" sz="2400" dirty="0" smtClean="0">
+                <a:latin typeface="Courier New" pitchFamily="49" charset="0"/>
+                <a:cs typeface="Courier New" pitchFamily="49" charset="0"/>
+              </a:rPr>
+              <a:t>[</a:t>
+            </a:r>
+            <a:r>
+              <a:rPr lang="en-US" sz="2400" dirty="0" err="1" smtClean="0">
+                <a:latin typeface="Courier New" pitchFamily="49" charset="0"/>
+                <a:cs typeface="Courier New" pitchFamily="49" charset="0"/>
+              </a:rPr>
+              <a:t>infert$age</a:t>
+            </a:r>
+            <a:r>
+              <a:rPr lang="en-US" sz="2400" dirty="0" smtClean="0">
+                <a:latin typeface="Courier New" pitchFamily="49" charset="0"/>
+                <a:cs typeface="Courier New" pitchFamily="49" charset="0"/>
+              </a:rPr>
+              <a:t> &gt; 40,]</a:t>
+            </a:r>
+            <a:endParaRPr lang="en-US" sz="2400" dirty="0">
+              <a:latin typeface="Courier New" pitchFamily="49" charset="0"/>
+              <a:cs typeface="Courier New" pitchFamily="49" charset="0"/>
+            </a:endParaRPr>
+          </a:p>
+        </p:txBody>
+      </p:sp>
+      <p:sp>
+        <p:nvSpPr>
+          <p:cNvPr id="4" name="Slide Number Placeholder 3"/>
+          <p:cNvSpPr>
+            <a:spLocks noGrp="1"/>
+          </p:cNvSpPr>
+          <p:nvPr>
+            <p:ph type="sldNum" sz="quarter" idx="12"/>
+          </p:nvPr>
+        </p:nvSpPr>
+        <p:spPr/>
+        <p:txBody>
+          <a:bodyPr/>
+          <a:lstStyle/>
+          <a:p>
+            <a:fld id="{2A660FC1-65A1-426E-B7B2-1978E5FE673A}" type="slidenum">
+              <a:rPr lang="en-US" smtClean="0"/>
+              <a:t>21</a:t>
+            </a:fld>
+            <a:endParaRPr lang="en-US"/>
           </a:p>
         </p:txBody>
       </p:sp>
     </p:spTree>
     <p:extLst>
       <p:ext uri="{BB962C8B-B14F-4D97-AF65-F5344CB8AC3E}">
-        <p14:creationId xmlns:p14="http://schemas.microsoft.com/office/powerpoint/2010/main" val="4286772422"/>
+        <p14:creationId xmlns:p14="http://schemas.microsoft.com/office/powerpoint/2010/main" val="1170483094"/>
       </p:ext>
     </p:extLst>
   </p:cSld>
   <p:clrMapOvr>
     <a:masterClrMapping/>
   </p:clrMapOvr>
+  <p:timing>
+    <p:tnLst>
+      <p:par>
+        <p:cTn xmlns:p14="http://schemas.microsoft.com/office/powerpoint/2010/main" id="1" dur="indefinite" restart="never" nodeType="tmRoot"/>
+      </p:par>
+    </p:tnLst>
+  </p:timing>
 </p:sld>
 </file>
 
@@ -6798,6 +7512,198 @@
           <a:p>
             <a:r>
               <a:rPr lang="en-US" dirty="0" smtClean="0"/>
+              <a:t>Adding columns to data frames</a:t>
+            </a:r>
+            <a:endParaRPr lang="en-US" dirty="0"/>
+          </a:p>
+        </p:txBody>
+      </p:sp>
+      <p:sp>
+        <p:nvSpPr>
+          <p:cNvPr id="3" name="Content Placeholder 2"/>
+          <p:cNvSpPr>
+            <a:spLocks noGrp="1"/>
+          </p:cNvSpPr>
+          <p:nvPr>
+            <p:ph idx="1"/>
+          </p:nvPr>
+        </p:nvSpPr>
+        <p:spPr/>
+        <p:txBody>
+          <a:bodyPr/>
+          <a:lstStyle/>
+          <a:p>
+            <a:r>
+              <a:rPr lang="en-US" dirty="0" smtClean="0"/>
+              <a:t>Maybe you want to create a dichotomous indicator for over 40</a:t>
+            </a:r>
+          </a:p>
+          <a:p>
+            <a:r>
+              <a:rPr lang="en-US" dirty="0" smtClean="0"/>
+              <a:t>Can assign to columns of data frames just like lists:</a:t>
+            </a:r>
+          </a:p>
+          <a:p>
+            <a:endParaRPr lang="en-US" dirty="0"/>
+          </a:p>
+          <a:p>
+            <a:pPr marL="0" indent="0">
+              <a:buNone/>
+            </a:pPr>
+            <a:r>
+              <a:rPr lang="en-US" sz="2000" dirty="0" smtClean="0">
+                <a:latin typeface="Courier New" pitchFamily="49" charset="0"/>
+                <a:cs typeface="Courier New" pitchFamily="49" charset="0"/>
+              </a:rPr>
+              <a:t>infert$rows_over_40 </a:t>
+            </a:r>
+            <a:r>
+              <a:rPr lang="en-US" sz="2000" dirty="0">
+                <a:latin typeface="Courier New" pitchFamily="49" charset="0"/>
+                <a:cs typeface="Courier New" pitchFamily="49" charset="0"/>
+              </a:rPr>
+              <a:t>&lt;- </a:t>
+            </a:r>
+            <a:r>
+              <a:rPr lang="en-US" sz="2000" dirty="0" err="1">
+                <a:latin typeface="Courier New" pitchFamily="49" charset="0"/>
+                <a:cs typeface="Courier New" pitchFamily="49" charset="0"/>
+              </a:rPr>
+              <a:t>infert$age</a:t>
+            </a:r>
+            <a:r>
+              <a:rPr lang="en-US" sz="2000" dirty="0">
+                <a:latin typeface="Courier New" pitchFamily="49" charset="0"/>
+                <a:cs typeface="Courier New" pitchFamily="49" charset="0"/>
+              </a:rPr>
+              <a:t> &gt; </a:t>
+            </a:r>
+            <a:r>
+              <a:rPr lang="en-US" sz="2000" dirty="0" smtClean="0">
+                <a:latin typeface="Courier New" pitchFamily="49" charset="0"/>
+                <a:cs typeface="Courier New" pitchFamily="49" charset="0"/>
+              </a:rPr>
+              <a:t>40</a:t>
+            </a:r>
+          </a:p>
+          <a:p>
+            <a:pPr marL="0" indent="0">
+              <a:buNone/>
+            </a:pPr>
+            <a:r>
+              <a:rPr lang="en-US" sz="2000" dirty="0" smtClean="0">
+                <a:latin typeface="Courier New" pitchFamily="49" charset="0"/>
+                <a:cs typeface="Courier New" pitchFamily="49" charset="0"/>
+              </a:rPr>
+              <a:t>table(infert$rows_over_40)</a:t>
+            </a:r>
+          </a:p>
+          <a:p>
+            <a:pPr marL="0" indent="0">
+              <a:buNone/>
+            </a:pPr>
+            <a:r>
+              <a:rPr lang="en-US" sz="2000" dirty="0" smtClean="0">
+                <a:latin typeface="Courier New" pitchFamily="49" charset="0"/>
+                <a:cs typeface="Courier New" pitchFamily="49" charset="0"/>
+              </a:rPr>
+              <a:t>table(infert$rows_over_40, </a:t>
+            </a:r>
+            <a:r>
+              <a:rPr lang="en-US" sz="2000" dirty="0" err="1" smtClean="0">
+                <a:latin typeface="Courier New" pitchFamily="49" charset="0"/>
+                <a:cs typeface="Courier New" pitchFamily="49" charset="0"/>
+              </a:rPr>
+              <a:t>infert$age</a:t>
+            </a:r>
+            <a:r>
+              <a:rPr lang="en-US" sz="2000" dirty="0" smtClean="0">
+                <a:latin typeface="Courier New" pitchFamily="49" charset="0"/>
+                <a:cs typeface="Courier New" pitchFamily="49" charset="0"/>
+              </a:rPr>
+              <a:t>)</a:t>
+            </a:r>
+            <a:endParaRPr lang="en-US" sz="2000" dirty="0">
+              <a:latin typeface="Courier New" pitchFamily="49" charset="0"/>
+              <a:cs typeface="Courier New" pitchFamily="49" charset="0"/>
+            </a:endParaRPr>
+          </a:p>
+          <a:p>
+            <a:endParaRPr lang="en-US" dirty="0"/>
+          </a:p>
+        </p:txBody>
+      </p:sp>
+      <p:sp>
+        <p:nvSpPr>
+          <p:cNvPr id="4" name="Slide Number Placeholder 3"/>
+          <p:cNvSpPr>
+            <a:spLocks noGrp="1"/>
+          </p:cNvSpPr>
+          <p:nvPr>
+            <p:ph type="sldNum" sz="quarter" idx="12"/>
+          </p:nvPr>
+        </p:nvSpPr>
+        <p:spPr/>
+        <p:txBody>
+          <a:bodyPr/>
+          <a:lstStyle/>
+          <a:p>
+            <a:fld id="{2A660FC1-65A1-426E-B7B2-1978E5FE673A}" type="slidenum">
+              <a:rPr lang="en-US" smtClean="0"/>
+              <a:t>22</a:t>
+            </a:fld>
+            <a:endParaRPr lang="en-US"/>
+          </a:p>
+        </p:txBody>
+      </p:sp>
+    </p:spTree>
+    <p:extLst>
+      <p:ext uri="{BB962C8B-B14F-4D97-AF65-F5344CB8AC3E}">
+        <p14:creationId xmlns:p14="http://schemas.microsoft.com/office/powerpoint/2010/main" val="4286772422"/>
+      </p:ext>
+    </p:extLst>
+  </p:cSld>
+  <p:clrMapOvr>
+    <a:masterClrMapping/>
+  </p:clrMapOvr>
+</p:sld>
+</file>
+
+<file path=ppt/slides/slide23.xml><?xml version="1.0" encoding="utf-8"?>
+<p:sld xmlns:a="http://schemas.openxmlformats.org/drawingml/2006/main" xmlns:r="http://schemas.openxmlformats.org/officeDocument/2006/relationships" xmlns:p="http://schemas.openxmlformats.org/presentationml/2006/main">
+  <p:cSld>
+    <p:spTree>
+      <p:nvGrpSpPr>
+        <p:cNvPr id="1" name=""/>
+        <p:cNvGrpSpPr/>
+        <p:nvPr/>
+      </p:nvGrpSpPr>
+      <p:grpSpPr>
+        <a:xfrm>
+          <a:off x="0" y="0"/>
+          <a:ext cx="0" cy="0"/>
+          <a:chOff x="0" y="0"/>
+          <a:chExt cx="0" cy="0"/>
+        </a:xfrm>
+      </p:grpSpPr>
+      <p:sp>
+        <p:nvSpPr>
+          <p:cNvPr id="2" name="Title 1"/>
+          <p:cNvSpPr>
+            <a:spLocks noGrp="1"/>
+          </p:cNvSpPr>
+          <p:nvPr>
+            <p:ph type="title"/>
+          </p:nvPr>
+        </p:nvSpPr>
+        <p:spPr/>
+        <p:txBody>
+          <a:bodyPr/>
+          <a:lstStyle/>
+          <a:p>
+            <a:r>
+              <a:rPr lang="en-US" dirty="0" smtClean="0"/>
               <a:t>Challenge</a:t>
             </a:r>
             <a:endParaRPr lang="en-US" dirty="0"/>
@@ -6848,70 +7754,6 @@
           </a:p>
         </p:txBody>
       </p:sp>
-      <p:pic>
-        <p:nvPicPr>
-          <p:cNvPr id="4098" name="Picture 2"/>
-          <p:cNvPicPr>
-            <a:picLocks noChangeAspect="1" noChangeArrowheads="1"/>
-          </p:cNvPicPr>
-          <p:nvPr/>
-        </p:nvPicPr>
-        <p:blipFill>
-          <a:blip r:embed="rId2">
-            <a:extLst>
-              <a:ext uri="{28A0092B-C50C-407E-A947-70E740481C1C}">
-                <a14:useLocalDpi xmlns:a14="http://schemas.microsoft.com/office/drawing/2010/main" val="0"/>
-              </a:ext>
-            </a:extLst>
-          </a:blip>
-          <a:srcRect/>
-          <a:stretch>
-            <a:fillRect/>
-          </a:stretch>
-        </p:blipFill>
-        <p:spPr bwMode="auto">
-          <a:xfrm>
-            <a:off x="4094019" y="3581400"/>
-            <a:ext cx="4516582" cy="2365829"/>
-          </a:xfrm>
-          <a:prstGeom prst="rect">
-            <a:avLst/>
-          </a:prstGeom>
-          <a:noFill/>
-          <a:ln>
-            <a:noFill/>
-          </a:ln>
-          <a:effectLst/>
-          <a:extLst>
-            <a:ext uri="{909E8E84-426E-40DD-AFC4-6F175D3DCCD1}">
-              <a14:hiddenFill xmlns:a14="http://schemas.microsoft.com/office/drawing/2010/main">
-                <a:solidFill>
-                  <a:schemeClr val="accent1"/>
-                </a:solidFill>
-              </a14:hiddenFill>
-            </a:ext>
-            <a:ext uri="{91240B29-F687-4F45-9708-019B960494DF}">
-              <a14:hiddenLine xmlns:a14="http://schemas.microsoft.com/office/drawing/2010/main" w="9525">
-                <a:solidFill>
-                  <a:schemeClr val="tx1"/>
-                </a:solidFill>
-                <a:miter lim="800000"/>
-                <a:headEnd/>
-                <a:tailEnd/>
-              </a14:hiddenLine>
-            </a:ext>
-            <a:ext uri="{AF507438-7753-43E0-B8FC-AC1667EBCBE1}">
-              <a14:hiddenEffects xmlns:a14="http://schemas.microsoft.com/office/drawing/2010/main">
-                <a:effectLst>
-                  <a:outerShdw dist="35921" dir="2700000" algn="ctr" rotWithShape="0">
-                    <a:schemeClr val="bg2"/>
-                  </a:outerShdw>
-                </a:effectLst>
-              </a14:hiddenEffects>
-            </a:ext>
-          </a:extLst>
-        </p:spPr>
-      </p:pic>
       <p:sp>
         <p:nvSpPr>
           <p:cNvPr id="4" name="TextBox 3"/>
@@ -6983,7 +7825,7 @@
           <a:p>
             <a:fld id="{8E535618-13C3-4318-851E-E6049AC5CA6F}" type="slidenum">
               <a:rPr lang="en-US" smtClean="0"/>
-              <a:t>22</a:t>
+              <a:t>23</a:t>
             </a:fld>
             <a:endParaRPr lang="en-US"/>
           </a:p>
@@ -6997,7 +7839,7 @@
         </p:nvSpPr>
         <p:spPr>
           <a:xfrm>
-            <a:off x="6452960" y="6248400"/>
+            <a:off x="5867400" y="6172200"/>
             <a:ext cx="2115003" cy="369332"/>
           </a:xfrm>
           <a:prstGeom prst="rect">
@@ -7022,6 +7864,30 @@
           </a:p>
         </p:txBody>
       </p:sp>
+      <p:pic>
+        <p:nvPicPr>
+          <p:cNvPr id="6" name="Picture 5"/>
+          <p:cNvPicPr>
+            <a:picLocks noChangeAspect="1"/>
+          </p:cNvPicPr>
+          <p:nvPr/>
+        </p:nvPicPr>
+        <p:blipFill>
+          <a:blip r:embed="rId2"/>
+          <a:stretch>
+            <a:fillRect/>
+          </a:stretch>
+        </p:blipFill>
+        <p:spPr>
+          <a:xfrm>
+            <a:off x="4800600" y="3200400"/>
+            <a:ext cx="3162300" cy="2667000"/>
+          </a:xfrm>
+          <a:prstGeom prst="rect">
+            <a:avLst/>
+          </a:prstGeom>
+        </p:spPr>
+      </p:pic>
     </p:spTree>
     <p:extLst>
       <p:ext uri="{BB962C8B-B14F-4D97-AF65-F5344CB8AC3E}">
@@ -7035,7 +7901,7 @@
   <p:timing>
     <p:tnLst>
       <p:par>
-        <p:cTn id="1" dur="indefinite" restart="never" nodeType="tmRoot">
+        <p:cTn xmlns:p14="http://schemas.microsoft.com/office/powerpoint/2010/main" id="1" dur="indefinite" restart="never" nodeType="tmRoot">
           <p:childTnLst>
             <p:seq concurrent="1" nextAc="seek">
               <p:cTn id="2" dur="indefinite" nodeType="mainSeq">
@@ -7113,7 +7979,7 @@
 </p:sld>
 </file>
 
-<file path=ppt/slides/slide23.xml><?xml version="1.0" encoding="utf-8"?>
+<file path=ppt/slides/slide24.xml><?xml version="1.0" encoding="utf-8"?>
 <p:sld xmlns:a="http://schemas.openxmlformats.org/drawingml/2006/main" xmlns:r="http://schemas.openxmlformats.org/officeDocument/2006/relationships" xmlns:p="http://schemas.openxmlformats.org/presentationml/2006/main">
   <p:cSld>
     <p:spTree>
@@ -7219,47 +8085,33 @@
                 <a:latin typeface="Courier New" pitchFamily="49" charset="0"/>
                 <a:cs typeface="Courier New" pitchFamily="49" charset="0"/>
               </a:rPr>
-              <a:t>[,</a:t>
-            </a:r>
-            <a:r>
-              <a:rPr lang="en-US" sz="2400" dirty="0">
-                <a:latin typeface="Courier New" pitchFamily="49" charset="0"/>
-                <a:cs typeface="Courier New" pitchFamily="49" charset="0"/>
-              </a:rPr>
-              <a:t>2</a:t>
-            </a:r>
+              <a:t>[,1])</a:t>
+            </a:r>
+          </a:p>
+          <a:p>
+            <a:pPr marL="0" indent="0">
+              <a:buNone/>
+            </a:pPr>
             <a:r>
               <a:rPr lang="en-US" sz="2400" dirty="0" smtClean="0">
                 <a:latin typeface="Courier New" pitchFamily="49" charset="0"/>
                 <a:cs typeface="Courier New" pitchFamily="49" charset="0"/>
               </a:rPr>
-              <a:t>])</a:t>
-            </a:r>
-          </a:p>
-          <a:p>
-            <a:pPr marL="0" indent="0">
-              <a:buNone/>
-            </a:pPr>
+              <a:t>class(</a:t>
+            </a:r>
+            <a:r>
+              <a:rPr lang="en-US" sz="2400" dirty="0" err="1" smtClean="0">
+                <a:latin typeface="Courier New" pitchFamily="49" charset="0"/>
+                <a:cs typeface="Courier New" pitchFamily="49" charset="0"/>
+              </a:rPr>
+              <a:t>infert</a:t>
+            </a:r>
             <a:r>
               <a:rPr lang="en-US" sz="2400" dirty="0" smtClean="0">
                 <a:latin typeface="Courier New" pitchFamily="49" charset="0"/>
                 <a:cs typeface="Courier New" pitchFamily="49" charset="0"/>
               </a:rPr>
-              <a:t>class(</a:t>
-            </a:r>
-            <a:r>
-              <a:rPr lang="en-US" sz="2400" dirty="0" err="1" smtClean="0">
-                <a:latin typeface="Courier New" pitchFamily="49" charset="0"/>
-                <a:cs typeface="Courier New" pitchFamily="49" charset="0"/>
-              </a:rPr>
-              <a:t>infert</a:t>
-            </a:r>
-            <a:r>
-              <a:rPr lang="en-US" sz="2400" dirty="0" smtClean="0">
-                <a:latin typeface="Courier New" pitchFamily="49" charset="0"/>
-                <a:cs typeface="Courier New" pitchFamily="49" charset="0"/>
-              </a:rPr>
-              <a:t>[,2:3])</a:t>
+              <a:t>[,c(1,5)])</a:t>
             </a:r>
             <a:endParaRPr lang="en-US" sz="2400" dirty="0">
               <a:latin typeface="Courier New" pitchFamily="49" charset="0"/>
@@ -7303,14 +8155,14 @@
           </a:ln>
           <a:effectLst/>
           <a:extLst>
-            <a:ext uri="{909E8E84-426E-40DD-AFC4-6F175D3DCCD1}">
+            <a:ext uri="{909E8E84-426E-40dd-AFC4-6F175D3DCCD1}">
               <a14:hiddenFill xmlns:a14="http://schemas.microsoft.com/office/drawing/2010/main">
                 <a:solidFill>
                   <a:schemeClr val="accent1"/>
                 </a:solidFill>
               </a14:hiddenFill>
             </a:ext>
-            <a:ext uri="{91240B29-F687-4F45-9708-019B960494DF}">
+            <a:ext uri="{91240B29-F687-4f45-9708-019B960494DF}">
               <a14:hiddenLine xmlns:a14="http://schemas.microsoft.com/office/drawing/2010/main" w="9525">
                 <a:solidFill>
                   <a:schemeClr val="tx1"/>
@@ -7320,7 +8172,7 @@
                 <a:tailEnd/>
               </a14:hiddenLine>
             </a:ext>
-            <a:ext uri="{AF507438-7753-43E0-B8FC-AC1667EBCBE1}">
+            <a:ext uri="{AF507438-7753-43e0-B8FC-AC1667EBCBE1}">
               <a14:hiddenEffects xmlns:a14="http://schemas.microsoft.com/office/drawing/2010/main">
                 <a:effectLst>
                   <a:outerShdw dist="35921" dir="2700000" algn="ctr" rotWithShape="0">
@@ -7332,6 +8184,29 @@
           </a:extLst>
         </p:spPr>
       </p:pic>
+      <p:sp>
+        <p:nvSpPr>
+          <p:cNvPr id="4" name="Slide Number Placeholder 3"/>
+          <p:cNvSpPr>
+            <a:spLocks noGrp="1"/>
+          </p:cNvSpPr>
+          <p:nvPr>
+            <p:ph type="sldNum" sz="quarter" idx="12"/>
+          </p:nvPr>
+        </p:nvSpPr>
+        <p:spPr/>
+        <p:txBody>
+          <a:bodyPr/>
+          <a:lstStyle/>
+          <a:p>
+            <a:fld id="{2A660FC1-65A1-426E-B7B2-1978E5FE673A}" type="slidenum">
+              <a:rPr lang="en-US" smtClean="0"/>
+              <a:t>24</a:t>
+            </a:fld>
+            <a:endParaRPr lang="en-US"/>
+          </a:p>
+        </p:txBody>
+      </p:sp>
     </p:spTree>
     <p:extLst>
       <p:ext uri="{BB962C8B-B14F-4D97-AF65-F5344CB8AC3E}">
@@ -7345,14 +8220,573 @@
   <p:timing>
     <p:tnLst>
       <p:par>
-        <p:cTn id="1" dur="indefinite" restart="never" nodeType="tmRoot"/>
+        <p:cTn xmlns:p14="http://schemas.microsoft.com/office/powerpoint/2010/main" id="1" dur="indefinite" restart="never" nodeType="tmRoot"/>
       </p:par>
     </p:tnLst>
   </p:timing>
 </p:sld>
 </file>
 
-<file path=ppt/slides/slide24.xml><?xml version="1.0" encoding="utf-8"?>
+<file path=ppt/slides/slide25.xml><?xml version="1.0" encoding="utf-8"?>
+<p:sld xmlns:a="http://schemas.openxmlformats.org/drawingml/2006/main" xmlns:r="http://schemas.openxmlformats.org/officeDocument/2006/relationships" xmlns:p="http://schemas.openxmlformats.org/presentationml/2006/main">
+  <p:cSld>
+    <p:spTree>
+      <p:nvGrpSpPr>
+        <p:cNvPr id="1" name=""/>
+        <p:cNvGrpSpPr/>
+        <p:nvPr/>
+      </p:nvGrpSpPr>
+      <p:grpSpPr>
+        <a:xfrm>
+          <a:off x="0" y="0"/>
+          <a:ext cx="0" cy="0"/>
+          <a:chOff x="0" y="0"/>
+          <a:chExt cx="0" cy="0"/>
+        </a:xfrm>
+      </p:grpSpPr>
+      <p:sp>
+        <p:nvSpPr>
+          <p:cNvPr id="2" name="Title 1"/>
+          <p:cNvSpPr>
+            <a:spLocks noGrp="1"/>
+          </p:cNvSpPr>
+          <p:nvPr>
+            <p:ph type="title"/>
+          </p:nvPr>
+        </p:nvSpPr>
+        <p:spPr/>
+        <p:txBody>
+          <a:bodyPr/>
+          <a:lstStyle/>
+          <a:p>
+            <a:r>
+              <a:rPr lang="en-US" dirty="0" smtClean="0"/>
+              <a:t>Caution, continued</a:t>
+            </a:r>
+            <a:endParaRPr lang="en-US" dirty="0"/>
+          </a:p>
+        </p:txBody>
+      </p:sp>
+      <p:sp>
+        <p:nvSpPr>
+          <p:cNvPr id="3" name="Content Placeholder 2"/>
+          <p:cNvSpPr>
+            <a:spLocks noGrp="1"/>
+          </p:cNvSpPr>
+          <p:nvPr>
+            <p:ph idx="1"/>
+          </p:nvPr>
+        </p:nvSpPr>
+        <p:spPr/>
+        <p:txBody>
+          <a:bodyPr>
+            <a:normAutofit/>
+          </a:bodyPr>
+          <a:lstStyle/>
+          <a:p>
+            <a:r>
+              <a:rPr lang="en-US" dirty="0" smtClean="0">
+                <a:cs typeface="Courier New" pitchFamily="49" charset="0"/>
+              </a:rPr>
+              <a:t>This is more likely to be a problem when you use code to select columns</a:t>
+            </a:r>
+            <a:endParaRPr lang="en-US" dirty="0">
+              <a:cs typeface="Courier New" pitchFamily="49" charset="0"/>
+            </a:endParaRPr>
+          </a:p>
+          <a:p>
+            <a:pPr marL="0" indent="0">
+              <a:buNone/>
+            </a:pPr>
+            <a:endParaRPr lang="en-US" sz="1400" dirty="0" smtClean="0">
+              <a:latin typeface="Courier New" pitchFamily="49" charset="0"/>
+              <a:cs typeface="Courier New" pitchFamily="49" charset="0"/>
+            </a:endParaRPr>
+          </a:p>
+          <a:p>
+            <a:pPr marL="0" indent="0">
+              <a:buNone/>
+            </a:pPr>
+            <a:r>
+              <a:rPr lang="en-US" sz="1400" dirty="0" err="1">
+                <a:latin typeface="Courier New" pitchFamily="49" charset="0"/>
+                <a:cs typeface="Courier New" pitchFamily="49" charset="0"/>
+              </a:rPr>
+              <a:t>grep</a:t>
+            </a:r>
+            <a:r>
+              <a:rPr lang="en-US" sz="1400" dirty="0">
+                <a:latin typeface="Courier New" pitchFamily="49" charset="0"/>
+                <a:cs typeface="Courier New" pitchFamily="49" charset="0"/>
+              </a:rPr>
+              <a:t>("</a:t>
+            </a:r>
+            <a:r>
+              <a:rPr lang="en-US" sz="1400" dirty="0" err="1">
+                <a:latin typeface="Courier New" pitchFamily="49" charset="0"/>
+                <a:cs typeface="Courier New" pitchFamily="49" charset="0"/>
+              </a:rPr>
+              <a:t>ca</a:t>
+            </a:r>
+            <a:r>
+              <a:rPr lang="en-US" sz="1400" dirty="0">
+                <a:latin typeface="Courier New" pitchFamily="49" charset="0"/>
+                <a:cs typeface="Courier New" pitchFamily="49" charset="0"/>
+              </a:rPr>
+              <a:t>", </a:t>
+            </a:r>
+            <a:r>
+              <a:rPr lang="en-US" sz="1400" dirty="0" err="1">
+                <a:latin typeface="Courier New" pitchFamily="49" charset="0"/>
+                <a:cs typeface="Courier New" pitchFamily="49" charset="0"/>
+              </a:rPr>
+              <a:t>colnames</a:t>
+            </a:r>
+            <a:r>
+              <a:rPr lang="en-US" sz="1400" dirty="0">
+                <a:latin typeface="Courier New" pitchFamily="49" charset="0"/>
+                <a:cs typeface="Courier New" pitchFamily="49" charset="0"/>
+              </a:rPr>
+              <a:t>(</a:t>
+            </a:r>
+            <a:r>
+              <a:rPr lang="en-US" sz="1400" dirty="0" err="1">
+                <a:latin typeface="Courier New" pitchFamily="49" charset="0"/>
+                <a:cs typeface="Courier New" pitchFamily="49" charset="0"/>
+              </a:rPr>
+              <a:t>infert</a:t>
+            </a:r>
+            <a:r>
+              <a:rPr lang="en-US" sz="1400" dirty="0">
+                <a:latin typeface="Courier New" pitchFamily="49" charset="0"/>
+                <a:cs typeface="Courier New" pitchFamily="49" charset="0"/>
+              </a:rPr>
+              <a:t>))</a:t>
+            </a:r>
+          </a:p>
+          <a:p>
+            <a:pPr marL="0" indent="0">
+              <a:buNone/>
+            </a:pPr>
+            <a:r>
+              <a:rPr lang="en-US" sz="1400" dirty="0" err="1">
+                <a:latin typeface="Courier New" pitchFamily="49" charset="0"/>
+                <a:cs typeface="Courier New" pitchFamily="49" charset="0"/>
+              </a:rPr>
+              <a:t>ca_colnames</a:t>
+            </a:r>
+            <a:r>
+              <a:rPr lang="en-US" sz="1400" dirty="0">
+                <a:latin typeface="Courier New" pitchFamily="49" charset="0"/>
+                <a:cs typeface="Courier New" pitchFamily="49" charset="0"/>
+              </a:rPr>
+              <a:t> &lt;- </a:t>
+            </a:r>
+            <a:r>
+              <a:rPr lang="en-US" sz="1400" dirty="0" err="1">
+                <a:latin typeface="Courier New" pitchFamily="49" charset="0"/>
+                <a:cs typeface="Courier New" pitchFamily="49" charset="0"/>
+              </a:rPr>
+              <a:t>colnames</a:t>
+            </a:r>
+            <a:r>
+              <a:rPr lang="en-US" sz="1400" dirty="0">
+                <a:latin typeface="Courier New" pitchFamily="49" charset="0"/>
+                <a:cs typeface="Courier New" pitchFamily="49" charset="0"/>
+              </a:rPr>
+              <a:t>(</a:t>
+            </a:r>
+            <a:r>
+              <a:rPr lang="en-US" sz="1400" dirty="0" err="1">
+                <a:latin typeface="Courier New" pitchFamily="49" charset="0"/>
+                <a:cs typeface="Courier New" pitchFamily="49" charset="0"/>
+              </a:rPr>
+              <a:t>infert</a:t>
+            </a:r>
+            <a:r>
+              <a:rPr lang="en-US" sz="1400" dirty="0">
+                <a:latin typeface="Courier New" pitchFamily="49" charset="0"/>
+                <a:cs typeface="Courier New" pitchFamily="49" charset="0"/>
+              </a:rPr>
+              <a:t>)[</a:t>
+            </a:r>
+            <a:r>
+              <a:rPr lang="en-US" sz="1400" dirty="0" err="1">
+                <a:latin typeface="Courier New" pitchFamily="49" charset="0"/>
+                <a:cs typeface="Courier New" pitchFamily="49" charset="0"/>
+              </a:rPr>
+              <a:t>grep</a:t>
+            </a:r>
+            <a:r>
+              <a:rPr lang="en-US" sz="1400" dirty="0">
+                <a:latin typeface="Courier New" pitchFamily="49" charset="0"/>
+                <a:cs typeface="Courier New" pitchFamily="49" charset="0"/>
+              </a:rPr>
+              <a:t>("</a:t>
+            </a:r>
+            <a:r>
+              <a:rPr lang="en-US" sz="1400" dirty="0" err="1">
+                <a:latin typeface="Courier New" pitchFamily="49" charset="0"/>
+                <a:cs typeface="Courier New" pitchFamily="49" charset="0"/>
+              </a:rPr>
+              <a:t>ca</a:t>
+            </a:r>
+            <a:r>
+              <a:rPr lang="en-US" sz="1400" dirty="0">
+                <a:latin typeface="Courier New" pitchFamily="49" charset="0"/>
+                <a:cs typeface="Courier New" pitchFamily="49" charset="0"/>
+              </a:rPr>
+              <a:t>", </a:t>
+            </a:r>
+            <a:r>
+              <a:rPr lang="en-US" sz="1400" dirty="0" err="1">
+                <a:latin typeface="Courier New" pitchFamily="49" charset="0"/>
+                <a:cs typeface="Courier New" pitchFamily="49" charset="0"/>
+              </a:rPr>
+              <a:t>colnames</a:t>
+            </a:r>
+            <a:r>
+              <a:rPr lang="en-US" sz="1400" dirty="0">
+                <a:latin typeface="Courier New" pitchFamily="49" charset="0"/>
+                <a:cs typeface="Courier New" pitchFamily="49" charset="0"/>
+              </a:rPr>
+              <a:t>(</a:t>
+            </a:r>
+            <a:r>
+              <a:rPr lang="en-US" sz="1400" dirty="0" err="1">
+                <a:latin typeface="Courier New" pitchFamily="49" charset="0"/>
+                <a:cs typeface="Courier New" pitchFamily="49" charset="0"/>
+              </a:rPr>
+              <a:t>infert</a:t>
+            </a:r>
+            <a:r>
+              <a:rPr lang="en-US" sz="1400" dirty="0">
+                <a:latin typeface="Courier New" pitchFamily="49" charset="0"/>
+                <a:cs typeface="Courier New" pitchFamily="49" charset="0"/>
+              </a:rPr>
+              <a:t>))]</a:t>
+            </a:r>
+          </a:p>
+          <a:p>
+            <a:pPr marL="0" indent="0">
+              <a:buNone/>
+            </a:pPr>
+            <a:r>
+              <a:rPr lang="en-US" sz="1400" dirty="0" err="1">
+                <a:latin typeface="Courier New" pitchFamily="49" charset="0"/>
+                <a:cs typeface="Courier New" pitchFamily="49" charset="0"/>
+              </a:rPr>
+              <a:t>ca_colnames</a:t>
+            </a:r>
+            <a:endParaRPr lang="en-US" sz="1400" dirty="0">
+              <a:latin typeface="Courier New" pitchFamily="49" charset="0"/>
+              <a:cs typeface="Courier New" pitchFamily="49" charset="0"/>
+            </a:endParaRPr>
+          </a:p>
+          <a:p>
+            <a:pPr marL="0" indent="0">
+              <a:buNone/>
+            </a:pPr>
+            <a:r>
+              <a:rPr lang="en-US" sz="1400" dirty="0" err="1">
+                <a:latin typeface="Courier New" pitchFamily="49" charset="0"/>
+                <a:cs typeface="Courier New" pitchFamily="49" charset="0"/>
+              </a:rPr>
+              <a:t>cat_colnames</a:t>
+            </a:r>
+            <a:r>
+              <a:rPr lang="en-US" sz="1400" dirty="0">
+                <a:latin typeface="Courier New" pitchFamily="49" charset="0"/>
+                <a:cs typeface="Courier New" pitchFamily="49" charset="0"/>
+              </a:rPr>
+              <a:t> &lt;- </a:t>
+            </a:r>
+            <a:r>
+              <a:rPr lang="en-US" sz="1400" dirty="0" err="1">
+                <a:latin typeface="Courier New" pitchFamily="49" charset="0"/>
+                <a:cs typeface="Courier New" pitchFamily="49" charset="0"/>
+              </a:rPr>
+              <a:t>colnames</a:t>
+            </a:r>
+            <a:r>
+              <a:rPr lang="en-US" sz="1400" dirty="0">
+                <a:latin typeface="Courier New" pitchFamily="49" charset="0"/>
+                <a:cs typeface="Courier New" pitchFamily="49" charset="0"/>
+              </a:rPr>
+              <a:t>(</a:t>
+            </a:r>
+            <a:r>
+              <a:rPr lang="en-US" sz="1400" dirty="0" err="1">
+                <a:latin typeface="Courier New" pitchFamily="49" charset="0"/>
+                <a:cs typeface="Courier New" pitchFamily="49" charset="0"/>
+              </a:rPr>
+              <a:t>infert</a:t>
+            </a:r>
+            <a:r>
+              <a:rPr lang="en-US" sz="1400" dirty="0">
+                <a:latin typeface="Courier New" pitchFamily="49" charset="0"/>
+                <a:cs typeface="Courier New" pitchFamily="49" charset="0"/>
+              </a:rPr>
+              <a:t>)[</a:t>
+            </a:r>
+            <a:r>
+              <a:rPr lang="en-US" sz="1400" dirty="0" err="1">
+                <a:latin typeface="Courier New" pitchFamily="49" charset="0"/>
+                <a:cs typeface="Courier New" pitchFamily="49" charset="0"/>
+              </a:rPr>
+              <a:t>grep</a:t>
+            </a:r>
+            <a:r>
+              <a:rPr lang="en-US" sz="1400" dirty="0">
+                <a:latin typeface="Courier New" pitchFamily="49" charset="0"/>
+                <a:cs typeface="Courier New" pitchFamily="49" charset="0"/>
+              </a:rPr>
+              <a:t>("cat", </a:t>
+            </a:r>
+            <a:r>
+              <a:rPr lang="en-US" sz="1400" dirty="0" err="1">
+                <a:latin typeface="Courier New" pitchFamily="49" charset="0"/>
+                <a:cs typeface="Courier New" pitchFamily="49" charset="0"/>
+              </a:rPr>
+              <a:t>colnames</a:t>
+            </a:r>
+            <a:r>
+              <a:rPr lang="en-US" sz="1400" dirty="0">
+                <a:latin typeface="Courier New" pitchFamily="49" charset="0"/>
+                <a:cs typeface="Courier New" pitchFamily="49" charset="0"/>
+              </a:rPr>
+              <a:t>(</a:t>
+            </a:r>
+            <a:r>
+              <a:rPr lang="en-US" sz="1400" dirty="0" err="1">
+                <a:latin typeface="Courier New" pitchFamily="49" charset="0"/>
+                <a:cs typeface="Courier New" pitchFamily="49" charset="0"/>
+              </a:rPr>
+              <a:t>infert</a:t>
+            </a:r>
+            <a:r>
+              <a:rPr lang="en-US" sz="1400" dirty="0">
+                <a:latin typeface="Courier New" pitchFamily="49" charset="0"/>
+                <a:cs typeface="Courier New" pitchFamily="49" charset="0"/>
+              </a:rPr>
+              <a:t>))]</a:t>
+            </a:r>
+          </a:p>
+          <a:p>
+            <a:pPr marL="0" indent="0">
+              <a:buNone/>
+            </a:pPr>
+            <a:r>
+              <a:rPr lang="en-US" sz="1400" dirty="0" err="1">
+                <a:latin typeface="Courier New" pitchFamily="49" charset="0"/>
+                <a:cs typeface="Courier New" pitchFamily="49" charset="0"/>
+              </a:rPr>
+              <a:t>cat_colnames</a:t>
+            </a:r>
+            <a:endParaRPr lang="en-US" sz="1400" dirty="0">
+              <a:latin typeface="Courier New" pitchFamily="49" charset="0"/>
+              <a:cs typeface="Courier New" pitchFamily="49" charset="0"/>
+            </a:endParaRPr>
+          </a:p>
+          <a:p>
+            <a:pPr marL="0" indent="0">
+              <a:buNone/>
+            </a:pPr>
+            <a:r>
+              <a:rPr lang="en-US" sz="1400" dirty="0">
+                <a:latin typeface="Courier New" pitchFamily="49" charset="0"/>
+                <a:cs typeface="Courier New" pitchFamily="49" charset="0"/>
+              </a:rPr>
+              <a:t>class(</a:t>
+            </a:r>
+            <a:r>
+              <a:rPr lang="en-US" sz="1400" dirty="0" err="1">
+                <a:latin typeface="Courier New" pitchFamily="49" charset="0"/>
+                <a:cs typeface="Courier New" pitchFamily="49" charset="0"/>
+              </a:rPr>
+              <a:t>infert</a:t>
+            </a:r>
+            <a:r>
+              <a:rPr lang="en-US" sz="1400" dirty="0">
+                <a:latin typeface="Courier New" pitchFamily="49" charset="0"/>
+                <a:cs typeface="Courier New" pitchFamily="49" charset="0"/>
+              </a:rPr>
+              <a:t>[, </a:t>
+            </a:r>
+            <a:r>
+              <a:rPr lang="en-US" sz="1400" dirty="0" err="1">
+                <a:latin typeface="Courier New" pitchFamily="49" charset="0"/>
+                <a:cs typeface="Courier New" pitchFamily="49" charset="0"/>
+              </a:rPr>
+              <a:t>ca_colnames</a:t>
+            </a:r>
+            <a:r>
+              <a:rPr lang="en-US" sz="1400" dirty="0">
+                <a:latin typeface="Courier New" pitchFamily="49" charset="0"/>
+                <a:cs typeface="Courier New" pitchFamily="49" charset="0"/>
+              </a:rPr>
+              <a:t>])</a:t>
+            </a:r>
+          </a:p>
+          <a:p>
+            <a:pPr marL="0" indent="0">
+              <a:buNone/>
+            </a:pPr>
+            <a:r>
+              <a:rPr lang="en-US" sz="1400" dirty="0">
+                <a:latin typeface="Courier New" pitchFamily="49" charset="0"/>
+                <a:cs typeface="Courier New" pitchFamily="49" charset="0"/>
+              </a:rPr>
+              <a:t>class(</a:t>
+            </a:r>
+            <a:r>
+              <a:rPr lang="en-US" sz="1400" dirty="0" err="1">
+                <a:latin typeface="Courier New" pitchFamily="49" charset="0"/>
+                <a:cs typeface="Courier New" pitchFamily="49" charset="0"/>
+              </a:rPr>
+              <a:t>infert</a:t>
+            </a:r>
+            <a:r>
+              <a:rPr lang="en-US" sz="1400" dirty="0">
+                <a:latin typeface="Courier New" pitchFamily="49" charset="0"/>
+                <a:cs typeface="Courier New" pitchFamily="49" charset="0"/>
+              </a:rPr>
+              <a:t>[, </a:t>
+            </a:r>
+            <a:r>
+              <a:rPr lang="en-US" sz="1400" dirty="0" err="1">
+                <a:latin typeface="Courier New" pitchFamily="49" charset="0"/>
+                <a:cs typeface="Courier New" pitchFamily="49" charset="0"/>
+              </a:rPr>
+              <a:t>cat_colnames</a:t>
+            </a:r>
+            <a:r>
+              <a:rPr lang="en-US" sz="1400" dirty="0">
+                <a:latin typeface="Courier New" pitchFamily="49" charset="0"/>
+                <a:cs typeface="Courier New" pitchFamily="49" charset="0"/>
+              </a:rPr>
+              <a:t>])</a:t>
+            </a:r>
+          </a:p>
+          <a:p>
+            <a:pPr marL="0" indent="0">
+              <a:buNone/>
+            </a:pPr>
+            <a:endParaRPr lang="en-US" sz="2400" dirty="0">
+              <a:latin typeface="Courier New" pitchFamily="49" charset="0"/>
+              <a:cs typeface="Courier New" pitchFamily="49" charset="0"/>
+            </a:endParaRPr>
+          </a:p>
+        </p:txBody>
+      </p:sp>
+      <p:pic>
+        <p:nvPicPr>
+          <p:cNvPr id="5122" name="Picture 2"/>
+          <p:cNvPicPr>
+            <a:picLocks noChangeAspect="1" noChangeArrowheads="1"/>
+          </p:cNvPicPr>
+          <p:nvPr/>
+        </p:nvPicPr>
+        <p:blipFill>
+          <a:blip r:embed="rId2">
+            <a:extLst>
+              <a:ext uri="{28A0092B-C50C-407E-A947-70E740481C1C}">
+                <a14:useLocalDpi xmlns:a14="http://schemas.microsoft.com/office/drawing/2010/main" val="0"/>
+              </a:ext>
+            </a:extLst>
+          </a:blip>
+          <a:srcRect/>
+          <a:stretch>
+            <a:fillRect/>
+          </a:stretch>
+        </p:blipFill>
+        <p:spPr bwMode="auto">
+          <a:xfrm>
+            <a:off x="5486400" y="4419600"/>
+            <a:ext cx="2343150" cy="1952625"/>
+          </a:xfrm>
+          <a:prstGeom prst="rect">
+            <a:avLst/>
+          </a:prstGeom>
+          <a:noFill/>
+          <a:ln>
+            <a:noFill/>
+          </a:ln>
+          <a:effectLst/>
+          <a:extLst>
+            <a:ext uri="{909E8E84-426E-40dd-AFC4-6F175D3DCCD1}">
+              <a14:hiddenFill xmlns:a14="http://schemas.microsoft.com/office/drawing/2010/main">
+                <a:solidFill>
+                  <a:schemeClr val="accent1"/>
+                </a:solidFill>
+              </a14:hiddenFill>
+            </a:ext>
+            <a:ext uri="{91240B29-F687-4f45-9708-019B960494DF}">
+              <a14:hiddenLine xmlns:a14="http://schemas.microsoft.com/office/drawing/2010/main" w="9525">
+                <a:solidFill>
+                  <a:schemeClr val="tx1"/>
+                </a:solidFill>
+                <a:miter lim="800000"/>
+                <a:headEnd/>
+                <a:tailEnd/>
+              </a14:hiddenLine>
+            </a:ext>
+            <a:ext uri="{AF507438-7753-43e0-B8FC-AC1667EBCBE1}">
+              <a14:hiddenEffects xmlns:a14="http://schemas.microsoft.com/office/drawing/2010/main">
+                <a:effectLst>
+                  <a:outerShdw dist="35921" dir="2700000" algn="ctr" rotWithShape="0">
+                    <a:schemeClr val="bg2"/>
+                  </a:outerShdw>
+                </a:effectLst>
+              </a14:hiddenEffects>
+            </a:ext>
+          </a:extLst>
+        </p:spPr>
+      </p:pic>
+      <p:sp>
+        <p:nvSpPr>
+          <p:cNvPr id="4" name="Slide Number Placeholder 3"/>
+          <p:cNvSpPr>
+            <a:spLocks noGrp="1"/>
+          </p:cNvSpPr>
+          <p:nvPr>
+            <p:ph type="sldNum" sz="quarter" idx="12"/>
+          </p:nvPr>
+        </p:nvSpPr>
+        <p:spPr/>
+        <p:txBody>
+          <a:bodyPr/>
+          <a:lstStyle/>
+          <a:p>
+            <a:fld id="{2A660FC1-65A1-426E-B7B2-1978E5FE673A}" type="slidenum">
+              <a:rPr lang="en-US" smtClean="0"/>
+              <a:t>25</a:t>
+            </a:fld>
+            <a:endParaRPr lang="en-US"/>
+          </a:p>
+        </p:txBody>
+      </p:sp>
+    </p:spTree>
+    <p:extLst>
+      <p:ext uri="{BB962C8B-B14F-4D97-AF65-F5344CB8AC3E}">
+        <p14:creationId xmlns:p14="http://schemas.microsoft.com/office/powerpoint/2010/main" val="2617778542"/>
+      </p:ext>
+    </p:extLst>
+  </p:cSld>
+  <p:clrMapOvr>
+    <a:masterClrMapping/>
+  </p:clrMapOvr>
+  <p:timing>
+    <p:tnLst>
+      <p:par>
+        <p:cTn xmlns:p14="http://schemas.microsoft.com/office/powerpoint/2010/main" id="1" dur="indefinite" restart="never" nodeType="tmRoot"/>
+      </p:par>
+    </p:tnLst>
+  </p:timing>
+</p:sld>
+</file>
+
+<file path=ppt/slides/slide26.xml><?xml version="1.0" encoding="utf-8"?>
 <p:sld xmlns:a="http://schemas.openxmlformats.org/drawingml/2006/main" xmlns:r="http://schemas.openxmlformats.org/officeDocument/2006/relationships" xmlns:p="http://schemas.openxmlformats.org/presentationml/2006/main">
   <p:cSld>
     <p:spTree>
@@ -7402,14 +8836,14 @@
           </a:ln>
           <a:effectLst/>
           <a:extLst>
-            <a:ext uri="{909E8E84-426E-40DD-AFC4-6F175D3DCCD1}">
+            <a:ext uri="{909E8E84-426E-40dd-AFC4-6F175D3DCCD1}">
               <a14:hiddenFill xmlns:a14="http://schemas.microsoft.com/office/drawing/2010/main">
                 <a:solidFill>
                   <a:schemeClr val="accent1"/>
                 </a:solidFill>
               </a14:hiddenFill>
             </a:ext>
-            <a:ext uri="{91240B29-F687-4F45-9708-019B960494DF}">
+            <a:ext uri="{91240B29-F687-4f45-9708-019B960494DF}">
               <a14:hiddenLine xmlns:a14="http://schemas.microsoft.com/office/drawing/2010/main" w="9525">
                 <a:solidFill>
                   <a:schemeClr val="tx1"/>
@@ -7419,7 +8853,7 @@
                 <a:tailEnd/>
               </a14:hiddenLine>
             </a:ext>
-            <a:ext uri="{AF507438-7753-43E0-B8FC-AC1667EBCBE1}">
+            <a:ext uri="{AF507438-7753-43e0-B8FC-AC1667EBCBE1}">
               <a14:hiddenEffects xmlns:a14="http://schemas.microsoft.com/office/drawing/2010/main">
                 <a:effectLst>
                   <a:outerShdw dist="35921" dir="2700000" algn="ctr" rotWithShape="0">
@@ -7505,7 +8939,21 @@
                 <a:latin typeface="Courier New" pitchFamily="49" charset="0"/>
                 <a:cs typeface="Courier New" pitchFamily="49" charset="0"/>
               </a:rPr>
-              <a:t>&lt;-c(1,3,2,4,5)</a:t>
+              <a:t>&lt;-c</a:t>
+            </a:r>
+            <a:r>
+              <a:rPr lang="en-US" sz="2000" dirty="0" smtClean="0">
+                <a:latin typeface="Courier New" pitchFamily="49" charset="0"/>
+                <a:cs typeface="Courier New" pitchFamily="49" charset="0"/>
+              </a:rPr>
+              <a:t>(6,3,2,4,5</a:t>
+            </a:r>
+            <a:r>
+              <a:rPr lang="en-US" sz="2000" dirty="0">
+                <a:latin typeface="Courier New" pitchFamily="49" charset="0"/>
+                <a:cs typeface="Courier New" pitchFamily="49" charset="0"/>
+              </a:rPr>
+              <a:t>)</a:t>
             </a:r>
           </a:p>
           <a:p>
@@ -7628,6 +9076,29 @@
               <a:t>This illustrates a sort algorithm known as "insertion sort"</a:t>
             </a:r>
             <a:endParaRPr lang="en-US" dirty="0"/>
+          </a:p>
+        </p:txBody>
+      </p:sp>
+      <p:sp>
+        <p:nvSpPr>
+          <p:cNvPr id="5" name="Slide Number Placeholder 4"/>
+          <p:cNvSpPr>
+            <a:spLocks noGrp="1"/>
+          </p:cNvSpPr>
+          <p:nvPr>
+            <p:ph type="sldNum" sz="quarter" idx="12"/>
+          </p:nvPr>
+        </p:nvSpPr>
+        <p:spPr/>
+        <p:txBody>
+          <a:bodyPr/>
+          <a:lstStyle/>
+          <a:p>
+            <a:fld id="{2A660FC1-65A1-426E-B7B2-1978E5FE673A}" type="slidenum">
+              <a:rPr lang="en-US" smtClean="0"/>
+              <a:t>26</a:t>
+            </a:fld>
+            <a:endParaRPr lang="en-US"/>
           </a:p>
         </p:txBody>
       </p:sp>
@@ -7644,14 +9115,14 @@
   <p:timing>
     <p:tnLst>
       <p:par>
-        <p:cTn id="1" dur="indefinite" restart="never" nodeType="tmRoot"/>
+        <p:cTn xmlns:p14="http://schemas.microsoft.com/office/powerpoint/2010/main" id="1" dur="indefinite" restart="never" nodeType="tmRoot"/>
       </p:par>
     </p:tnLst>
   </p:timing>
 </p:sld>
 </file>
 
-<file path=ppt/slides/slide25.xml><?xml version="1.0" encoding="utf-8"?>
+<file path=ppt/slides/slide27.xml><?xml version="1.0" encoding="utf-8"?>
 <p:sld xmlns:a="http://schemas.openxmlformats.org/drawingml/2006/main" xmlns:r="http://schemas.openxmlformats.org/officeDocument/2006/relationships" xmlns:p="http://schemas.openxmlformats.org/presentationml/2006/main">
   <p:cSld>
     <p:spTree>
@@ -7993,6 +9464,29 @@
           </a:p>
         </p:txBody>
       </p:sp>
+      <p:sp>
+        <p:nvSpPr>
+          <p:cNvPr id="4" name="Slide Number Placeholder 3"/>
+          <p:cNvSpPr>
+            <a:spLocks noGrp="1"/>
+          </p:cNvSpPr>
+          <p:nvPr>
+            <p:ph type="sldNum" sz="quarter" idx="12"/>
+          </p:nvPr>
+        </p:nvSpPr>
+        <p:spPr/>
+        <p:txBody>
+          <a:bodyPr/>
+          <a:lstStyle/>
+          <a:p>
+            <a:fld id="{2A660FC1-65A1-426E-B7B2-1978E5FE673A}" type="slidenum">
+              <a:rPr lang="en-US" smtClean="0"/>
+              <a:t>27</a:t>
+            </a:fld>
+            <a:endParaRPr lang="en-US"/>
+          </a:p>
+        </p:txBody>
+      </p:sp>
     </p:spTree>
     <p:extLst>
       <p:ext uri="{BB962C8B-B14F-4D97-AF65-F5344CB8AC3E}">
@@ -8006,14 +9500,14 @@
   <p:timing>
     <p:tnLst>
       <p:par>
-        <p:cTn id="1" dur="indefinite" restart="never" nodeType="tmRoot"/>
+        <p:cTn xmlns:p14="http://schemas.microsoft.com/office/powerpoint/2010/main" id="1" dur="indefinite" restart="never" nodeType="tmRoot"/>
       </p:par>
     </p:tnLst>
   </p:timing>
 </p:sld>
 </file>
 
-<file path=ppt/slides/slide26.xml><?xml version="1.0" encoding="utf-8"?>
+<file path=ppt/slides/slide28.xml><?xml version="1.0" encoding="utf-8"?>
 <p:sld xmlns:a="http://schemas.openxmlformats.org/drawingml/2006/main" xmlns:r="http://schemas.openxmlformats.org/officeDocument/2006/relationships" xmlns:p="http://schemas.openxmlformats.org/presentationml/2006/main">
   <p:cSld>
     <p:spTree>
@@ -8197,14 +9691,14 @@
           </a:ln>
           <a:effectLst/>
           <a:extLst>
-            <a:ext uri="{909E8E84-426E-40DD-AFC4-6F175D3DCCD1}">
+            <a:ext uri="{909E8E84-426E-40dd-AFC4-6F175D3DCCD1}">
               <a14:hiddenFill xmlns:a14="http://schemas.microsoft.com/office/drawing/2010/main">
                 <a:solidFill>
                   <a:schemeClr val="accent1"/>
                 </a:solidFill>
               </a14:hiddenFill>
             </a:ext>
-            <a:ext uri="{91240B29-F687-4F45-9708-019B960494DF}">
+            <a:ext uri="{91240B29-F687-4f45-9708-019B960494DF}">
               <a14:hiddenLine xmlns:a14="http://schemas.microsoft.com/office/drawing/2010/main" w="9525">
                 <a:solidFill>
                   <a:schemeClr val="tx1"/>
@@ -8214,7 +9708,7 @@
                 <a:tailEnd/>
               </a14:hiddenLine>
             </a:ext>
-            <a:ext uri="{AF507438-7753-43E0-B8FC-AC1667EBCBE1}">
+            <a:ext uri="{AF507438-7753-43e0-B8FC-AC1667EBCBE1}">
               <a14:hiddenEffects xmlns:a14="http://schemas.microsoft.com/office/drawing/2010/main">
                 <a:effectLst>
                   <a:outerShdw dist="35921" dir="2700000" algn="ctr" rotWithShape="0">
@@ -8253,6 +9747,29 @@
               <a:t>Hadley, our hero</a:t>
             </a:r>
             <a:endParaRPr lang="en-US" dirty="0"/>
+          </a:p>
+        </p:txBody>
+      </p:sp>
+      <p:sp>
+        <p:nvSpPr>
+          <p:cNvPr id="5" name="Slide Number Placeholder 4"/>
+          <p:cNvSpPr>
+            <a:spLocks noGrp="1"/>
+          </p:cNvSpPr>
+          <p:nvPr>
+            <p:ph type="sldNum" sz="quarter" idx="12"/>
+          </p:nvPr>
+        </p:nvSpPr>
+        <p:spPr/>
+        <p:txBody>
+          <a:bodyPr/>
+          <a:lstStyle/>
+          <a:p>
+            <a:fld id="{2A660FC1-65A1-426E-B7B2-1978E5FE673A}" type="slidenum">
+              <a:rPr lang="en-US" smtClean="0"/>
+              <a:t>28</a:t>
+            </a:fld>
+            <a:endParaRPr lang="en-US"/>
           </a:p>
         </p:txBody>
       </p:sp>
@@ -8269,14 +9786,14 @@
   <p:timing>
     <p:tnLst>
       <p:par>
-        <p:cTn id="1" dur="indefinite" restart="never" nodeType="tmRoot"/>
+        <p:cTn xmlns:p14="http://schemas.microsoft.com/office/powerpoint/2010/main" id="1" dur="indefinite" restart="never" nodeType="tmRoot"/>
       </p:par>
     </p:tnLst>
   </p:timing>
 </p:sld>
 </file>
 
-<file path=ppt/slides/slide27.xml><?xml version="1.0" encoding="utf-8"?>
+<file path=ppt/slides/slide29.xml><?xml version="1.0" encoding="utf-8"?>
 <p:sld xmlns:a="http://schemas.openxmlformats.org/drawingml/2006/main" xmlns:r="http://schemas.openxmlformats.org/officeDocument/2006/relationships" xmlns:p="http://schemas.openxmlformats.org/presentationml/2006/main">
   <p:cSld>
     <p:spTree>
@@ -8468,14 +9985,14 @@
           </a:ln>
           <a:effectLst/>
           <a:extLst>
-            <a:ext uri="{909E8E84-426E-40DD-AFC4-6F175D3DCCD1}">
+            <a:ext uri="{909E8E84-426E-40dd-AFC4-6F175D3DCCD1}">
               <a14:hiddenFill xmlns:a14="http://schemas.microsoft.com/office/drawing/2010/main">
                 <a:solidFill>
                   <a:schemeClr val="accent1"/>
                 </a:solidFill>
               </a14:hiddenFill>
             </a:ext>
-            <a:ext uri="{91240B29-F687-4F45-9708-019B960494DF}">
+            <a:ext uri="{91240B29-F687-4f45-9708-019B960494DF}">
               <a14:hiddenLine xmlns:a14="http://schemas.microsoft.com/office/drawing/2010/main" w="9525">
                 <a:solidFill>
                   <a:schemeClr val="tx1"/>
@@ -8485,7 +10002,7 @@
                 <a:tailEnd/>
               </a14:hiddenLine>
             </a:ext>
-            <a:ext uri="{AF507438-7753-43E0-B8FC-AC1667EBCBE1}">
+            <a:ext uri="{AF507438-7753-43e0-B8FC-AC1667EBCBE1}">
               <a14:hiddenEffects xmlns:a14="http://schemas.microsoft.com/office/drawing/2010/main">
                 <a:effectLst>
                   <a:outerShdw dist="35921" dir="2700000" algn="ctr" rotWithShape="0">
@@ -8536,6 +10053,29 @@
               <a:t>But: I do know you should NOT use attach().</a:t>
             </a:r>
             <a:endParaRPr lang="en-US" dirty="0"/>
+          </a:p>
+        </p:txBody>
+      </p:sp>
+      <p:sp>
+        <p:nvSpPr>
+          <p:cNvPr id="5" name="Slide Number Placeholder 4"/>
+          <p:cNvSpPr>
+            <a:spLocks noGrp="1"/>
+          </p:cNvSpPr>
+          <p:nvPr>
+            <p:ph type="sldNum" sz="quarter" idx="12"/>
+          </p:nvPr>
+        </p:nvSpPr>
+        <p:spPr/>
+        <p:txBody>
+          <a:bodyPr/>
+          <a:lstStyle/>
+          <a:p>
+            <a:fld id="{2A660FC1-65A1-426E-B7B2-1978E5FE673A}" type="slidenum">
+              <a:rPr lang="en-US" smtClean="0"/>
+              <a:t>29</a:t>
+            </a:fld>
+            <a:endParaRPr lang="en-US"/>
           </a:p>
         </p:txBody>
       </p:sp>
@@ -8552,14 +10092,230 @@
   <p:timing>
     <p:tnLst>
       <p:par>
-        <p:cTn id="1" dur="indefinite" restart="never" nodeType="tmRoot"/>
+        <p:cTn xmlns:p14="http://schemas.microsoft.com/office/powerpoint/2010/main" id="1" dur="indefinite" restart="never" nodeType="tmRoot"/>
       </p:par>
     </p:tnLst>
   </p:timing>
 </p:sld>
 </file>
 
-<file path=ppt/slides/slide28.xml><?xml version="1.0" encoding="utf-8"?>
+<file path=ppt/slides/slide3.xml><?xml version="1.0" encoding="utf-8"?>
+<p:sld xmlns:a="http://schemas.openxmlformats.org/drawingml/2006/main" xmlns:r="http://schemas.openxmlformats.org/officeDocument/2006/relationships" xmlns:p="http://schemas.openxmlformats.org/presentationml/2006/main">
+  <p:cSld>
+    <p:spTree>
+      <p:nvGrpSpPr>
+        <p:cNvPr id="1" name=""/>
+        <p:cNvGrpSpPr/>
+        <p:nvPr/>
+      </p:nvGrpSpPr>
+      <p:grpSpPr>
+        <a:xfrm>
+          <a:off x="0" y="0"/>
+          <a:ext cx="0" cy="0"/>
+          <a:chOff x="0" y="0"/>
+          <a:chExt cx="0" cy="0"/>
+        </a:xfrm>
+      </p:grpSpPr>
+      <p:sp>
+        <p:nvSpPr>
+          <p:cNvPr id="2" name="Title 1"/>
+          <p:cNvSpPr>
+            <a:spLocks noGrp="1"/>
+          </p:cNvSpPr>
+          <p:nvPr>
+            <p:ph type="title"/>
+          </p:nvPr>
+        </p:nvSpPr>
+        <p:spPr/>
+        <p:txBody>
+          <a:bodyPr/>
+          <a:lstStyle/>
+          <a:p>
+            <a:r>
+              <a:rPr lang="en-US" dirty="0" smtClean="0"/>
+              <a:t>Reading files from disk</a:t>
+            </a:r>
+            <a:endParaRPr lang="en-US" dirty="0"/>
+          </a:p>
+        </p:txBody>
+      </p:sp>
+      <p:sp>
+        <p:nvSpPr>
+          <p:cNvPr id="3" name="Content Placeholder 2"/>
+          <p:cNvSpPr>
+            <a:spLocks noGrp="1"/>
+          </p:cNvSpPr>
+          <p:nvPr>
+            <p:ph idx="1"/>
+          </p:nvPr>
+        </p:nvSpPr>
+        <p:spPr/>
+        <p:txBody>
+          <a:bodyPr/>
+          <a:lstStyle/>
+          <a:p>
+            <a:r>
+              <a:rPr lang="en-US" dirty="0"/>
+              <a:t>Remember </a:t>
+            </a:r>
+            <a:r>
+              <a:rPr lang="en-US" dirty="0" smtClean="0"/>
+              <a:t>this from our walk-through?</a:t>
+            </a:r>
+            <a:endParaRPr lang="en-US" dirty="0"/>
+          </a:p>
+          <a:p>
+            <a:pPr marL="0" indent="0">
+              <a:buNone/>
+            </a:pPr>
+            <a:r>
+              <a:rPr lang="en-US" sz="1800" dirty="0">
+                <a:latin typeface="Courier New" panose="02070309020205020404" pitchFamily="49" charset="0"/>
+                <a:cs typeface="Courier New" panose="02070309020205020404" pitchFamily="49" charset="0"/>
+              </a:rPr>
+              <a:t>dig &lt;- </a:t>
+            </a:r>
+            <a:r>
+              <a:rPr lang="en-US" sz="1800" dirty="0" err="1" smtClean="0">
+                <a:latin typeface="Courier New" panose="02070309020205020404" pitchFamily="49" charset="0"/>
+                <a:cs typeface="Courier New" panose="02070309020205020404" pitchFamily="49" charset="0"/>
+              </a:rPr>
+              <a:t>read.csv</a:t>
+            </a:r>
+            <a:r>
+              <a:rPr lang="en-US" sz="1800" dirty="0" smtClean="0">
+                <a:latin typeface="Courier New" panose="02070309020205020404" pitchFamily="49" charset="0"/>
+                <a:cs typeface="Courier New" panose="02070309020205020404" pitchFamily="49" charset="0"/>
+              </a:rPr>
+              <a:t>(</a:t>
+            </a:r>
+          </a:p>
+          <a:p>
+            <a:pPr marL="0" indent="0">
+              <a:buNone/>
+            </a:pPr>
+            <a:r>
+              <a:rPr lang="en-US" sz="1800" dirty="0">
+                <a:latin typeface="Courier New" panose="02070309020205020404" pitchFamily="49" charset="0"/>
+                <a:cs typeface="Courier New" panose="02070309020205020404" pitchFamily="49" charset="0"/>
+              </a:rPr>
+              <a:t>	</a:t>
+            </a:r>
+            <a:r>
+              <a:rPr lang="en-US" sz="1800" dirty="0" smtClean="0">
+                <a:latin typeface="Courier New" panose="02070309020205020404" pitchFamily="49" charset="0"/>
+                <a:cs typeface="Courier New" panose="02070309020205020404" pitchFamily="49" charset="0"/>
+              </a:rPr>
+              <a:t>"</a:t>
+            </a:r>
+            <a:r>
+              <a:rPr lang="en-US" sz="1800" dirty="0">
+                <a:latin typeface="Courier New" panose="02070309020205020404" pitchFamily="49" charset="0"/>
+                <a:cs typeface="Courier New" panose="02070309020205020404" pitchFamily="49" charset="0"/>
+              </a:rPr>
+              <a:t>http://</a:t>
+            </a:r>
+            <a:r>
+              <a:rPr lang="en-US" sz="1800" dirty="0" err="1">
+                <a:latin typeface="Courier New" panose="02070309020205020404" pitchFamily="49" charset="0"/>
+                <a:cs typeface="Courier New" panose="02070309020205020404" pitchFamily="49" charset="0"/>
+              </a:rPr>
+              <a:t>www.columbia.edu</a:t>
+            </a:r>
+            <a:r>
+              <a:rPr lang="en-US" sz="1800" dirty="0">
+                <a:latin typeface="Courier New" panose="02070309020205020404" pitchFamily="49" charset="0"/>
+                <a:cs typeface="Courier New" panose="02070309020205020404" pitchFamily="49" charset="0"/>
+              </a:rPr>
+              <a:t>/~sjm2186/EPIC_R/</a:t>
+            </a:r>
+            <a:r>
+              <a:rPr lang="en-US" sz="1800" dirty="0" err="1">
+                <a:latin typeface="Courier New" panose="02070309020205020404" pitchFamily="49" charset="0"/>
+                <a:cs typeface="Courier New" panose="02070309020205020404" pitchFamily="49" charset="0"/>
+              </a:rPr>
+              <a:t>dig.csv</a:t>
+            </a:r>
+            <a:r>
+              <a:rPr lang="en-US" sz="1800" dirty="0">
+                <a:latin typeface="Courier New" panose="02070309020205020404" pitchFamily="49" charset="0"/>
+                <a:cs typeface="Courier New" panose="02070309020205020404" pitchFamily="49" charset="0"/>
+              </a:rPr>
+              <a:t>")</a:t>
+            </a:r>
+          </a:p>
+          <a:p>
+            <a:endParaRPr lang="en-US" dirty="0" smtClean="0"/>
+          </a:p>
+          <a:p>
+            <a:r>
+              <a:rPr lang="en-US" dirty="0" smtClean="0"/>
+              <a:t>In real life, usually read in data with a read() function, like </a:t>
+            </a:r>
+            <a:r>
+              <a:rPr lang="en-US" dirty="0" err="1" smtClean="0"/>
+              <a:t>read.csv</a:t>
+            </a:r>
+            <a:r>
+              <a:rPr lang="en-US" dirty="0" smtClean="0"/>
+              <a:t>, </a:t>
+            </a:r>
+            <a:r>
+              <a:rPr lang="en-US" dirty="0" err="1" smtClean="0"/>
+              <a:t>read.table</a:t>
+            </a:r>
+            <a:r>
+              <a:rPr lang="en-US" dirty="0" smtClean="0"/>
+              <a:t>, </a:t>
+            </a:r>
+            <a:r>
+              <a:rPr lang="en-US" dirty="0" err="1" smtClean="0"/>
+              <a:t>read.dta</a:t>
+            </a:r>
+            <a:endParaRPr lang="en-US" dirty="0" smtClean="0"/>
+          </a:p>
+          <a:p>
+            <a:endParaRPr lang="en-US" dirty="0"/>
+          </a:p>
+        </p:txBody>
+      </p:sp>
+      <p:sp>
+        <p:nvSpPr>
+          <p:cNvPr id="4" name="Slide Number Placeholder 3"/>
+          <p:cNvSpPr>
+            <a:spLocks noGrp="1"/>
+          </p:cNvSpPr>
+          <p:nvPr>
+            <p:ph type="sldNum" sz="quarter" idx="12"/>
+          </p:nvPr>
+        </p:nvSpPr>
+        <p:spPr/>
+        <p:txBody>
+          <a:bodyPr/>
+          <a:lstStyle/>
+          <a:p>
+            <a:fld id="{2A660FC1-65A1-426E-B7B2-1978E5FE673A}" type="slidenum">
+              <a:rPr lang="en-US" smtClean="0"/>
+              <a:t>3</a:t>
+            </a:fld>
+            <a:endParaRPr lang="en-US"/>
+          </a:p>
+        </p:txBody>
+      </p:sp>
+    </p:spTree>
+    <p:extLst>
+      <p:ext uri="{BB962C8B-B14F-4D97-AF65-F5344CB8AC3E}">
+        <p14:creationId xmlns:p14="http://schemas.microsoft.com/office/powerpoint/2010/main" val="3224249711"/>
+      </p:ext>
+    </p:extLst>
+  </p:cSld>
+  <p:clrMapOvr>
+    <a:masterClrMapping/>
+  </p:clrMapOvr>
+</p:sld>
+</file>
+
+<file path=ppt/slides/slide30.xml><?xml version="1.0" encoding="utf-8"?>
 <p:sld xmlns:a="http://schemas.openxmlformats.org/drawingml/2006/main" xmlns:r="http://schemas.openxmlformats.org/officeDocument/2006/relationships" xmlns:p="http://schemas.openxmlformats.org/presentationml/2006/main">
   <p:cSld>
     <p:spTree>
@@ -8739,14 +10495,14 @@
           </a:ln>
           <a:effectLst/>
           <a:extLst>
-            <a:ext uri="{909E8E84-426E-40DD-AFC4-6F175D3DCCD1}">
+            <a:ext uri="{909E8E84-426E-40dd-AFC4-6F175D3DCCD1}">
               <a14:hiddenFill xmlns:a14="http://schemas.microsoft.com/office/drawing/2010/main">
                 <a:solidFill>
                   <a:schemeClr val="accent1"/>
                 </a:solidFill>
               </a14:hiddenFill>
             </a:ext>
-            <a:ext uri="{91240B29-F687-4F45-9708-019B960494DF}">
+            <a:ext uri="{91240B29-F687-4f45-9708-019B960494DF}">
               <a14:hiddenLine xmlns:a14="http://schemas.microsoft.com/office/drawing/2010/main" w="9525">
                 <a:solidFill>
                   <a:schemeClr val="tx1"/>
@@ -8756,7 +10512,7 @@
                 <a:tailEnd/>
               </a14:hiddenLine>
             </a:ext>
-            <a:ext uri="{AF507438-7753-43E0-B8FC-AC1667EBCBE1}">
+            <a:ext uri="{AF507438-7753-43e0-B8FC-AC1667EBCBE1}">
               <a14:hiddenEffects xmlns:a14="http://schemas.microsoft.com/office/drawing/2010/main">
                 <a:effectLst>
                   <a:outerShdw dist="35921" dir="2700000" algn="ctr" rotWithShape="0">
@@ -8776,7 +10532,7 @@
         </p:nvSpPr>
         <p:spPr>
           <a:xfrm>
-            <a:off x="6096000" y="6248400"/>
+            <a:off x="5791200" y="6019800"/>
             <a:ext cx="2827377" cy="369332"/>
           </a:xfrm>
           <a:prstGeom prst="rect">
@@ -8798,6 +10554,29 @@
               <a:t>9, review)</a:t>
             </a:r>
             <a:endParaRPr lang="en-US" dirty="0"/>
+          </a:p>
+        </p:txBody>
+      </p:sp>
+      <p:sp>
+        <p:nvSpPr>
+          <p:cNvPr id="5" name="Slide Number Placeholder 4"/>
+          <p:cNvSpPr>
+            <a:spLocks noGrp="1"/>
+          </p:cNvSpPr>
+          <p:nvPr>
+            <p:ph type="sldNum" sz="quarter" idx="12"/>
+          </p:nvPr>
+        </p:nvSpPr>
+        <p:spPr/>
+        <p:txBody>
+          <a:bodyPr/>
+          <a:lstStyle/>
+          <a:p>
+            <a:fld id="{2A660FC1-65A1-426E-B7B2-1978E5FE673A}" type="slidenum">
+              <a:rPr lang="en-US" smtClean="0"/>
+              <a:t>30</a:t>
+            </a:fld>
+            <a:endParaRPr lang="en-US"/>
           </a:p>
         </p:txBody>
       </p:sp>
@@ -8814,7 +10593,7 @@
   <p:timing>
     <p:tnLst>
       <p:par>
-        <p:cTn id="1" dur="indefinite" restart="never" nodeType="tmRoot">
+        <p:cTn xmlns:p14="http://schemas.microsoft.com/office/powerpoint/2010/main" id="1" dur="indefinite" restart="never" nodeType="tmRoot">
           <p:childTnLst>
             <p:seq concurrent="1" nextAc="seek">
               <p:cTn id="2" dur="indefinite" nodeType="mainSeq">
@@ -8892,7 +10671,7 @@
 </p:sld>
 </file>
 
-<file path=ppt/slides/slide29.xml><?xml version="1.0" encoding="utf-8"?>
+<file path=ppt/slides/slide31.xml><?xml version="1.0" encoding="utf-8"?>
 <p:sld xmlns:a="http://schemas.openxmlformats.org/drawingml/2006/main" xmlns:r="http://schemas.openxmlformats.org/officeDocument/2006/relationships" xmlns:p="http://schemas.openxmlformats.org/presentationml/2006/main">
   <p:cSld>
     <p:spTree>
@@ -9102,14 +10881,14 @@
           </a:ln>
           <a:effectLst/>
           <a:extLst>
-            <a:ext uri="{909E8E84-426E-40DD-AFC4-6F175D3DCCD1}">
+            <a:ext uri="{909E8E84-426E-40dd-AFC4-6F175D3DCCD1}">
               <a14:hiddenFill xmlns:a14="http://schemas.microsoft.com/office/drawing/2010/main">
                 <a:solidFill>
                   <a:schemeClr val="accent1"/>
                 </a:solidFill>
               </a14:hiddenFill>
             </a:ext>
-            <a:ext uri="{91240B29-F687-4F45-9708-019B960494DF}">
+            <a:ext uri="{91240B29-F687-4f45-9708-019B960494DF}">
               <a14:hiddenLine xmlns:a14="http://schemas.microsoft.com/office/drawing/2010/main" w="9525">
                 <a:solidFill>
                   <a:schemeClr val="tx1"/>
@@ -9119,7 +10898,7 @@
                 <a:tailEnd/>
               </a14:hiddenLine>
             </a:ext>
-            <a:ext uri="{AF507438-7753-43E0-B8FC-AC1667EBCBE1}">
+            <a:ext uri="{AF507438-7753-43e0-B8FC-AC1667EBCBE1}">
               <a14:hiddenEffects xmlns:a14="http://schemas.microsoft.com/office/drawing/2010/main">
                 <a:effectLst>
                   <a:outerShdw dist="35921" dir="2700000" algn="ctr" rotWithShape="0">
@@ -9152,14 +10931,14 @@
             <a:noFill/>
           </a:ln>
           <a:extLst>
-            <a:ext uri="{909E8E84-426E-40DD-AFC4-6F175D3DCCD1}">
+            <a:ext uri="{909E8E84-426E-40dd-AFC4-6F175D3DCCD1}">
               <a14:hiddenFill xmlns:a14="http://schemas.microsoft.com/office/drawing/2010/main">
                 <a:solidFill>
                   <a:srgbClr val="FFFFFF"/>
                 </a:solidFill>
               </a14:hiddenFill>
             </a:ext>
-            <a:ext uri="{91240B29-F687-4F45-9708-019B960494DF}">
+            <a:ext uri="{91240B29-F687-4f45-9708-019B960494DF}">
               <a14:hiddenLine xmlns:a14="http://schemas.microsoft.com/office/drawing/2010/main" w="9525">
                 <a:solidFill>
                   <a:srgbClr val="000000"/>
@@ -9282,6 +11061,29 @@
           </a:p>
         </p:txBody>
       </p:sp>
+      <p:sp>
+        <p:nvSpPr>
+          <p:cNvPr id="2" name="Slide Number Placeholder 1"/>
+          <p:cNvSpPr>
+            <a:spLocks noGrp="1"/>
+          </p:cNvSpPr>
+          <p:nvPr>
+            <p:ph type="sldNum" sz="quarter" idx="12"/>
+          </p:nvPr>
+        </p:nvSpPr>
+        <p:spPr/>
+        <p:txBody>
+          <a:bodyPr/>
+          <a:lstStyle/>
+          <a:p>
+            <a:fld id="{2A660FC1-65A1-426E-B7B2-1978E5FE673A}" type="slidenum">
+              <a:rPr lang="en-US" smtClean="0"/>
+              <a:t>31</a:t>
+            </a:fld>
+            <a:endParaRPr lang="en-US"/>
+          </a:p>
+        </p:txBody>
+      </p:sp>
     </p:spTree>
     <p:extLst>
       <p:ext uri="{BB962C8B-B14F-4D97-AF65-F5344CB8AC3E}">
@@ -9295,819 +11097,7 @@
   <p:timing>
     <p:tnLst>
       <p:par>
-        <p:cTn id="1" dur="indefinite" restart="never" nodeType="tmRoot"/>
-      </p:par>
-    </p:tnLst>
-  </p:timing>
-</p:sld>
-</file>
-
-<file path=ppt/slides/slide3.xml><?xml version="1.0" encoding="utf-8"?>
-<p:sld xmlns:a="http://schemas.openxmlformats.org/drawingml/2006/main" xmlns:r="http://schemas.openxmlformats.org/officeDocument/2006/relationships" xmlns:p="http://schemas.openxmlformats.org/presentationml/2006/main">
-  <p:cSld>
-    <p:spTree>
-      <p:nvGrpSpPr>
-        <p:cNvPr id="1" name=""/>
-        <p:cNvGrpSpPr/>
-        <p:nvPr/>
-      </p:nvGrpSpPr>
-      <p:grpSpPr>
-        <a:xfrm>
-          <a:off x="0" y="0"/>
-          <a:ext cx="0" cy="0"/>
-          <a:chOff x="0" y="0"/>
-          <a:chExt cx="0" cy="0"/>
-        </a:xfrm>
-      </p:grpSpPr>
-      <p:sp>
-        <p:nvSpPr>
-          <p:cNvPr id="2" name="Title 1"/>
-          <p:cNvSpPr>
-            <a:spLocks noGrp="1"/>
-          </p:cNvSpPr>
-          <p:nvPr>
-            <p:ph type="title"/>
-          </p:nvPr>
-        </p:nvSpPr>
-        <p:spPr/>
-        <p:txBody>
-          <a:bodyPr/>
-          <a:lstStyle/>
-          <a:p>
-            <a:r>
-              <a:rPr lang="en-US" dirty="0" err="1" smtClean="0"/>
-              <a:t>read.table</a:t>
-            </a:r>
-            <a:endParaRPr lang="en-US" dirty="0"/>
-          </a:p>
-        </p:txBody>
-      </p:sp>
-      <p:sp>
-        <p:nvSpPr>
-          <p:cNvPr id="3" name="Content Placeholder 2"/>
-          <p:cNvSpPr>
-            <a:spLocks noGrp="1"/>
-          </p:cNvSpPr>
-          <p:nvPr>
-            <p:ph idx="1"/>
-          </p:nvPr>
-        </p:nvSpPr>
-        <p:spPr>
-          <a:xfrm>
-            <a:off x="457200" y="1600200"/>
-            <a:ext cx="7772400" cy="4525963"/>
-          </a:xfrm>
-        </p:spPr>
-        <p:txBody>
-          <a:bodyPr>
-            <a:normAutofit lnSpcReduction="10000"/>
-          </a:bodyPr>
-          <a:lstStyle/>
-          <a:p>
-            <a:r>
-              <a:rPr lang="en-US" dirty="0" smtClean="0"/>
-              <a:t>In real life, you usually use </a:t>
-            </a:r>
-            <a:r>
-              <a:rPr lang="en-US" dirty="0" err="1" smtClean="0"/>
-              <a:t>read.table</a:t>
-            </a:r>
-            <a:r>
-              <a:rPr lang="en-US" dirty="0" smtClean="0"/>
-              <a:t> (or a variation thereof) to read in your existing dataset.</a:t>
-            </a:r>
-          </a:p>
-          <a:p>
-            <a:r>
-              <a:rPr lang="en-US" dirty="0" smtClean="0"/>
-              <a:t>Some important parameters to </a:t>
-            </a:r>
-            <a:r>
-              <a:rPr lang="en-US" dirty="0" err="1" smtClean="0"/>
-              <a:t>read.table</a:t>
-            </a:r>
-            <a:r>
-              <a:rPr lang="en-US" dirty="0" smtClean="0"/>
-              <a:t>:</a:t>
-            </a:r>
-          </a:p>
-          <a:p>
-            <a:pPr lvl="1"/>
-            <a:r>
-              <a:rPr lang="en-US" dirty="0" smtClean="0"/>
-              <a:t>file=  file name or URL </a:t>
-            </a:r>
-          </a:p>
-          <a:p>
-            <a:pPr lvl="2"/>
-            <a:r>
-              <a:rPr lang="en-US" dirty="0" smtClean="0"/>
-              <a:t>Use double backslashes in Windows filenames</a:t>
-            </a:r>
-            <a:endParaRPr lang="en-US" dirty="0"/>
-          </a:p>
-          <a:p>
-            <a:pPr lvl="1"/>
-            <a:r>
-              <a:rPr lang="en-US" dirty="0" smtClean="0"/>
-              <a:t>header=TRUE: first row is column names</a:t>
-            </a:r>
-          </a:p>
-          <a:p>
-            <a:pPr lvl="1"/>
-            <a:r>
-              <a:rPr lang="en-US" dirty="0" err="1" smtClean="0"/>
-              <a:t>stringsAsFactors</a:t>
-            </a:r>
-            <a:r>
-              <a:rPr lang="en-US" dirty="0" smtClean="0"/>
-              <a:t>=FALSE: turn off auto-convert </a:t>
-            </a:r>
-            <a:r>
-              <a:rPr lang="en-US" dirty="0"/>
-              <a:t>strings to factors</a:t>
-            </a:r>
-          </a:p>
-          <a:p>
-            <a:endParaRPr lang="en-US" dirty="0"/>
-          </a:p>
-        </p:txBody>
-      </p:sp>
-      <p:sp>
-        <p:nvSpPr>
-          <p:cNvPr id="4" name="Slide Number Placeholder 3"/>
-          <p:cNvSpPr>
-            <a:spLocks noGrp="1"/>
-          </p:cNvSpPr>
-          <p:nvPr>
-            <p:ph type="sldNum" sz="quarter" idx="12"/>
-          </p:nvPr>
-        </p:nvSpPr>
-        <p:spPr/>
-        <p:txBody>
-          <a:bodyPr/>
-          <a:lstStyle/>
-          <a:p>
-            <a:fld id="{8E535618-13C3-4318-851E-E6049AC5CA6F}" type="slidenum">
-              <a:rPr lang="en-US" smtClean="0"/>
-              <a:t>3</a:t>
-            </a:fld>
-            <a:endParaRPr lang="en-US"/>
-          </a:p>
-        </p:txBody>
-      </p:sp>
-    </p:spTree>
-    <p:extLst>
-      <p:ext uri="{BB962C8B-B14F-4D97-AF65-F5344CB8AC3E}">
-        <p14:creationId xmlns:p14="http://schemas.microsoft.com/office/powerpoint/2010/main" val="278067661"/>
-      </p:ext>
-    </p:extLst>
-  </p:cSld>
-  <p:clrMapOvr>
-    <a:masterClrMapping/>
-  </p:clrMapOvr>
-  <p:timing>
-    <p:tnLst>
-      <p:par>
-        <p:cTn id="1" dur="indefinite" restart="never" nodeType="tmRoot"/>
-      </p:par>
-    </p:tnLst>
-  </p:timing>
-</p:sld>
-</file>
-
-<file path=ppt/slides/slide30.xml><?xml version="1.0" encoding="utf-8"?>
-<p:sld xmlns:a="http://schemas.openxmlformats.org/drawingml/2006/main" xmlns:r="http://schemas.openxmlformats.org/officeDocument/2006/relationships" xmlns:p="http://schemas.openxmlformats.org/presentationml/2006/main">
-  <p:cSld>
-    <p:spTree>
-      <p:nvGrpSpPr>
-        <p:cNvPr id="1" name=""/>
-        <p:cNvGrpSpPr/>
-        <p:nvPr/>
-      </p:nvGrpSpPr>
-      <p:grpSpPr>
-        <a:xfrm>
-          <a:off x="0" y="0"/>
-          <a:ext cx="0" cy="0"/>
-          <a:chOff x="0" y="0"/>
-          <a:chExt cx="0" cy="0"/>
-        </a:xfrm>
-      </p:grpSpPr>
-      <p:sp>
-        <p:nvSpPr>
-          <p:cNvPr id="41986" name="Title 1"/>
-          <p:cNvSpPr>
-            <a:spLocks noGrp="1"/>
-          </p:cNvSpPr>
-          <p:nvPr>
-            <p:ph type="title"/>
-          </p:nvPr>
-        </p:nvSpPr>
-        <p:spPr/>
-        <p:txBody>
-          <a:bodyPr/>
-          <a:lstStyle/>
-          <a:p>
-            <a:r>
-              <a:rPr lang="en-US" altLang="en-US" smtClean="0"/>
-              <a:t>Some important built-in functions</a:t>
-            </a:r>
-          </a:p>
-        </p:txBody>
-      </p:sp>
-      <p:sp>
-        <p:nvSpPr>
-          <p:cNvPr id="3" name="Content Placeholder 2"/>
-          <p:cNvSpPr>
-            <a:spLocks noGrp="1"/>
-          </p:cNvSpPr>
-          <p:nvPr>
-            <p:ph idx="1"/>
-          </p:nvPr>
-        </p:nvSpPr>
-        <p:spPr/>
-        <p:txBody>
-          <a:bodyPr rtlCol="0">
-            <a:normAutofit fontScale="92500"/>
-          </a:bodyPr>
-          <a:lstStyle/>
-          <a:p>
-            <a:pPr fontAlgn="auto">
-              <a:spcAft>
-                <a:spcPts val="0"/>
-              </a:spcAft>
-              <a:buFont typeface="Arial" pitchFamily="34" charset="0"/>
-              <a:buChar char="•"/>
-              <a:defRPr/>
-            </a:pPr>
-            <a:r>
-              <a:rPr lang="en-US" dirty="0" smtClean="0"/>
-              <a:t>We've come across some important ones before:</a:t>
-            </a:r>
-          </a:p>
-          <a:p>
-            <a:pPr marL="0" indent="0" fontAlgn="auto">
-              <a:spcAft>
-                <a:spcPts val="0"/>
-              </a:spcAft>
-              <a:buFont typeface="Arial" pitchFamily="34" charset="0"/>
-              <a:buNone/>
-              <a:defRPr/>
-            </a:pPr>
-            <a:r>
-              <a:rPr lang="en-US" sz="2000" dirty="0" err="1" smtClean="0">
-                <a:latin typeface="Courier New" pitchFamily="49" charset="0"/>
-                <a:cs typeface="Courier New" pitchFamily="49" charset="0"/>
-              </a:rPr>
-              <a:t>str</a:t>
-            </a:r>
-            <a:r>
-              <a:rPr lang="en-US" sz="2000" dirty="0" smtClean="0">
-                <a:latin typeface="Courier New" pitchFamily="49" charset="0"/>
-                <a:cs typeface="Courier New" pitchFamily="49" charset="0"/>
-              </a:rPr>
-              <a:t>(</a:t>
-            </a:r>
-            <a:r>
-              <a:rPr lang="en-US" sz="2000" dirty="0" err="1" smtClean="0">
-                <a:latin typeface="Courier New" pitchFamily="49" charset="0"/>
-                <a:cs typeface="Courier New" pitchFamily="49" charset="0"/>
-              </a:rPr>
-              <a:t>infert</a:t>
-            </a:r>
-            <a:r>
-              <a:rPr lang="en-US" sz="2000" dirty="0" smtClean="0">
-                <a:latin typeface="Courier New" pitchFamily="49" charset="0"/>
-                <a:cs typeface="Courier New" pitchFamily="49" charset="0"/>
-              </a:rPr>
-              <a:t>) # show the structure of an object</a:t>
-            </a:r>
-          </a:p>
-          <a:p>
-            <a:pPr marL="0" indent="0" fontAlgn="auto">
-              <a:spcAft>
-                <a:spcPts val="0"/>
-              </a:spcAft>
-              <a:buFont typeface="Arial" pitchFamily="34" charset="0"/>
-              <a:buNone/>
-              <a:defRPr/>
-            </a:pPr>
-            <a:r>
-              <a:rPr lang="en-US" sz="2000" dirty="0" smtClean="0">
-                <a:latin typeface="Courier New" pitchFamily="49" charset="0"/>
-                <a:cs typeface="Courier New" pitchFamily="49" charset="0"/>
-              </a:rPr>
-              <a:t>head(</a:t>
-            </a:r>
-            <a:r>
-              <a:rPr lang="en-US" sz="2000" dirty="0" err="1" smtClean="0">
-                <a:latin typeface="Courier New" pitchFamily="49" charset="0"/>
-                <a:cs typeface="Courier New" pitchFamily="49" charset="0"/>
-              </a:rPr>
-              <a:t>infert</a:t>
-            </a:r>
-            <a:r>
-              <a:rPr lang="en-US" sz="2000" dirty="0" smtClean="0">
-                <a:latin typeface="Courier New" pitchFamily="49" charset="0"/>
-                <a:cs typeface="Courier New" pitchFamily="49" charset="0"/>
-              </a:rPr>
-              <a:t>) # print the start of a vector/data frame</a:t>
-            </a:r>
-          </a:p>
-          <a:p>
-            <a:pPr marL="0" indent="0" fontAlgn="auto">
-              <a:spcAft>
-                <a:spcPts val="0"/>
-              </a:spcAft>
-              <a:buFont typeface="Arial" pitchFamily="34" charset="0"/>
-              <a:buNone/>
-              <a:defRPr/>
-            </a:pPr>
-            <a:r>
-              <a:rPr lang="en-US" sz="2000" dirty="0" smtClean="0">
-                <a:latin typeface="Courier New" pitchFamily="49" charset="0"/>
-                <a:cs typeface="Courier New" pitchFamily="49" charset="0"/>
-              </a:rPr>
-              <a:t>table(</a:t>
-            </a:r>
-            <a:r>
-              <a:rPr lang="en-US" sz="2000" dirty="0" err="1" smtClean="0">
-                <a:latin typeface="Courier New" pitchFamily="49" charset="0"/>
-                <a:cs typeface="Courier New" pitchFamily="49" charset="0"/>
-              </a:rPr>
-              <a:t>infert$age</a:t>
-            </a:r>
-            <a:r>
-              <a:rPr lang="en-US" sz="2000" dirty="0" smtClean="0">
-                <a:latin typeface="Courier New" pitchFamily="49" charset="0"/>
-                <a:cs typeface="Courier New" pitchFamily="49" charset="0"/>
-              </a:rPr>
-              <a:t>) # print a frequency table</a:t>
-            </a:r>
-          </a:p>
-          <a:p>
-            <a:pPr marL="0" indent="0" fontAlgn="auto">
-              <a:spcAft>
-                <a:spcPts val="0"/>
-              </a:spcAft>
-              <a:buFont typeface="Arial" pitchFamily="34" charset="0"/>
-              <a:buNone/>
-              <a:defRPr/>
-            </a:pPr>
-            <a:endParaRPr lang="en-US" sz="2000" dirty="0" smtClean="0">
-              <a:latin typeface="Courier New" pitchFamily="49" charset="0"/>
-              <a:cs typeface="Courier New" pitchFamily="49" charset="0"/>
-            </a:endParaRPr>
-          </a:p>
-          <a:p>
-            <a:pPr fontAlgn="auto">
-              <a:spcAft>
-                <a:spcPts val="0"/>
-              </a:spcAft>
-              <a:buFont typeface="Arial" pitchFamily="34" charset="0"/>
-              <a:buChar char="•"/>
-              <a:defRPr/>
-            </a:pPr>
-            <a:r>
-              <a:rPr lang="en-US" dirty="0" smtClean="0"/>
-              <a:t>We'll also see a more as we start talking about using R with statistical computation in mind:</a:t>
-            </a:r>
-          </a:p>
-          <a:p>
-            <a:pPr marL="0" indent="0" fontAlgn="auto">
-              <a:spcAft>
-                <a:spcPts val="0"/>
-              </a:spcAft>
-              <a:buFont typeface="Arial" pitchFamily="34" charset="0"/>
-              <a:buNone/>
-              <a:defRPr/>
-            </a:pPr>
-            <a:r>
-              <a:rPr lang="en-US" sz="2000" dirty="0" err="1" smtClean="0">
-                <a:latin typeface="Courier New" pitchFamily="49" charset="0"/>
-                <a:cs typeface="Courier New" pitchFamily="49" charset="0"/>
-              </a:rPr>
-              <a:t>fivenum</a:t>
-            </a:r>
-            <a:r>
-              <a:rPr lang="en-US" sz="2000" dirty="0" smtClean="0">
-                <a:latin typeface="Courier New" pitchFamily="49" charset="0"/>
-                <a:cs typeface="Courier New" pitchFamily="49" charset="0"/>
-              </a:rPr>
-              <a:t>(</a:t>
-            </a:r>
-            <a:r>
-              <a:rPr lang="en-US" sz="2000" dirty="0" err="1" smtClean="0">
-                <a:latin typeface="Courier New" pitchFamily="49" charset="0"/>
-                <a:cs typeface="Courier New" pitchFamily="49" charset="0"/>
-              </a:rPr>
-              <a:t>infert$age</a:t>
-            </a:r>
-            <a:r>
-              <a:rPr lang="en-US" sz="2000" dirty="0" smtClean="0">
-                <a:latin typeface="Courier New" pitchFamily="49" charset="0"/>
-                <a:cs typeface="Courier New" pitchFamily="49" charset="0"/>
-              </a:rPr>
-              <a:t>) </a:t>
-            </a:r>
-            <a:r>
-              <a:rPr lang="en-US" sz="2000" dirty="0">
-                <a:latin typeface="Courier New" pitchFamily="49" charset="0"/>
-                <a:cs typeface="Courier New" pitchFamily="49" charset="0"/>
-              </a:rPr>
-              <a:t># "five number" summary </a:t>
-            </a:r>
-            <a:endParaRPr lang="en-US" sz="2000" dirty="0" smtClean="0">
-              <a:latin typeface="Courier New" pitchFamily="49" charset="0"/>
-              <a:cs typeface="Courier New" pitchFamily="49" charset="0"/>
-            </a:endParaRPr>
-          </a:p>
-          <a:p>
-            <a:pPr marL="0" indent="0">
-              <a:buNone/>
-              <a:defRPr/>
-            </a:pPr>
-            <a:r>
-              <a:rPr lang="en-US" sz="2000" dirty="0">
-                <a:latin typeface="Courier New" pitchFamily="49" charset="0"/>
-                <a:cs typeface="Courier New" pitchFamily="49" charset="0"/>
-              </a:rPr>
-              <a:t>summary(</a:t>
-            </a:r>
-            <a:r>
-              <a:rPr lang="en-US" sz="2000" dirty="0" err="1">
-                <a:latin typeface="Courier New" pitchFamily="49" charset="0"/>
-                <a:cs typeface="Courier New" pitchFamily="49" charset="0"/>
-              </a:rPr>
-              <a:t>infert$age</a:t>
-            </a:r>
-            <a:r>
-              <a:rPr lang="en-US" sz="2000" dirty="0">
-                <a:latin typeface="Courier New" pitchFamily="49" charset="0"/>
-                <a:cs typeface="Courier New" pitchFamily="49" charset="0"/>
-              </a:rPr>
-              <a:t>) </a:t>
-            </a:r>
-            <a:r>
-              <a:rPr lang="en-US" sz="2000" dirty="0" smtClean="0">
-                <a:latin typeface="Courier New" pitchFamily="49" charset="0"/>
-                <a:cs typeface="Courier New" pitchFamily="49" charset="0"/>
-              </a:rPr>
-              <a:t># generic object summary</a:t>
-            </a:r>
-          </a:p>
-          <a:p>
-            <a:pPr marL="0" indent="0" fontAlgn="auto">
-              <a:spcAft>
-                <a:spcPts val="0"/>
-              </a:spcAft>
-              <a:buFont typeface="Arial" pitchFamily="34" charset="0"/>
-              <a:buNone/>
-              <a:defRPr/>
-            </a:pPr>
-            <a:r>
-              <a:rPr lang="en-US" sz="2000" dirty="0" err="1" smtClean="0">
-                <a:latin typeface="Courier New" pitchFamily="49" charset="0"/>
-                <a:cs typeface="Courier New" pitchFamily="49" charset="0"/>
-              </a:rPr>
-              <a:t>t.test</a:t>
-            </a:r>
-            <a:r>
-              <a:rPr lang="en-US" sz="2000" dirty="0" smtClean="0">
-                <a:latin typeface="Courier New" pitchFamily="49" charset="0"/>
-                <a:cs typeface="Courier New" pitchFamily="49" charset="0"/>
-              </a:rPr>
-              <a:t>(table(</a:t>
-            </a:r>
-            <a:r>
-              <a:rPr lang="en-US" sz="2000" dirty="0" err="1" smtClean="0">
-                <a:latin typeface="Courier New" pitchFamily="49" charset="0"/>
-                <a:cs typeface="Courier New" pitchFamily="49" charset="0"/>
-              </a:rPr>
-              <a:t>infert$age</a:t>
-            </a:r>
-            <a:r>
-              <a:rPr lang="en-US" sz="2000" dirty="0" smtClean="0">
-                <a:latin typeface="Courier New" pitchFamily="49" charset="0"/>
-                <a:cs typeface="Courier New" pitchFamily="49" charset="0"/>
-              </a:rPr>
-              <a:t>, </a:t>
-            </a:r>
-            <a:r>
-              <a:rPr lang="en-US" sz="2000" dirty="0" err="1" smtClean="0">
-                <a:latin typeface="Courier New" pitchFamily="49" charset="0"/>
-                <a:cs typeface="Courier New" pitchFamily="49" charset="0"/>
-              </a:rPr>
-              <a:t>infert$case</a:t>
-            </a:r>
-            <a:r>
-              <a:rPr lang="en-US" sz="2000" dirty="0" smtClean="0">
-                <a:latin typeface="Courier New" pitchFamily="49" charset="0"/>
-                <a:cs typeface="Courier New" pitchFamily="49" charset="0"/>
-              </a:rPr>
-              <a:t>)) # run a t-test</a:t>
-            </a:r>
-          </a:p>
-          <a:p>
-            <a:pPr marL="0" indent="0" fontAlgn="auto">
-              <a:spcAft>
-                <a:spcPts val="0"/>
-              </a:spcAft>
-              <a:buFont typeface="Arial" pitchFamily="34" charset="0"/>
-              <a:buNone/>
-              <a:defRPr/>
-            </a:pPr>
-            <a:r>
-              <a:rPr lang="en-US" sz="2000" dirty="0" smtClean="0">
-                <a:latin typeface="Courier New" pitchFamily="49" charset="0"/>
-                <a:cs typeface="Courier New" pitchFamily="49" charset="0"/>
-              </a:rPr>
-              <a:t>lm(</a:t>
-            </a:r>
-            <a:r>
-              <a:rPr lang="en-US" sz="2000" dirty="0" err="1" smtClean="0">
-                <a:latin typeface="Courier New" pitchFamily="49" charset="0"/>
-                <a:cs typeface="Courier New" pitchFamily="49" charset="0"/>
-              </a:rPr>
-              <a:t>case~age</a:t>
-            </a:r>
-            <a:r>
-              <a:rPr lang="en-US" sz="2000" dirty="0" smtClean="0">
-                <a:latin typeface="Courier New" pitchFamily="49" charset="0"/>
-                <a:cs typeface="Courier New" pitchFamily="49" charset="0"/>
-              </a:rPr>
-              <a:t>, data=</a:t>
-            </a:r>
-            <a:r>
-              <a:rPr lang="en-US" sz="2000" dirty="0" err="1" smtClean="0">
-                <a:latin typeface="Courier New" pitchFamily="49" charset="0"/>
-                <a:cs typeface="Courier New" pitchFamily="49" charset="0"/>
-              </a:rPr>
-              <a:t>infert</a:t>
-            </a:r>
-            <a:r>
-              <a:rPr lang="en-US" sz="2000" dirty="0" smtClean="0">
-                <a:latin typeface="Courier New" pitchFamily="49" charset="0"/>
-                <a:cs typeface="Courier New" pitchFamily="49" charset="0"/>
-              </a:rPr>
-              <a:t>) # run a linear regression</a:t>
-            </a:r>
-            <a:endParaRPr lang="en-US" sz="2000" dirty="0">
-              <a:latin typeface="Courier New" pitchFamily="49" charset="0"/>
-              <a:cs typeface="Courier New" pitchFamily="49" charset="0"/>
-            </a:endParaRPr>
-          </a:p>
-        </p:txBody>
-      </p:sp>
-    </p:spTree>
-    <p:extLst>
-      <p:ext uri="{BB962C8B-B14F-4D97-AF65-F5344CB8AC3E}">
-        <p14:creationId xmlns:p14="http://schemas.microsoft.com/office/powerpoint/2010/main" val="3750196068"/>
-      </p:ext>
-    </p:extLst>
-  </p:cSld>
-  <p:clrMapOvr>
-    <a:masterClrMapping/>
-  </p:clrMapOvr>
-  <p:timing>
-    <p:tnLst>
-      <p:par>
-        <p:cTn id="1" dur="indefinite" restart="never" nodeType="tmRoot"/>
-      </p:par>
-    </p:tnLst>
-  </p:timing>
-</p:sld>
-</file>
-
-<file path=ppt/slides/slide31.xml><?xml version="1.0" encoding="utf-8"?>
-<p:sld xmlns:a="http://schemas.openxmlformats.org/drawingml/2006/main" xmlns:r="http://schemas.openxmlformats.org/officeDocument/2006/relationships" xmlns:p="http://schemas.openxmlformats.org/presentationml/2006/main">
-  <p:cSld>
-    <p:spTree>
-      <p:nvGrpSpPr>
-        <p:cNvPr id="1" name=""/>
-        <p:cNvGrpSpPr/>
-        <p:nvPr/>
-      </p:nvGrpSpPr>
-      <p:grpSpPr>
-        <a:xfrm>
-          <a:off x="0" y="0"/>
-          <a:ext cx="0" cy="0"/>
-          <a:chOff x="0" y="0"/>
-          <a:chExt cx="0" cy="0"/>
-        </a:xfrm>
-      </p:grpSpPr>
-      <p:sp>
-        <p:nvSpPr>
-          <p:cNvPr id="43010" name="Title 1"/>
-          <p:cNvSpPr>
-            <a:spLocks noGrp="1"/>
-          </p:cNvSpPr>
-          <p:nvPr>
-            <p:ph type="title"/>
-          </p:nvPr>
-        </p:nvSpPr>
-        <p:spPr/>
-        <p:txBody>
-          <a:bodyPr/>
-          <a:lstStyle/>
-          <a:p>
-            <a:r>
-              <a:rPr lang="en-US" altLang="en-US" smtClean="0"/>
-              <a:t>Turning your code into a function</a:t>
-            </a:r>
-          </a:p>
-        </p:txBody>
-      </p:sp>
-      <p:sp>
-        <p:nvSpPr>
-          <p:cNvPr id="3" name="Content Placeholder 2"/>
-          <p:cNvSpPr>
-            <a:spLocks noGrp="1"/>
-          </p:cNvSpPr>
-          <p:nvPr>
-            <p:ph idx="1"/>
-          </p:nvPr>
-        </p:nvSpPr>
-        <p:spPr/>
-        <p:txBody>
-          <a:bodyPr rtlCol="0">
-            <a:normAutofit/>
-          </a:bodyPr>
-          <a:lstStyle/>
-          <a:p>
-            <a:pPr fontAlgn="auto">
-              <a:spcAft>
-                <a:spcPts val="0"/>
-              </a:spcAft>
-              <a:buFont typeface="Arial" pitchFamily="34" charset="0"/>
-              <a:buChar char="•"/>
-              <a:defRPr/>
-            </a:pPr>
-            <a:r>
-              <a:rPr lang="en-US" dirty="0" smtClean="0"/>
-              <a:t>You can write your own, using the function function(), which returns functions:</a:t>
-            </a:r>
-          </a:p>
-          <a:p>
-            <a:pPr marL="0" indent="0" fontAlgn="auto">
-              <a:spcAft>
-                <a:spcPts val="0"/>
-              </a:spcAft>
-              <a:buFont typeface="Arial" pitchFamily="34" charset="0"/>
-              <a:buNone/>
-              <a:defRPr/>
-            </a:pPr>
-            <a:endParaRPr lang="en-US" sz="2200" dirty="0" smtClean="0">
-              <a:latin typeface="Courier New" pitchFamily="49" charset="0"/>
-              <a:cs typeface="Courier New" pitchFamily="49" charset="0"/>
-            </a:endParaRPr>
-          </a:p>
-          <a:p>
-            <a:pPr marL="0" indent="0" fontAlgn="auto">
-              <a:spcAft>
-                <a:spcPts val="0"/>
-              </a:spcAft>
-              <a:buFont typeface="Arial" pitchFamily="34" charset="0"/>
-              <a:buNone/>
-              <a:defRPr/>
-            </a:pPr>
-            <a:r>
-              <a:rPr lang="en-US" sz="2200" dirty="0" err="1" smtClean="0">
-                <a:latin typeface="Courier New" pitchFamily="49" charset="0"/>
-                <a:cs typeface="Courier New" pitchFamily="49" charset="0"/>
-              </a:rPr>
-              <a:t>mean.ignoreNA</a:t>
-            </a:r>
-            <a:r>
-              <a:rPr lang="en-US" sz="2200" dirty="0" smtClean="0">
-                <a:latin typeface="Courier New" pitchFamily="49" charset="0"/>
-                <a:cs typeface="Courier New" pitchFamily="49" charset="0"/>
-              </a:rPr>
-              <a:t> &lt;- function(</a:t>
-            </a:r>
-            <a:r>
-              <a:rPr lang="en-US" sz="2200" dirty="0" err="1" smtClean="0">
-                <a:latin typeface="Courier New" pitchFamily="49" charset="0"/>
-                <a:cs typeface="Courier New" pitchFamily="49" charset="0"/>
-              </a:rPr>
-              <a:t>vec</a:t>
-            </a:r>
-            <a:r>
-              <a:rPr lang="en-US" sz="2200" dirty="0" smtClean="0">
-                <a:latin typeface="Courier New" pitchFamily="49" charset="0"/>
-                <a:cs typeface="Courier New" pitchFamily="49" charset="0"/>
-              </a:rPr>
-              <a:t>) {</a:t>
-            </a:r>
-          </a:p>
-          <a:p>
-            <a:pPr marL="0" indent="0" fontAlgn="auto">
-              <a:spcAft>
-                <a:spcPts val="0"/>
-              </a:spcAft>
-              <a:buFont typeface="Arial" pitchFamily="34" charset="0"/>
-              <a:buNone/>
-              <a:defRPr/>
-            </a:pPr>
-            <a:r>
-              <a:rPr lang="en-US" sz="2200" dirty="0" smtClean="0">
-                <a:latin typeface="Courier New" pitchFamily="49" charset="0"/>
-                <a:cs typeface="Courier New" pitchFamily="49" charset="0"/>
-              </a:rPr>
-              <a:t>  return(mean(</a:t>
-            </a:r>
-            <a:r>
-              <a:rPr lang="en-US" sz="2200" dirty="0" err="1" smtClean="0">
-                <a:latin typeface="Courier New" pitchFamily="49" charset="0"/>
-                <a:cs typeface="Courier New" pitchFamily="49" charset="0"/>
-              </a:rPr>
-              <a:t>vec</a:t>
-            </a:r>
-            <a:r>
-              <a:rPr lang="en-US" sz="2200" dirty="0" smtClean="0">
-                <a:latin typeface="Courier New" pitchFamily="49" charset="0"/>
-                <a:cs typeface="Courier New" pitchFamily="49" charset="0"/>
-              </a:rPr>
-              <a:t>, na.rm=TRUE))</a:t>
-            </a:r>
-            <a:endParaRPr lang="en-US" sz="2200" dirty="0">
-              <a:latin typeface="Courier New" pitchFamily="49" charset="0"/>
-              <a:cs typeface="Courier New" pitchFamily="49" charset="0"/>
-            </a:endParaRPr>
-          </a:p>
-          <a:p>
-            <a:pPr marL="0" indent="0" fontAlgn="auto">
-              <a:spcAft>
-                <a:spcPts val="0"/>
-              </a:spcAft>
-              <a:buFont typeface="Arial" pitchFamily="34" charset="0"/>
-              <a:buNone/>
-              <a:defRPr/>
-            </a:pPr>
-            <a:r>
-              <a:rPr lang="en-US" sz="2200" dirty="0" smtClean="0">
-                <a:latin typeface="Courier New" pitchFamily="49" charset="0"/>
-                <a:cs typeface="Courier New" pitchFamily="49" charset="0"/>
-              </a:rPr>
-              <a:t>}</a:t>
-            </a:r>
-          </a:p>
-          <a:p>
-            <a:pPr marL="0" indent="0" fontAlgn="auto">
-              <a:spcAft>
-                <a:spcPts val="0"/>
-              </a:spcAft>
-              <a:buFont typeface="Arial" pitchFamily="34" charset="0"/>
-              <a:buNone/>
-              <a:defRPr/>
-            </a:pPr>
-            <a:endParaRPr lang="en-US" sz="2200" dirty="0" smtClean="0">
-              <a:latin typeface="Courier New" pitchFamily="49" charset="0"/>
-              <a:cs typeface="Courier New" pitchFamily="49" charset="0"/>
-            </a:endParaRPr>
-          </a:p>
-          <a:p>
-            <a:pPr fontAlgn="auto">
-              <a:spcAft>
-                <a:spcPts val="0"/>
-              </a:spcAft>
-              <a:buFont typeface="Arial" pitchFamily="34" charset="0"/>
-              <a:buChar char="•"/>
-              <a:defRPr/>
-            </a:pPr>
-            <a:r>
-              <a:rPr lang="en-US" dirty="0" smtClean="0"/>
-              <a:t>This calls the mean() function on the same vector, passing a specific parameter</a:t>
-            </a:r>
-            <a:endParaRPr lang="en-US" dirty="0"/>
-          </a:p>
-          <a:p>
-            <a:pPr marL="0" indent="0" fontAlgn="auto">
-              <a:spcAft>
-                <a:spcPts val="0"/>
-              </a:spcAft>
-              <a:buFont typeface="Arial" pitchFamily="34" charset="0"/>
-              <a:buNone/>
-              <a:defRPr/>
-            </a:pPr>
-            <a:endParaRPr lang="en-US" dirty="0" smtClean="0"/>
-          </a:p>
-        </p:txBody>
-      </p:sp>
-    </p:spTree>
-    <p:extLst>
-      <p:ext uri="{BB962C8B-B14F-4D97-AF65-F5344CB8AC3E}">
-        <p14:creationId xmlns:p14="http://schemas.microsoft.com/office/powerpoint/2010/main" val="3180201389"/>
-      </p:ext>
-    </p:extLst>
-  </p:cSld>
-  <p:clrMapOvr>
-    <a:masterClrMapping/>
-  </p:clrMapOvr>
-  <p:timing>
-    <p:tnLst>
-      <p:par>
-        <p:cTn id="1" dur="indefinite" restart="never" nodeType="tmRoot"/>
+        <p:cTn xmlns:p14="http://schemas.microsoft.com/office/powerpoint/2010/main" id="1" dur="indefinite" restart="never" nodeType="tmRoot"/>
       </p:par>
     </p:tnLst>
   </p:timing>
@@ -10133,6 +11123,690 @@
       </p:grpSpPr>
       <p:sp>
         <p:nvSpPr>
+          <p:cNvPr id="41986" name="Title 1"/>
+          <p:cNvSpPr>
+            <a:spLocks noGrp="1"/>
+          </p:cNvSpPr>
+          <p:nvPr>
+            <p:ph type="title"/>
+          </p:nvPr>
+        </p:nvSpPr>
+        <p:spPr/>
+        <p:txBody>
+          <a:bodyPr/>
+          <a:lstStyle/>
+          <a:p>
+            <a:r>
+              <a:rPr lang="en-US" altLang="en-US" smtClean="0"/>
+              <a:t>Some important built-in functions</a:t>
+            </a:r>
+          </a:p>
+        </p:txBody>
+      </p:sp>
+      <p:sp>
+        <p:nvSpPr>
+          <p:cNvPr id="3" name="Content Placeholder 2"/>
+          <p:cNvSpPr>
+            <a:spLocks noGrp="1"/>
+          </p:cNvSpPr>
+          <p:nvPr>
+            <p:ph idx="1"/>
+          </p:nvPr>
+        </p:nvSpPr>
+        <p:spPr/>
+        <p:txBody>
+          <a:bodyPr rtlCol="0">
+            <a:normAutofit fontScale="92500"/>
+          </a:bodyPr>
+          <a:lstStyle/>
+          <a:p>
+            <a:pPr fontAlgn="auto">
+              <a:spcAft>
+                <a:spcPts val="0"/>
+              </a:spcAft>
+              <a:buFont typeface="Arial" pitchFamily="34" charset="0"/>
+              <a:buChar char="•"/>
+              <a:defRPr/>
+            </a:pPr>
+            <a:r>
+              <a:rPr lang="en-US" dirty="0" smtClean="0"/>
+              <a:t>We've come across some important ones before:</a:t>
+            </a:r>
+          </a:p>
+          <a:p>
+            <a:pPr marL="0" indent="0" fontAlgn="auto">
+              <a:spcAft>
+                <a:spcPts val="0"/>
+              </a:spcAft>
+              <a:buFont typeface="Arial" pitchFamily="34" charset="0"/>
+              <a:buNone/>
+              <a:defRPr/>
+            </a:pPr>
+            <a:r>
+              <a:rPr lang="en-US" sz="2000" dirty="0" err="1" smtClean="0">
+                <a:latin typeface="Courier New" pitchFamily="49" charset="0"/>
+                <a:cs typeface="Courier New" pitchFamily="49" charset="0"/>
+              </a:rPr>
+              <a:t>str</a:t>
+            </a:r>
+            <a:r>
+              <a:rPr lang="en-US" sz="2000" dirty="0" smtClean="0">
+                <a:latin typeface="Courier New" pitchFamily="49" charset="0"/>
+                <a:cs typeface="Courier New" pitchFamily="49" charset="0"/>
+              </a:rPr>
+              <a:t>(</a:t>
+            </a:r>
+            <a:r>
+              <a:rPr lang="en-US" sz="2000" dirty="0" err="1" smtClean="0">
+                <a:latin typeface="Courier New" pitchFamily="49" charset="0"/>
+                <a:cs typeface="Courier New" pitchFamily="49" charset="0"/>
+              </a:rPr>
+              <a:t>infert</a:t>
+            </a:r>
+            <a:r>
+              <a:rPr lang="en-US" sz="2000" dirty="0" smtClean="0">
+                <a:latin typeface="Courier New" pitchFamily="49" charset="0"/>
+                <a:cs typeface="Courier New" pitchFamily="49" charset="0"/>
+              </a:rPr>
+              <a:t>) # show the structure of an object</a:t>
+            </a:r>
+          </a:p>
+          <a:p>
+            <a:pPr marL="0" indent="0" fontAlgn="auto">
+              <a:spcAft>
+                <a:spcPts val="0"/>
+              </a:spcAft>
+              <a:buFont typeface="Arial" pitchFamily="34" charset="0"/>
+              <a:buNone/>
+              <a:defRPr/>
+            </a:pPr>
+            <a:r>
+              <a:rPr lang="en-US" sz="2000" dirty="0" smtClean="0">
+                <a:latin typeface="Courier New" pitchFamily="49" charset="0"/>
+                <a:cs typeface="Courier New" pitchFamily="49" charset="0"/>
+              </a:rPr>
+              <a:t>head(</a:t>
+            </a:r>
+            <a:r>
+              <a:rPr lang="en-US" sz="2000" dirty="0" err="1" smtClean="0">
+                <a:latin typeface="Courier New" pitchFamily="49" charset="0"/>
+                <a:cs typeface="Courier New" pitchFamily="49" charset="0"/>
+              </a:rPr>
+              <a:t>infert</a:t>
+            </a:r>
+            <a:r>
+              <a:rPr lang="en-US" sz="2000" dirty="0" smtClean="0">
+                <a:latin typeface="Courier New" pitchFamily="49" charset="0"/>
+                <a:cs typeface="Courier New" pitchFamily="49" charset="0"/>
+              </a:rPr>
+              <a:t>) # print the start of a vector/data frame</a:t>
+            </a:r>
+          </a:p>
+          <a:p>
+            <a:pPr marL="0" indent="0" fontAlgn="auto">
+              <a:spcAft>
+                <a:spcPts val="0"/>
+              </a:spcAft>
+              <a:buFont typeface="Arial" pitchFamily="34" charset="0"/>
+              <a:buNone/>
+              <a:defRPr/>
+            </a:pPr>
+            <a:r>
+              <a:rPr lang="en-US" sz="2000" dirty="0" smtClean="0">
+                <a:latin typeface="Courier New" pitchFamily="49" charset="0"/>
+                <a:cs typeface="Courier New" pitchFamily="49" charset="0"/>
+              </a:rPr>
+              <a:t>table(</a:t>
+            </a:r>
+            <a:r>
+              <a:rPr lang="en-US" sz="2000" dirty="0" err="1" smtClean="0">
+                <a:latin typeface="Courier New" pitchFamily="49" charset="0"/>
+                <a:cs typeface="Courier New" pitchFamily="49" charset="0"/>
+              </a:rPr>
+              <a:t>infert$age</a:t>
+            </a:r>
+            <a:r>
+              <a:rPr lang="en-US" sz="2000" dirty="0" smtClean="0">
+                <a:latin typeface="Courier New" pitchFamily="49" charset="0"/>
+                <a:cs typeface="Courier New" pitchFamily="49" charset="0"/>
+              </a:rPr>
+              <a:t>) # print a frequency table</a:t>
+            </a:r>
+          </a:p>
+          <a:p>
+            <a:pPr marL="0" indent="0" fontAlgn="auto">
+              <a:spcAft>
+                <a:spcPts val="0"/>
+              </a:spcAft>
+              <a:buFont typeface="Arial" pitchFamily="34" charset="0"/>
+              <a:buNone/>
+              <a:defRPr/>
+            </a:pPr>
+            <a:endParaRPr lang="en-US" sz="2000" dirty="0" smtClean="0">
+              <a:latin typeface="Courier New" pitchFamily="49" charset="0"/>
+              <a:cs typeface="Courier New" pitchFamily="49" charset="0"/>
+            </a:endParaRPr>
+          </a:p>
+          <a:p>
+            <a:pPr fontAlgn="auto">
+              <a:spcAft>
+                <a:spcPts val="0"/>
+              </a:spcAft>
+              <a:buFont typeface="Arial" pitchFamily="34" charset="0"/>
+              <a:buChar char="•"/>
+              <a:defRPr/>
+            </a:pPr>
+            <a:r>
+              <a:rPr lang="en-US" dirty="0" smtClean="0"/>
+              <a:t>We'll also see a more as we start talking about using R with statistical computation in mind:</a:t>
+            </a:r>
+          </a:p>
+          <a:p>
+            <a:pPr marL="0" indent="0" fontAlgn="auto">
+              <a:spcAft>
+                <a:spcPts val="0"/>
+              </a:spcAft>
+              <a:buFont typeface="Arial" pitchFamily="34" charset="0"/>
+              <a:buNone/>
+              <a:defRPr/>
+            </a:pPr>
+            <a:r>
+              <a:rPr lang="en-US" sz="2000" dirty="0" err="1" smtClean="0">
+                <a:latin typeface="Courier New" pitchFamily="49" charset="0"/>
+                <a:cs typeface="Courier New" pitchFamily="49" charset="0"/>
+              </a:rPr>
+              <a:t>fivenum</a:t>
+            </a:r>
+            <a:r>
+              <a:rPr lang="en-US" sz="2000" dirty="0" smtClean="0">
+                <a:latin typeface="Courier New" pitchFamily="49" charset="0"/>
+                <a:cs typeface="Courier New" pitchFamily="49" charset="0"/>
+              </a:rPr>
+              <a:t>(</a:t>
+            </a:r>
+            <a:r>
+              <a:rPr lang="en-US" sz="2000" dirty="0" err="1" smtClean="0">
+                <a:latin typeface="Courier New" pitchFamily="49" charset="0"/>
+                <a:cs typeface="Courier New" pitchFamily="49" charset="0"/>
+              </a:rPr>
+              <a:t>infert$age</a:t>
+            </a:r>
+            <a:r>
+              <a:rPr lang="en-US" sz="2000" dirty="0" smtClean="0">
+                <a:latin typeface="Courier New" pitchFamily="49" charset="0"/>
+                <a:cs typeface="Courier New" pitchFamily="49" charset="0"/>
+              </a:rPr>
+              <a:t>) </a:t>
+            </a:r>
+            <a:r>
+              <a:rPr lang="en-US" sz="2000" dirty="0">
+                <a:latin typeface="Courier New" pitchFamily="49" charset="0"/>
+                <a:cs typeface="Courier New" pitchFamily="49" charset="0"/>
+              </a:rPr>
+              <a:t># "five number" summary </a:t>
+            </a:r>
+            <a:endParaRPr lang="en-US" sz="2000" dirty="0" smtClean="0">
+              <a:latin typeface="Courier New" pitchFamily="49" charset="0"/>
+              <a:cs typeface="Courier New" pitchFamily="49" charset="0"/>
+            </a:endParaRPr>
+          </a:p>
+          <a:p>
+            <a:pPr marL="0" indent="0">
+              <a:buNone/>
+              <a:defRPr/>
+            </a:pPr>
+            <a:r>
+              <a:rPr lang="en-US" sz="2000" dirty="0">
+                <a:latin typeface="Courier New" pitchFamily="49" charset="0"/>
+                <a:cs typeface="Courier New" pitchFamily="49" charset="0"/>
+              </a:rPr>
+              <a:t>summary(</a:t>
+            </a:r>
+            <a:r>
+              <a:rPr lang="en-US" sz="2000" dirty="0" err="1">
+                <a:latin typeface="Courier New" pitchFamily="49" charset="0"/>
+                <a:cs typeface="Courier New" pitchFamily="49" charset="0"/>
+              </a:rPr>
+              <a:t>infert$age</a:t>
+            </a:r>
+            <a:r>
+              <a:rPr lang="en-US" sz="2000" dirty="0">
+                <a:latin typeface="Courier New" pitchFamily="49" charset="0"/>
+                <a:cs typeface="Courier New" pitchFamily="49" charset="0"/>
+              </a:rPr>
+              <a:t>) </a:t>
+            </a:r>
+            <a:r>
+              <a:rPr lang="en-US" sz="2000" dirty="0" smtClean="0">
+                <a:latin typeface="Courier New" pitchFamily="49" charset="0"/>
+                <a:cs typeface="Courier New" pitchFamily="49" charset="0"/>
+              </a:rPr>
+              <a:t># generic object summary</a:t>
+            </a:r>
+          </a:p>
+          <a:p>
+            <a:pPr marL="0" indent="0" fontAlgn="auto">
+              <a:spcAft>
+                <a:spcPts val="0"/>
+              </a:spcAft>
+              <a:buFont typeface="Arial" pitchFamily="34" charset="0"/>
+              <a:buNone/>
+              <a:defRPr/>
+            </a:pPr>
+            <a:r>
+              <a:rPr lang="en-US" sz="2000" dirty="0" err="1" smtClean="0">
+                <a:latin typeface="Courier New" pitchFamily="49" charset="0"/>
+                <a:cs typeface="Courier New" pitchFamily="49" charset="0"/>
+              </a:rPr>
+              <a:t>t.test</a:t>
+            </a:r>
+            <a:r>
+              <a:rPr lang="en-US" sz="2000" dirty="0" smtClean="0">
+                <a:latin typeface="Courier New" pitchFamily="49" charset="0"/>
+                <a:cs typeface="Courier New" pitchFamily="49" charset="0"/>
+              </a:rPr>
+              <a:t>(table(</a:t>
+            </a:r>
+            <a:r>
+              <a:rPr lang="en-US" sz="2000" dirty="0" err="1" smtClean="0">
+                <a:latin typeface="Courier New" pitchFamily="49" charset="0"/>
+                <a:cs typeface="Courier New" pitchFamily="49" charset="0"/>
+              </a:rPr>
+              <a:t>infert$age</a:t>
+            </a:r>
+            <a:r>
+              <a:rPr lang="en-US" sz="2000" dirty="0" smtClean="0">
+                <a:latin typeface="Courier New" pitchFamily="49" charset="0"/>
+                <a:cs typeface="Courier New" pitchFamily="49" charset="0"/>
+              </a:rPr>
+              <a:t>, </a:t>
+            </a:r>
+            <a:r>
+              <a:rPr lang="en-US" sz="2000" dirty="0" err="1" smtClean="0">
+                <a:latin typeface="Courier New" pitchFamily="49" charset="0"/>
+                <a:cs typeface="Courier New" pitchFamily="49" charset="0"/>
+              </a:rPr>
+              <a:t>infert$case</a:t>
+            </a:r>
+            <a:r>
+              <a:rPr lang="en-US" sz="2000" dirty="0" smtClean="0">
+                <a:latin typeface="Courier New" pitchFamily="49" charset="0"/>
+                <a:cs typeface="Courier New" pitchFamily="49" charset="0"/>
+              </a:rPr>
+              <a:t>)) # run a t-test</a:t>
+            </a:r>
+          </a:p>
+          <a:p>
+            <a:pPr marL="0" indent="0" fontAlgn="auto">
+              <a:spcAft>
+                <a:spcPts val="0"/>
+              </a:spcAft>
+              <a:buFont typeface="Arial" pitchFamily="34" charset="0"/>
+              <a:buNone/>
+              <a:defRPr/>
+            </a:pPr>
+            <a:r>
+              <a:rPr lang="en-US" sz="2000" dirty="0" smtClean="0">
+                <a:latin typeface="Courier New" pitchFamily="49" charset="0"/>
+                <a:cs typeface="Courier New" pitchFamily="49" charset="0"/>
+              </a:rPr>
+              <a:t>lm(</a:t>
+            </a:r>
+            <a:r>
+              <a:rPr lang="en-US" sz="2000" dirty="0" err="1" smtClean="0">
+                <a:latin typeface="Courier New" pitchFamily="49" charset="0"/>
+                <a:cs typeface="Courier New" pitchFamily="49" charset="0"/>
+              </a:rPr>
+              <a:t>case~age</a:t>
+            </a:r>
+            <a:r>
+              <a:rPr lang="en-US" sz="2000" dirty="0" smtClean="0">
+                <a:latin typeface="Courier New" pitchFamily="49" charset="0"/>
+                <a:cs typeface="Courier New" pitchFamily="49" charset="0"/>
+              </a:rPr>
+              <a:t>, data=</a:t>
+            </a:r>
+            <a:r>
+              <a:rPr lang="en-US" sz="2000" dirty="0" err="1" smtClean="0">
+                <a:latin typeface="Courier New" pitchFamily="49" charset="0"/>
+                <a:cs typeface="Courier New" pitchFamily="49" charset="0"/>
+              </a:rPr>
+              <a:t>infert</a:t>
+            </a:r>
+            <a:r>
+              <a:rPr lang="en-US" sz="2000" dirty="0" smtClean="0">
+                <a:latin typeface="Courier New" pitchFamily="49" charset="0"/>
+                <a:cs typeface="Courier New" pitchFamily="49" charset="0"/>
+              </a:rPr>
+              <a:t>) # run a linear regression</a:t>
+            </a:r>
+            <a:endParaRPr lang="en-US" sz="2000" dirty="0">
+              <a:latin typeface="Courier New" pitchFamily="49" charset="0"/>
+              <a:cs typeface="Courier New" pitchFamily="49" charset="0"/>
+            </a:endParaRPr>
+          </a:p>
+        </p:txBody>
+      </p:sp>
+      <p:sp>
+        <p:nvSpPr>
+          <p:cNvPr id="2" name="Slide Number Placeholder 1"/>
+          <p:cNvSpPr>
+            <a:spLocks noGrp="1"/>
+          </p:cNvSpPr>
+          <p:nvPr>
+            <p:ph type="sldNum" sz="quarter" idx="12"/>
+          </p:nvPr>
+        </p:nvSpPr>
+        <p:spPr/>
+        <p:txBody>
+          <a:bodyPr/>
+          <a:lstStyle/>
+          <a:p>
+            <a:fld id="{2A660FC1-65A1-426E-B7B2-1978E5FE673A}" type="slidenum">
+              <a:rPr lang="en-US" smtClean="0"/>
+              <a:t>32</a:t>
+            </a:fld>
+            <a:endParaRPr lang="en-US"/>
+          </a:p>
+        </p:txBody>
+      </p:sp>
+    </p:spTree>
+    <p:extLst>
+      <p:ext uri="{BB962C8B-B14F-4D97-AF65-F5344CB8AC3E}">
+        <p14:creationId xmlns:p14="http://schemas.microsoft.com/office/powerpoint/2010/main" val="3750196068"/>
+      </p:ext>
+    </p:extLst>
+  </p:cSld>
+  <p:clrMapOvr>
+    <a:masterClrMapping/>
+  </p:clrMapOvr>
+  <p:timing>
+    <p:tnLst>
+      <p:par>
+        <p:cTn xmlns:p14="http://schemas.microsoft.com/office/powerpoint/2010/main" id="1" dur="indefinite" restart="never" nodeType="tmRoot"/>
+      </p:par>
+    </p:tnLst>
+  </p:timing>
+</p:sld>
+</file>
+
+<file path=ppt/slides/slide33.xml><?xml version="1.0" encoding="utf-8"?>
+<p:sld xmlns:a="http://schemas.openxmlformats.org/drawingml/2006/main" xmlns:r="http://schemas.openxmlformats.org/officeDocument/2006/relationships" xmlns:p="http://schemas.openxmlformats.org/presentationml/2006/main">
+  <p:cSld>
+    <p:spTree>
+      <p:nvGrpSpPr>
+        <p:cNvPr id="1" name=""/>
+        <p:cNvGrpSpPr/>
+        <p:nvPr/>
+      </p:nvGrpSpPr>
+      <p:grpSpPr>
+        <a:xfrm>
+          <a:off x="0" y="0"/>
+          <a:ext cx="0" cy="0"/>
+          <a:chOff x="0" y="0"/>
+          <a:chExt cx="0" cy="0"/>
+        </a:xfrm>
+      </p:grpSpPr>
+      <p:sp>
+        <p:nvSpPr>
+          <p:cNvPr id="43010" name="Title 1"/>
+          <p:cNvSpPr>
+            <a:spLocks noGrp="1"/>
+          </p:cNvSpPr>
+          <p:nvPr>
+            <p:ph type="title"/>
+          </p:nvPr>
+        </p:nvSpPr>
+        <p:spPr/>
+        <p:txBody>
+          <a:bodyPr/>
+          <a:lstStyle/>
+          <a:p>
+            <a:r>
+              <a:rPr lang="en-US" altLang="en-US" smtClean="0"/>
+              <a:t>Turning your code into a function</a:t>
+            </a:r>
+          </a:p>
+        </p:txBody>
+      </p:sp>
+      <p:sp>
+        <p:nvSpPr>
+          <p:cNvPr id="3" name="Content Placeholder 2"/>
+          <p:cNvSpPr>
+            <a:spLocks noGrp="1"/>
+          </p:cNvSpPr>
+          <p:nvPr>
+            <p:ph idx="1"/>
+          </p:nvPr>
+        </p:nvSpPr>
+        <p:spPr/>
+        <p:txBody>
+          <a:bodyPr rtlCol="0">
+            <a:normAutofit/>
+          </a:bodyPr>
+          <a:lstStyle/>
+          <a:p>
+            <a:pPr fontAlgn="auto">
+              <a:spcAft>
+                <a:spcPts val="0"/>
+              </a:spcAft>
+              <a:buFont typeface="Arial" pitchFamily="34" charset="0"/>
+              <a:buChar char="•"/>
+              <a:defRPr/>
+            </a:pPr>
+            <a:r>
+              <a:rPr lang="en-US" dirty="0" smtClean="0"/>
+              <a:t>You can write your own, using the function function(), which returns functions:</a:t>
+            </a:r>
+          </a:p>
+          <a:p>
+            <a:pPr marL="0" indent="0" fontAlgn="auto">
+              <a:spcAft>
+                <a:spcPts val="0"/>
+              </a:spcAft>
+              <a:buFont typeface="Arial" pitchFamily="34" charset="0"/>
+              <a:buNone/>
+              <a:defRPr/>
+            </a:pPr>
+            <a:endParaRPr lang="en-US" sz="2200" dirty="0" smtClean="0">
+              <a:latin typeface="Courier New" pitchFamily="49" charset="0"/>
+              <a:cs typeface="Courier New" pitchFamily="49" charset="0"/>
+            </a:endParaRPr>
+          </a:p>
+          <a:p>
+            <a:pPr marL="0" indent="0" fontAlgn="auto">
+              <a:spcAft>
+                <a:spcPts val="0"/>
+              </a:spcAft>
+              <a:buFont typeface="Arial" pitchFamily="34" charset="0"/>
+              <a:buNone/>
+              <a:defRPr/>
+            </a:pPr>
+            <a:r>
+              <a:rPr lang="en-US" sz="2200" dirty="0" err="1" smtClean="0">
+                <a:latin typeface="Courier New" pitchFamily="49" charset="0"/>
+                <a:cs typeface="Courier New" pitchFamily="49" charset="0"/>
+              </a:rPr>
+              <a:t>mean.ignoreNA</a:t>
+            </a:r>
+            <a:r>
+              <a:rPr lang="en-US" sz="2200" dirty="0" smtClean="0">
+                <a:latin typeface="Courier New" pitchFamily="49" charset="0"/>
+                <a:cs typeface="Courier New" pitchFamily="49" charset="0"/>
+              </a:rPr>
+              <a:t> &lt;- function(</a:t>
+            </a:r>
+            <a:r>
+              <a:rPr lang="en-US" sz="2200" dirty="0" err="1" smtClean="0">
+                <a:latin typeface="Courier New" pitchFamily="49" charset="0"/>
+                <a:cs typeface="Courier New" pitchFamily="49" charset="0"/>
+              </a:rPr>
+              <a:t>vec</a:t>
+            </a:r>
+            <a:r>
+              <a:rPr lang="en-US" sz="2200" dirty="0" smtClean="0">
+                <a:latin typeface="Courier New" pitchFamily="49" charset="0"/>
+                <a:cs typeface="Courier New" pitchFamily="49" charset="0"/>
+              </a:rPr>
+              <a:t>) {</a:t>
+            </a:r>
+          </a:p>
+          <a:p>
+            <a:pPr marL="0" indent="0" fontAlgn="auto">
+              <a:spcAft>
+                <a:spcPts val="0"/>
+              </a:spcAft>
+              <a:buFont typeface="Arial" pitchFamily="34" charset="0"/>
+              <a:buNone/>
+              <a:defRPr/>
+            </a:pPr>
+            <a:r>
+              <a:rPr lang="en-US" sz="2200" dirty="0" smtClean="0">
+                <a:latin typeface="Courier New" pitchFamily="49" charset="0"/>
+                <a:cs typeface="Courier New" pitchFamily="49" charset="0"/>
+              </a:rPr>
+              <a:t>  return(mean(</a:t>
+            </a:r>
+            <a:r>
+              <a:rPr lang="en-US" sz="2200" dirty="0" err="1" smtClean="0">
+                <a:latin typeface="Courier New" pitchFamily="49" charset="0"/>
+                <a:cs typeface="Courier New" pitchFamily="49" charset="0"/>
+              </a:rPr>
+              <a:t>vec</a:t>
+            </a:r>
+            <a:r>
+              <a:rPr lang="en-US" sz="2200" dirty="0" smtClean="0">
+                <a:latin typeface="Courier New" pitchFamily="49" charset="0"/>
+                <a:cs typeface="Courier New" pitchFamily="49" charset="0"/>
+              </a:rPr>
+              <a:t>, na.rm=TRUE))</a:t>
+            </a:r>
+            <a:endParaRPr lang="en-US" sz="2200" dirty="0">
+              <a:latin typeface="Courier New" pitchFamily="49" charset="0"/>
+              <a:cs typeface="Courier New" pitchFamily="49" charset="0"/>
+            </a:endParaRPr>
+          </a:p>
+          <a:p>
+            <a:pPr marL="0" indent="0" fontAlgn="auto">
+              <a:spcAft>
+                <a:spcPts val="0"/>
+              </a:spcAft>
+              <a:buFont typeface="Arial" pitchFamily="34" charset="0"/>
+              <a:buNone/>
+              <a:defRPr/>
+            </a:pPr>
+            <a:r>
+              <a:rPr lang="en-US" sz="2200" dirty="0" smtClean="0">
+                <a:latin typeface="Courier New" pitchFamily="49" charset="0"/>
+                <a:cs typeface="Courier New" pitchFamily="49" charset="0"/>
+              </a:rPr>
+              <a:t>}</a:t>
+            </a:r>
+          </a:p>
+          <a:p>
+            <a:pPr marL="0" indent="0" fontAlgn="auto">
+              <a:spcAft>
+                <a:spcPts val="0"/>
+              </a:spcAft>
+              <a:buFont typeface="Arial" pitchFamily="34" charset="0"/>
+              <a:buNone/>
+              <a:defRPr/>
+            </a:pPr>
+            <a:endParaRPr lang="en-US" sz="2200" dirty="0" smtClean="0">
+              <a:latin typeface="Courier New" pitchFamily="49" charset="0"/>
+              <a:cs typeface="Courier New" pitchFamily="49" charset="0"/>
+            </a:endParaRPr>
+          </a:p>
+          <a:p>
+            <a:pPr fontAlgn="auto">
+              <a:spcAft>
+                <a:spcPts val="0"/>
+              </a:spcAft>
+              <a:buFont typeface="Arial" pitchFamily="34" charset="0"/>
+              <a:buChar char="•"/>
+              <a:defRPr/>
+            </a:pPr>
+            <a:r>
+              <a:rPr lang="en-US" dirty="0" smtClean="0"/>
+              <a:t>This calls the mean() function on the same vector, passing a specific parameter</a:t>
+            </a:r>
+            <a:endParaRPr lang="en-US" dirty="0"/>
+          </a:p>
+          <a:p>
+            <a:pPr marL="0" indent="0" fontAlgn="auto">
+              <a:spcAft>
+                <a:spcPts val="0"/>
+              </a:spcAft>
+              <a:buFont typeface="Arial" pitchFamily="34" charset="0"/>
+              <a:buNone/>
+              <a:defRPr/>
+            </a:pPr>
+            <a:endParaRPr lang="en-US" dirty="0" smtClean="0"/>
+          </a:p>
+        </p:txBody>
+      </p:sp>
+      <p:sp>
+        <p:nvSpPr>
+          <p:cNvPr id="2" name="Slide Number Placeholder 1"/>
+          <p:cNvSpPr>
+            <a:spLocks noGrp="1"/>
+          </p:cNvSpPr>
+          <p:nvPr>
+            <p:ph type="sldNum" sz="quarter" idx="12"/>
+          </p:nvPr>
+        </p:nvSpPr>
+        <p:spPr/>
+        <p:txBody>
+          <a:bodyPr/>
+          <a:lstStyle/>
+          <a:p>
+            <a:fld id="{2A660FC1-65A1-426E-B7B2-1978E5FE673A}" type="slidenum">
+              <a:rPr lang="en-US" smtClean="0"/>
+              <a:t>33</a:t>
+            </a:fld>
+            <a:endParaRPr lang="en-US"/>
+          </a:p>
+        </p:txBody>
+      </p:sp>
+    </p:spTree>
+    <p:extLst>
+      <p:ext uri="{BB962C8B-B14F-4D97-AF65-F5344CB8AC3E}">
+        <p14:creationId xmlns:p14="http://schemas.microsoft.com/office/powerpoint/2010/main" val="3180201389"/>
+      </p:ext>
+    </p:extLst>
+  </p:cSld>
+  <p:clrMapOvr>
+    <a:masterClrMapping/>
+  </p:clrMapOvr>
+  <p:timing>
+    <p:tnLst>
+      <p:par>
+        <p:cTn xmlns:p14="http://schemas.microsoft.com/office/powerpoint/2010/main" id="1" dur="indefinite" restart="never" nodeType="tmRoot"/>
+      </p:par>
+    </p:tnLst>
+  </p:timing>
+</p:sld>
+</file>
+
+<file path=ppt/slides/slide34.xml><?xml version="1.0" encoding="utf-8"?>
+<p:sld xmlns:a="http://schemas.openxmlformats.org/drawingml/2006/main" xmlns:r="http://schemas.openxmlformats.org/officeDocument/2006/relationships" xmlns:p="http://schemas.openxmlformats.org/presentationml/2006/main">
+  <p:cSld>
+    <p:spTree>
+      <p:nvGrpSpPr>
+        <p:cNvPr id="1" name=""/>
+        <p:cNvGrpSpPr/>
+        <p:nvPr/>
+      </p:nvGrpSpPr>
+      <p:grpSpPr>
+        <a:xfrm>
+          <a:off x="0" y="0"/>
+          <a:ext cx="0" cy="0"/>
+          <a:chOff x="0" y="0"/>
+          <a:chExt cx="0" cy="0"/>
+        </a:xfrm>
+      </p:grpSpPr>
+      <p:sp>
+        <p:nvSpPr>
           <p:cNvPr id="2" name="Title 1"/>
           <p:cNvSpPr>
             <a:spLocks noGrp="1"/>
@@ -10205,6 +11879,29 @@
               <a:t>Most need to be installed and loaded</a:t>
             </a:r>
             <a:endParaRPr lang="en-US" dirty="0"/>
+          </a:p>
+        </p:txBody>
+      </p:sp>
+      <p:sp>
+        <p:nvSpPr>
+          <p:cNvPr id="4" name="Slide Number Placeholder 3"/>
+          <p:cNvSpPr>
+            <a:spLocks noGrp="1"/>
+          </p:cNvSpPr>
+          <p:nvPr>
+            <p:ph type="sldNum" sz="quarter" idx="12"/>
+          </p:nvPr>
+        </p:nvSpPr>
+        <p:spPr/>
+        <p:txBody>
+          <a:bodyPr/>
+          <a:lstStyle/>
+          <a:p>
+            <a:fld id="{2A660FC1-65A1-426E-B7B2-1978E5FE673A}" type="slidenum">
+              <a:rPr lang="en-US" smtClean="0"/>
+              <a:t>34</a:t>
+            </a:fld>
+            <a:endParaRPr lang="en-US"/>
           </a:p>
         </p:txBody>
       </p:sp>
@@ -10221,14 +11918,14 @@
   <p:timing>
     <p:tnLst>
       <p:par>
-        <p:cTn id="1" dur="indefinite" restart="never" nodeType="tmRoot"/>
+        <p:cTn xmlns:p14="http://schemas.microsoft.com/office/powerpoint/2010/main" id="1" dur="indefinite" restart="never" nodeType="tmRoot"/>
       </p:par>
     </p:tnLst>
   </p:timing>
 </p:sld>
 </file>
 
-<file path=ppt/slides/slide33.xml><?xml version="1.0" encoding="utf-8"?>
+<file path=ppt/slides/slide35.xml><?xml version="1.0" encoding="utf-8"?>
 <p:sld xmlns:a="http://schemas.openxmlformats.org/drawingml/2006/main" xmlns:r="http://schemas.openxmlformats.org/officeDocument/2006/relationships" xmlns:p="http://schemas.openxmlformats.org/presentationml/2006/main">
   <p:cSld>
     <p:spTree>
@@ -10368,14 +12065,14 @@
           </a:ln>
           <a:effectLst/>
           <a:extLst>
-            <a:ext uri="{909E8E84-426E-40DD-AFC4-6F175D3DCCD1}">
+            <a:ext uri="{909E8E84-426E-40dd-AFC4-6F175D3DCCD1}">
               <a14:hiddenFill xmlns:a14="http://schemas.microsoft.com/office/drawing/2010/main">
                 <a:solidFill>
                   <a:schemeClr val="accent1"/>
                 </a:solidFill>
               </a14:hiddenFill>
             </a:ext>
-            <a:ext uri="{91240B29-F687-4F45-9708-019B960494DF}">
+            <a:ext uri="{91240B29-F687-4f45-9708-019B960494DF}">
               <a14:hiddenLine xmlns:a14="http://schemas.microsoft.com/office/drawing/2010/main" w="9525">
                 <a:solidFill>
                   <a:schemeClr val="tx1"/>
@@ -10385,7 +12082,7 @@
                 <a:tailEnd/>
               </a14:hiddenLine>
             </a:ext>
-            <a:ext uri="{AF507438-7753-43E0-B8FC-AC1667EBCBE1}">
+            <a:ext uri="{AF507438-7753-43e0-B8FC-AC1667EBCBE1}">
               <a14:hiddenEffects xmlns:a14="http://schemas.microsoft.com/office/drawing/2010/main">
                 <a:effectLst>
                   <a:outerShdw dist="35921" dir="2700000" algn="ctr" rotWithShape="0">
@@ -10397,6 +12094,29 @@
           </a:extLst>
         </p:spPr>
       </p:pic>
+      <p:sp>
+        <p:nvSpPr>
+          <p:cNvPr id="4" name="Slide Number Placeholder 3"/>
+          <p:cNvSpPr>
+            <a:spLocks noGrp="1"/>
+          </p:cNvSpPr>
+          <p:nvPr>
+            <p:ph type="sldNum" sz="quarter" idx="12"/>
+          </p:nvPr>
+        </p:nvSpPr>
+        <p:spPr/>
+        <p:txBody>
+          <a:bodyPr/>
+          <a:lstStyle/>
+          <a:p>
+            <a:fld id="{2A660FC1-65A1-426E-B7B2-1978E5FE673A}" type="slidenum">
+              <a:rPr lang="en-US" smtClean="0"/>
+              <a:t>35</a:t>
+            </a:fld>
+            <a:endParaRPr lang="en-US"/>
+          </a:p>
+        </p:txBody>
+      </p:sp>
     </p:spTree>
     <p:extLst>
       <p:ext uri="{BB962C8B-B14F-4D97-AF65-F5344CB8AC3E}">
@@ -10410,14 +12130,14 @@
   <p:timing>
     <p:tnLst>
       <p:par>
-        <p:cTn id="1" dur="indefinite" restart="never" nodeType="tmRoot"/>
+        <p:cTn xmlns:p14="http://schemas.microsoft.com/office/powerpoint/2010/main" id="1" dur="indefinite" restart="never" nodeType="tmRoot"/>
       </p:par>
     </p:tnLst>
   </p:timing>
 </p:sld>
 </file>
 
-<file path=ppt/slides/slide34.xml><?xml version="1.0" encoding="utf-8"?>
+<file path=ppt/slides/slide36.xml><?xml version="1.0" encoding="utf-8"?>
 <p:sld xmlns:a="http://schemas.openxmlformats.org/drawingml/2006/main" xmlns:r="http://schemas.openxmlformats.org/officeDocument/2006/relationships" xmlns:p="http://schemas.openxmlformats.org/presentationml/2006/main">
   <p:cSld>
     <p:spTree>
@@ -10517,6 +12237,29 @@
           </a:p>
         </p:txBody>
       </p:sp>
+      <p:sp>
+        <p:nvSpPr>
+          <p:cNvPr id="4" name="Slide Number Placeholder 3"/>
+          <p:cNvSpPr>
+            <a:spLocks noGrp="1"/>
+          </p:cNvSpPr>
+          <p:nvPr>
+            <p:ph type="sldNum" sz="quarter" idx="12"/>
+          </p:nvPr>
+        </p:nvSpPr>
+        <p:spPr/>
+        <p:txBody>
+          <a:bodyPr/>
+          <a:lstStyle/>
+          <a:p>
+            <a:fld id="{2A660FC1-65A1-426E-B7B2-1978E5FE673A}" type="slidenum">
+              <a:rPr lang="en-US" smtClean="0"/>
+              <a:t>36</a:t>
+            </a:fld>
+            <a:endParaRPr lang="en-US"/>
+          </a:p>
+        </p:txBody>
+      </p:sp>
     </p:spTree>
     <p:extLst>
       <p:ext uri="{BB962C8B-B14F-4D97-AF65-F5344CB8AC3E}">
@@ -10530,14 +12273,14 @@
   <p:timing>
     <p:tnLst>
       <p:par>
-        <p:cTn id="1" dur="indefinite" restart="never" nodeType="tmRoot"/>
+        <p:cTn xmlns:p14="http://schemas.microsoft.com/office/powerpoint/2010/main" id="1" dur="indefinite" restart="never" nodeType="tmRoot"/>
       </p:par>
     </p:tnLst>
   </p:timing>
 </p:sld>
 </file>
 
-<file path=ppt/slides/slide35.xml><?xml version="1.0" encoding="utf-8"?>
+<file path=ppt/slides/slide37.xml><?xml version="1.0" encoding="utf-8"?>
 <p:sld xmlns:a="http://schemas.openxmlformats.org/drawingml/2006/main" xmlns:r="http://schemas.openxmlformats.org/officeDocument/2006/relationships" xmlns:p="http://schemas.openxmlformats.org/presentationml/2006/main">
   <p:cSld>
     <p:spTree>
@@ -10771,14 +12514,14 @@
           </a:ln>
           <a:effectLst/>
           <a:extLst>
-            <a:ext uri="{909E8E84-426E-40DD-AFC4-6F175D3DCCD1}">
+            <a:ext uri="{909E8E84-426E-40dd-AFC4-6F175D3DCCD1}">
               <a14:hiddenFill xmlns:a14="http://schemas.microsoft.com/office/drawing/2010/main">
                 <a:solidFill>
                   <a:schemeClr val="accent1"/>
                 </a:solidFill>
               </a14:hiddenFill>
             </a:ext>
-            <a:ext uri="{91240B29-F687-4F45-9708-019B960494DF}">
+            <a:ext uri="{91240B29-F687-4f45-9708-019B960494DF}">
               <a14:hiddenLine xmlns:a14="http://schemas.microsoft.com/office/drawing/2010/main" w="9525">
                 <a:solidFill>
                   <a:schemeClr val="tx1"/>
@@ -10788,7 +12531,7 @@
                 <a:tailEnd/>
               </a14:hiddenLine>
             </a:ext>
-            <a:ext uri="{AF507438-7753-43E0-B8FC-AC1667EBCBE1}">
+            <a:ext uri="{AF507438-7753-43e0-B8FC-AC1667EBCBE1}">
               <a14:hiddenEffects xmlns:a14="http://schemas.microsoft.com/office/drawing/2010/main">
                 <a:effectLst>
                   <a:outerShdw dist="35921" dir="2700000" algn="ctr" rotWithShape="0">
@@ -10800,6 +12543,29 @@
           </a:extLst>
         </p:spPr>
       </p:pic>
+      <p:sp>
+        <p:nvSpPr>
+          <p:cNvPr id="4" name="Slide Number Placeholder 3"/>
+          <p:cNvSpPr>
+            <a:spLocks noGrp="1"/>
+          </p:cNvSpPr>
+          <p:nvPr>
+            <p:ph type="sldNum" sz="quarter" idx="12"/>
+          </p:nvPr>
+        </p:nvSpPr>
+        <p:spPr/>
+        <p:txBody>
+          <a:bodyPr/>
+          <a:lstStyle/>
+          <a:p>
+            <a:fld id="{2A660FC1-65A1-426E-B7B2-1978E5FE673A}" type="slidenum">
+              <a:rPr lang="en-US" smtClean="0"/>
+              <a:t>37</a:t>
+            </a:fld>
+            <a:endParaRPr lang="en-US"/>
+          </a:p>
+        </p:txBody>
+      </p:sp>
     </p:spTree>
     <p:extLst>
       <p:ext uri="{BB962C8B-B14F-4D97-AF65-F5344CB8AC3E}">
@@ -10813,14 +12579,14 @@
   <p:timing>
     <p:tnLst>
       <p:par>
-        <p:cTn id="1" dur="indefinite" restart="never" nodeType="tmRoot"/>
+        <p:cTn xmlns:p14="http://schemas.microsoft.com/office/powerpoint/2010/main" id="1" dur="indefinite" restart="never" nodeType="tmRoot"/>
       </p:par>
     </p:tnLst>
   </p:timing>
 </p:sld>
 </file>
 
-<file path=ppt/slides/slide36.xml><?xml version="1.0" encoding="utf-8"?>
+<file path=ppt/slides/slide38.xml><?xml version="1.0" encoding="utf-8"?>
 <p:sld xmlns:a="http://schemas.openxmlformats.org/drawingml/2006/main" xmlns:r="http://schemas.openxmlformats.org/officeDocument/2006/relationships" xmlns:p="http://schemas.openxmlformats.org/presentationml/2006/main">
   <p:cSld>
     <p:spTree>
@@ -10952,6 +12718,29 @@
           </a:p>
         </p:txBody>
       </p:sp>
+      <p:sp>
+        <p:nvSpPr>
+          <p:cNvPr id="4" name="Slide Number Placeholder 3"/>
+          <p:cNvSpPr>
+            <a:spLocks noGrp="1"/>
+          </p:cNvSpPr>
+          <p:nvPr>
+            <p:ph type="sldNum" sz="quarter" idx="12"/>
+          </p:nvPr>
+        </p:nvSpPr>
+        <p:spPr/>
+        <p:txBody>
+          <a:bodyPr/>
+          <a:lstStyle/>
+          <a:p>
+            <a:fld id="{2A660FC1-65A1-426E-B7B2-1978E5FE673A}" type="slidenum">
+              <a:rPr lang="en-US" smtClean="0"/>
+              <a:t>38</a:t>
+            </a:fld>
+            <a:endParaRPr lang="en-US"/>
+          </a:p>
+        </p:txBody>
+      </p:sp>
     </p:spTree>
     <p:extLst>
       <p:ext uri="{BB962C8B-B14F-4D97-AF65-F5344CB8AC3E}">
@@ -10965,14 +12754,14 @@
   <p:timing>
     <p:tnLst>
       <p:par>
-        <p:cTn id="1" dur="indefinite" restart="never" nodeType="tmRoot"/>
+        <p:cTn xmlns:p14="http://schemas.microsoft.com/office/powerpoint/2010/main" id="1" dur="indefinite" restart="never" nodeType="tmRoot"/>
       </p:par>
     </p:tnLst>
   </p:timing>
 </p:sld>
 </file>
 
-<file path=ppt/slides/slide37.xml><?xml version="1.0" encoding="utf-8"?>
+<file path=ppt/slides/slide39.xml><?xml version="1.0" encoding="utf-8"?>
 <p:sld xmlns:a="http://schemas.openxmlformats.org/drawingml/2006/main" xmlns:r="http://schemas.openxmlformats.org/officeDocument/2006/relationships" xmlns:p="http://schemas.openxmlformats.org/presentationml/2006/main">
   <p:cSld>
     <p:spTree>
@@ -11048,7 +12837,14 @@
                 <a:latin typeface="Courier New" pitchFamily="49" charset="0"/>
                 <a:cs typeface="Courier New" pitchFamily="49" charset="0"/>
               </a:rPr>
-              <a:t>births &lt;-   </a:t>
+              <a:t>births &lt;</a:t>
+            </a:r>
+            <a:r>
+              <a:rPr lang="en-US" sz="1800" dirty="0" smtClean="0">
+                <a:latin typeface="Courier New" pitchFamily="49" charset="0"/>
+                <a:cs typeface="Courier New" pitchFamily="49" charset="0"/>
+              </a:rPr>
+              <a:t>- </a:t>
             </a:r>
             <a:r>
               <a:rPr lang="en-US" sz="1800" dirty="0" err="1" smtClean="0">
@@ -11206,6 +13002,29 @@
               <a:latin typeface="Courier New" pitchFamily="49" charset="0"/>
               <a:cs typeface="Courier New" pitchFamily="49" charset="0"/>
             </a:endParaRPr>
+          </a:p>
+        </p:txBody>
+      </p:sp>
+      <p:sp>
+        <p:nvSpPr>
+          <p:cNvPr id="4" name="Slide Number Placeholder 3"/>
+          <p:cNvSpPr>
+            <a:spLocks noGrp="1"/>
+          </p:cNvSpPr>
+          <p:nvPr>
+            <p:ph type="sldNum" sz="quarter" idx="12"/>
+          </p:nvPr>
+        </p:nvSpPr>
+        <p:spPr/>
+        <p:txBody>
+          <a:bodyPr/>
+          <a:lstStyle/>
+          <a:p>
+            <a:fld id="{2A660FC1-65A1-426E-B7B2-1978E5FE673A}" type="slidenum">
+              <a:rPr lang="en-US" smtClean="0"/>
+              <a:t>39</a:t>
+            </a:fld>
+            <a:endParaRPr lang="en-US"/>
           </a:p>
         </p:txBody>
       </p:sp>
@@ -11222,14 +13041,188 @@
   <p:timing>
     <p:tnLst>
       <p:par>
-        <p:cTn id="1" dur="indefinite" restart="never" nodeType="tmRoot"/>
+        <p:cTn xmlns:p14="http://schemas.microsoft.com/office/powerpoint/2010/main" id="1" dur="indefinite" restart="never" nodeType="tmRoot"/>
       </p:par>
     </p:tnLst>
   </p:timing>
 </p:sld>
 </file>
 
-<file path=ppt/slides/slide38.xml><?xml version="1.0" encoding="utf-8"?>
+<file path=ppt/slides/slide4.xml><?xml version="1.0" encoding="utf-8"?>
+<p:sld xmlns:a="http://schemas.openxmlformats.org/drawingml/2006/main" xmlns:r="http://schemas.openxmlformats.org/officeDocument/2006/relationships" xmlns:p="http://schemas.openxmlformats.org/presentationml/2006/main">
+  <p:cSld>
+    <p:spTree>
+      <p:nvGrpSpPr>
+        <p:cNvPr id="1" name=""/>
+        <p:cNvGrpSpPr/>
+        <p:nvPr/>
+      </p:nvGrpSpPr>
+      <p:grpSpPr>
+        <a:xfrm>
+          <a:off x="0" y="0"/>
+          <a:ext cx="0" cy="0"/>
+          <a:chOff x="0" y="0"/>
+          <a:chExt cx="0" cy="0"/>
+        </a:xfrm>
+      </p:grpSpPr>
+      <p:sp>
+        <p:nvSpPr>
+          <p:cNvPr id="2" name="Title 1"/>
+          <p:cNvSpPr>
+            <a:spLocks noGrp="1"/>
+          </p:cNvSpPr>
+          <p:nvPr>
+            <p:ph type="title"/>
+          </p:nvPr>
+        </p:nvSpPr>
+        <p:spPr/>
+        <p:txBody>
+          <a:bodyPr/>
+          <a:lstStyle/>
+          <a:p>
+            <a:r>
+              <a:rPr lang="en-US" dirty="0" err="1" smtClean="0"/>
+              <a:t>read.table</a:t>
+            </a:r>
+            <a:endParaRPr lang="en-US" dirty="0"/>
+          </a:p>
+        </p:txBody>
+      </p:sp>
+      <p:sp>
+        <p:nvSpPr>
+          <p:cNvPr id="3" name="Content Placeholder 2"/>
+          <p:cNvSpPr>
+            <a:spLocks noGrp="1"/>
+          </p:cNvSpPr>
+          <p:nvPr>
+            <p:ph idx="1"/>
+          </p:nvPr>
+        </p:nvSpPr>
+        <p:spPr>
+          <a:xfrm>
+            <a:off x="457200" y="1600200"/>
+            <a:ext cx="7772400" cy="4525963"/>
+          </a:xfrm>
+        </p:spPr>
+        <p:txBody>
+          <a:bodyPr>
+            <a:normAutofit lnSpcReduction="10000"/>
+          </a:bodyPr>
+          <a:lstStyle/>
+          <a:p>
+            <a:r>
+              <a:rPr lang="en-US" dirty="0" smtClean="0"/>
+              <a:t>Most read functions are variations on </a:t>
+            </a:r>
+            <a:r>
+              <a:rPr lang="en-US" dirty="0" err="1" smtClean="0"/>
+              <a:t>read.table</a:t>
+            </a:r>
+            <a:endParaRPr lang="en-US" dirty="0" smtClean="0"/>
+          </a:p>
+          <a:p>
+            <a:endParaRPr lang="en-US" dirty="0" smtClean="0"/>
+          </a:p>
+          <a:p>
+            <a:r>
+              <a:rPr lang="en-US" dirty="0" smtClean="0"/>
+              <a:t>Some important parameters to </a:t>
+            </a:r>
+            <a:r>
+              <a:rPr lang="en-US" dirty="0" err="1" smtClean="0"/>
+              <a:t>read.table</a:t>
+            </a:r>
+            <a:r>
+              <a:rPr lang="en-US" dirty="0" smtClean="0"/>
+              <a:t>:</a:t>
+            </a:r>
+          </a:p>
+          <a:p>
+            <a:pPr lvl="1"/>
+            <a:r>
+              <a:rPr lang="en-US" dirty="0" smtClean="0"/>
+              <a:t>file=  file name or URL </a:t>
+            </a:r>
+          </a:p>
+          <a:p>
+            <a:pPr lvl="2"/>
+            <a:r>
+              <a:rPr lang="en-US" dirty="0" smtClean="0"/>
+              <a:t>Use double backslashes in Windows filenames</a:t>
+            </a:r>
+            <a:endParaRPr lang="en-US" dirty="0"/>
+          </a:p>
+          <a:p>
+            <a:pPr lvl="1"/>
+            <a:r>
+              <a:rPr lang="en-US" dirty="0" smtClean="0"/>
+              <a:t>header=TRUE: first row is column names</a:t>
+            </a:r>
+          </a:p>
+          <a:p>
+            <a:pPr lvl="1"/>
+            <a:r>
+              <a:rPr lang="en-US" dirty="0" err="1" smtClean="0"/>
+              <a:t>stringsAsFactors</a:t>
+            </a:r>
+            <a:r>
+              <a:rPr lang="en-US" dirty="0" smtClean="0"/>
+              <a:t>=FALSE: turn off auto-convert </a:t>
+            </a:r>
+            <a:r>
+              <a:rPr lang="en-US" dirty="0"/>
+              <a:t>strings to factors</a:t>
+            </a:r>
+          </a:p>
+          <a:p>
+            <a:endParaRPr lang="en-US" dirty="0"/>
+          </a:p>
+        </p:txBody>
+      </p:sp>
+      <p:sp>
+        <p:nvSpPr>
+          <p:cNvPr id="4" name="Slide Number Placeholder 3"/>
+          <p:cNvSpPr>
+            <a:spLocks noGrp="1"/>
+          </p:cNvSpPr>
+          <p:nvPr>
+            <p:ph type="sldNum" sz="quarter" idx="12"/>
+          </p:nvPr>
+        </p:nvSpPr>
+        <p:spPr/>
+        <p:txBody>
+          <a:bodyPr/>
+          <a:lstStyle/>
+          <a:p>
+            <a:fld id="{8E535618-13C3-4318-851E-E6049AC5CA6F}" type="slidenum">
+              <a:rPr lang="en-US" smtClean="0"/>
+              <a:t>4</a:t>
+            </a:fld>
+            <a:endParaRPr lang="en-US"/>
+          </a:p>
+        </p:txBody>
+      </p:sp>
+    </p:spTree>
+    <p:extLst>
+      <p:ext uri="{BB962C8B-B14F-4D97-AF65-F5344CB8AC3E}">
+        <p14:creationId xmlns:p14="http://schemas.microsoft.com/office/powerpoint/2010/main" val="278067661"/>
+      </p:ext>
+    </p:extLst>
+  </p:cSld>
+  <p:clrMapOvr>
+    <a:masterClrMapping/>
+  </p:clrMapOvr>
+  <p:timing>
+    <p:tnLst>
+      <p:par>
+        <p:cTn xmlns:p14="http://schemas.microsoft.com/office/powerpoint/2010/main" id="1" dur="indefinite" restart="never" nodeType="tmRoot"/>
+      </p:par>
+    </p:tnLst>
+  </p:timing>
+</p:sld>
+</file>
+
+<file path=ppt/slides/slide40.xml><?xml version="1.0" encoding="utf-8"?>
 <p:sld xmlns:a="http://schemas.openxmlformats.org/drawingml/2006/main" xmlns:r="http://schemas.openxmlformats.org/officeDocument/2006/relationships" xmlns:p="http://schemas.openxmlformats.org/presentationml/2006/main">
   <p:cSld>
     <p:spTree>
@@ -11354,14 +13347,14 @@
           </a:ln>
           <a:effectLst/>
           <a:extLst>
-            <a:ext uri="{909E8E84-426E-40DD-AFC4-6F175D3DCCD1}">
+            <a:ext uri="{909E8E84-426E-40dd-AFC4-6F175D3DCCD1}">
               <a14:hiddenFill xmlns:a14="http://schemas.microsoft.com/office/drawing/2010/main">
                 <a:solidFill>
                   <a:schemeClr val="accent1"/>
                 </a:solidFill>
               </a14:hiddenFill>
             </a:ext>
-            <a:ext uri="{91240B29-F687-4F45-9708-019B960494DF}">
+            <a:ext uri="{91240B29-F687-4f45-9708-019B960494DF}">
               <a14:hiddenLine xmlns:a14="http://schemas.microsoft.com/office/drawing/2010/main" w="9525">
                 <a:solidFill>
                   <a:schemeClr val="tx1"/>
@@ -11371,7 +13364,7 @@
                 <a:tailEnd/>
               </a14:hiddenLine>
             </a:ext>
-            <a:ext uri="{AF507438-7753-43E0-B8FC-AC1667EBCBE1}">
+            <a:ext uri="{AF507438-7753-43e0-B8FC-AC1667EBCBE1}">
               <a14:hiddenEffects xmlns:a14="http://schemas.microsoft.com/office/drawing/2010/main">
                 <a:effectLst>
                   <a:outerShdw dist="35921" dir="2700000" algn="ctr" rotWithShape="0">
@@ -11383,6 +13376,29 @@
           </a:extLst>
         </p:spPr>
       </p:pic>
+      <p:sp>
+        <p:nvSpPr>
+          <p:cNvPr id="4" name="Slide Number Placeholder 3"/>
+          <p:cNvSpPr>
+            <a:spLocks noGrp="1"/>
+          </p:cNvSpPr>
+          <p:nvPr>
+            <p:ph type="sldNum" sz="quarter" idx="12"/>
+          </p:nvPr>
+        </p:nvSpPr>
+        <p:spPr/>
+        <p:txBody>
+          <a:bodyPr/>
+          <a:lstStyle/>
+          <a:p>
+            <a:fld id="{2A660FC1-65A1-426E-B7B2-1978E5FE673A}" type="slidenum">
+              <a:rPr lang="en-US" smtClean="0"/>
+              <a:t>40</a:t>
+            </a:fld>
+            <a:endParaRPr lang="en-US"/>
+          </a:p>
+        </p:txBody>
+      </p:sp>
     </p:spTree>
     <p:extLst>
       <p:ext uri="{BB962C8B-B14F-4D97-AF65-F5344CB8AC3E}">
@@ -11396,14 +13412,14 @@
   <p:timing>
     <p:tnLst>
       <p:par>
-        <p:cTn id="1" dur="indefinite" restart="never" nodeType="tmRoot"/>
+        <p:cTn xmlns:p14="http://schemas.microsoft.com/office/powerpoint/2010/main" id="1" dur="indefinite" restart="never" nodeType="tmRoot"/>
       </p:par>
     </p:tnLst>
   </p:timing>
 </p:sld>
 </file>
 
-<file path=ppt/slides/slide39.xml><?xml version="1.0" encoding="utf-8"?>
+<file path=ppt/slides/slide41.xml><?xml version="1.0" encoding="utf-8"?>
 <p:sld xmlns:a="http://schemas.openxmlformats.org/drawingml/2006/main" xmlns:r="http://schemas.openxmlformats.org/officeDocument/2006/relationships" xmlns:p="http://schemas.openxmlformats.org/presentationml/2006/main">
   <p:cSld>
     <p:spTree>
@@ -11554,14 +13570,14 @@
           </a:ln>
           <a:effectLst/>
           <a:extLst>
-            <a:ext uri="{909E8E84-426E-40DD-AFC4-6F175D3DCCD1}">
+            <a:ext uri="{909E8E84-426E-40dd-AFC4-6F175D3DCCD1}">
               <a14:hiddenFill xmlns:a14="http://schemas.microsoft.com/office/drawing/2010/main">
                 <a:solidFill>
                   <a:schemeClr val="accent1"/>
                 </a:solidFill>
               </a14:hiddenFill>
             </a:ext>
-            <a:ext uri="{91240B29-F687-4F45-9708-019B960494DF}">
+            <a:ext uri="{91240B29-F687-4f45-9708-019B960494DF}">
               <a14:hiddenLine xmlns:a14="http://schemas.microsoft.com/office/drawing/2010/main" w="9525">
                 <a:solidFill>
                   <a:schemeClr val="tx1"/>
@@ -11571,7 +13587,7 @@
                 <a:tailEnd/>
               </a14:hiddenLine>
             </a:ext>
-            <a:ext uri="{AF507438-7753-43E0-B8FC-AC1667EBCBE1}">
+            <a:ext uri="{AF507438-7753-43e0-B8FC-AC1667EBCBE1}">
               <a14:hiddenEffects xmlns:a14="http://schemas.microsoft.com/office/drawing/2010/main">
                 <a:effectLst>
                   <a:outerShdw dist="35921" dir="2700000" algn="ctr" rotWithShape="0">
@@ -11583,6 +13599,29 @@
           </a:extLst>
         </p:spPr>
       </p:pic>
+      <p:sp>
+        <p:nvSpPr>
+          <p:cNvPr id="4" name="Slide Number Placeholder 3"/>
+          <p:cNvSpPr>
+            <a:spLocks noGrp="1"/>
+          </p:cNvSpPr>
+          <p:nvPr>
+            <p:ph type="sldNum" sz="quarter" idx="12"/>
+          </p:nvPr>
+        </p:nvSpPr>
+        <p:spPr/>
+        <p:txBody>
+          <a:bodyPr/>
+          <a:lstStyle/>
+          <a:p>
+            <a:fld id="{2A660FC1-65A1-426E-B7B2-1978E5FE673A}" type="slidenum">
+              <a:rPr lang="en-US" smtClean="0"/>
+              <a:t>41</a:t>
+            </a:fld>
+            <a:endParaRPr lang="en-US"/>
+          </a:p>
+        </p:txBody>
+      </p:sp>
     </p:spTree>
     <p:extLst>
       <p:ext uri="{BB962C8B-B14F-4D97-AF65-F5344CB8AC3E}">
@@ -11596,182 +13635,14 @@
   <p:timing>
     <p:tnLst>
       <p:par>
-        <p:cTn id="1" dur="indefinite" restart="never" nodeType="tmRoot"/>
+        <p:cTn xmlns:p14="http://schemas.microsoft.com/office/powerpoint/2010/main" id="1" dur="indefinite" restart="never" nodeType="tmRoot"/>
       </p:par>
     </p:tnLst>
   </p:timing>
 </p:sld>
 </file>
 
-<file path=ppt/slides/slide4.xml><?xml version="1.0" encoding="utf-8"?>
-<p:sld xmlns:a="http://schemas.openxmlformats.org/drawingml/2006/main" xmlns:r="http://schemas.openxmlformats.org/officeDocument/2006/relationships" xmlns:p="http://schemas.openxmlformats.org/presentationml/2006/main">
-  <p:cSld>
-    <p:spTree>
-      <p:nvGrpSpPr>
-        <p:cNvPr id="1" name=""/>
-        <p:cNvGrpSpPr/>
-        <p:nvPr/>
-      </p:nvGrpSpPr>
-      <p:grpSpPr>
-        <a:xfrm>
-          <a:off x="0" y="0"/>
-          <a:ext cx="0" cy="0"/>
-          <a:chOff x="0" y="0"/>
-          <a:chExt cx="0" cy="0"/>
-        </a:xfrm>
-      </p:grpSpPr>
-      <p:sp>
-        <p:nvSpPr>
-          <p:cNvPr id="2" name="Title 1"/>
-          <p:cNvSpPr>
-            <a:spLocks noGrp="1"/>
-          </p:cNvSpPr>
-          <p:nvPr>
-            <p:ph type="title"/>
-          </p:nvPr>
-        </p:nvSpPr>
-        <p:spPr/>
-        <p:txBody>
-          <a:bodyPr/>
-          <a:lstStyle/>
-          <a:p>
-            <a:r>
-              <a:rPr lang="en-US" dirty="0" smtClean="0"/>
-              <a:t>More </a:t>
-            </a:r>
-            <a:r>
-              <a:rPr lang="en-US" dirty="0" err="1" smtClean="0"/>
-              <a:t>read.table</a:t>
-            </a:r>
-            <a:endParaRPr lang="en-US" dirty="0"/>
-          </a:p>
-        </p:txBody>
-      </p:sp>
-      <p:sp>
-        <p:nvSpPr>
-          <p:cNvPr id="3" name="Content Placeholder 2"/>
-          <p:cNvSpPr>
-            <a:spLocks noGrp="1"/>
-          </p:cNvSpPr>
-          <p:nvPr>
-            <p:ph idx="1"/>
-          </p:nvPr>
-        </p:nvSpPr>
-        <p:spPr/>
-        <p:txBody>
-          <a:bodyPr>
-            <a:normAutofit/>
-          </a:bodyPr>
-          <a:lstStyle/>
-          <a:p>
-            <a:r>
-              <a:rPr lang="en-US" dirty="0" smtClean="0"/>
-              <a:t>Other parameters to know:</a:t>
-            </a:r>
-          </a:p>
-          <a:p>
-            <a:pPr lvl="1"/>
-            <a:r>
-              <a:rPr lang="en-US" dirty="0" err="1" smtClean="0"/>
-              <a:t>sep</a:t>
-            </a:r>
-            <a:r>
-              <a:rPr lang="en-US" dirty="0" smtClean="0"/>
-              <a:t>= spaces, tabs, hard returns (default), or specify</a:t>
-            </a:r>
-          </a:p>
-          <a:p>
-            <a:pPr lvl="1"/>
-            <a:r>
-              <a:rPr lang="en-US" dirty="0" err="1" smtClean="0"/>
-              <a:t>na.strings</a:t>
-            </a:r>
-            <a:r>
-              <a:rPr lang="en-US" dirty="0" smtClean="0"/>
-              <a:t>= how to treat missing values</a:t>
-            </a:r>
-          </a:p>
-          <a:p>
-            <a:pPr lvl="1"/>
-            <a:r>
-              <a:rPr lang="en-US" dirty="0" smtClean="0"/>
-              <a:t>skip= rows not to read in</a:t>
-            </a:r>
-          </a:p>
-          <a:p>
-            <a:pPr lvl="1"/>
-            <a:r>
-              <a:rPr lang="en-US" dirty="0" err="1" smtClean="0"/>
-              <a:t>nrows</a:t>
-            </a:r>
-            <a:r>
-              <a:rPr lang="en-US" dirty="0" smtClean="0"/>
-              <a:t>= number observations to read in</a:t>
-            </a:r>
-          </a:p>
-          <a:p>
-            <a:pPr lvl="1"/>
-            <a:r>
-              <a:rPr lang="en-US" dirty="0" smtClean="0"/>
-              <a:t>fill=TRUE if some observations have more variables than others</a:t>
-            </a:r>
-          </a:p>
-          <a:p>
-            <a:pPr lvl="2"/>
-            <a:r>
-              <a:rPr lang="en-US" dirty="0" smtClean="0"/>
-              <a:t>(otherwise R expects all observations to be equal)</a:t>
-            </a:r>
-          </a:p>
-          <a:p>
-            <a:endParaRPr lang="en-US" dirty="0"/>
-          </a:p>
-        </p:txBody>
-      </p:sp>
-      <p:sp>
-        <p:nvSpPr>
-          <p:cNvPr id="4" name="Slide Number Placeholder 3"/>
-          <p:cNvSpPr>
-            <a:spLocks noGrp="1"/>
-          </p:cNvSpPr>
-          <p:nvPr>
-            <p:ph type="sldNum" sz="quarter" idx="12"/>
-          </p:nvPr>
-        </p:nvSpPr>
-        <p:spPr/>
-        <p:txBody>
-          <a:bodyPr/>
-          <a:lstStyle/>
-          <a:p>
-            <a:fld id="{8E535618-13C3-4318-851E-E6049AC5CA6F}" type="slidenum">
-              <a:rPr lang="en-US" smtClean="0"/>
-              <a:t>4</a:t>
-            </a:fld>
-            <a:endParaRPr lang="en-US"/>
-          </a:p>
-        </p:txBody>
-      </p:sp>
-    </p:spTree>
-    <p:extLst>
-      <p:ext uri="{BB962C8B-B14F-4D97-AF65-F5344CB8AC3E}">
-        <p14:creationId xmlns:p14="http://schemas.microsoft.com/office/powerpoint/2010/main" val="1374937731"/>
-      </p:ext>
-    </p:extLst>
-  </p:cSld>
-  <p:clrMapOvr>
-    <a:masterClrMapping/>
-  </p:clrMapOvr>
-  <p:timing>
-    <p:tnLst>
-      <p:par>
-        <p:cTn id="1" dur="indefinite" restart="never" nodeType="tmRoot"/>
-      </p:par>
-    </p:tnLst>
-  </p:timing>
-</p:sld>
-</file>
-
-<file path=ppt/slides/slide40.xml><?xml version="1.0" encoding="utf-8"?>
+<file path=ppt/slides/slide42.xml><?xml version="1.0" encoding="utf-8"?>
 <p:sld xmlns:a="http://schemas.openxmlformats.org/drawingml/2006/main" xmlns:r="http://schemas.openxmlformats.org/officeDocument/2006/relationships" xmlns:p="http://schemas.openxmlformats.org/presentationml/2006/main">
   <p:cSld>
     <p:spTree>
@@ -11923,14 +13794,14 @@
           </a:ln>
           <a:effectLst/>
           <a:extLst>
-            <a:ext uri="{909E8E84-426E-40DD-AFC4-6F175D3DCCD1}">
+            <a:ext uri="{909E8E84-426E-40dd-AFC4-6F175D3DCCD1}">
               <a14:hiddenFill xmlns:a14="http://schemas.microsoft.com/office/drawing/2010/main">
                 <a:solidFill>
                   <a:schemeClr val="accent1"/>
                 </a:solidFill>
               </a14:hiddenFill>
             </a:ext>
-            <a:ext uri="{91240B29-F687-4F45-9708-019B960494DF}">
+            <a:ext uri="{91240B29-F687-4f45-9708-019B960494DF}">
               <a14:hiddenLine xmlns:a14="http://schemas.microsoft.com/office/drawing/2010/main" w="9525">
                 <a:solidFill>
                   <a:schemeClr val="tx1"/>
@@ -11940,7 +13811,7 @@
                 <a:tailEnd/>
               </a14:hiddenLine>
             </a:ext>
-            <a:ext uri="{AF507438-7753-43E0-B8FC-AC1667EBCBE1}">
+            <a:ext uri="{AF507438-7753-43e0-B8FC-AC1667EBCBE1}">
               <a14:hiddenEffects xmlns:a14="http://schemas.microsoft.com/office/drawing/2010/main">
                 <a:effectLst>
                   <a:outerShdw dist="35921" dir="2700000" algn="ctr" rotWithShape="0">
@@ -12033,6 +13904,59 @@
               <a:rPr lang="en-US" dirty="0"/>
               <a:t>)</a:t>
             </a:r>
+          </a:p>
+        </p:txBody>
+      </p:sp>
+      <p:sp>
+        <p:nvSpPr>
+          <p:cNvPr id="5" name="TextBox 4"/>
+          <p:cNvSpPr txBox="1"/>
+          <p:nvPr/>
+        </p:nvSpPr>
+        <p:spPr>
+          <a:xfrm>
+            <a:off x="5638800" y="5715000"/>
+            <a:ext cx="3215130" cy="369332"/>
+          </a:xfrm>
+          <a:prstGeom prst="rect">
+            <a:avLst/>
+          </a:prstGeom>
+          <a:noFill/>
+        </p:spPr>
+        <p:txBody>
+          <a:bodyPr wrap="none" rtlCol="0">
+            <a:spAutoFit/>
+          </a:bodyPr>
+          <a:lstStyle/>
+          <a:p>
+            <a:r>
+              <a:rPr lang="en-US" dirty="0" smtClean="0"/>
+              <a:t>(Bonus: Self-test #10, 11, review)</a:t>
+            </a:r>
+            <a:endParaRPr lang="en-US" dirty="0"/>
+          </a:p>
+        </p:txBody>
+      </p:sp>
+      <p:sp>
+        <p:nvSpPr>
+          <p:cNvPr id="6" name="Slide Number Placeholder 5"/>
+          <p:cNvSpPr>
+            <a:spLocks noGrp="1"/>
+          </p:cNvSpPr>
+          <p:nvPr>
+            <p:ph type="sldNum" sz="quarter" idx="12"/>
+          </p:nvPr>
+        </p:nvSpPr>
+        <p:spPr/>
+        <p:txBody>
+          <a:bodyPr/>
+          <a:lstStyle/>
+          <a:p>
+            <a:fld id="{2A660FC1-65A1-426E-B7B2-1978E5FE673A}" type="slidenum">
+              <a:rPr lang="en-US" smtClean="0"/>
+              <a:t>42</a:t>
+            </a:fld>
+            <a:endParaRPr lang="en-US"/>
           </a:p>
         </p:txBody>
       </p:sp>
@@ -12049,7 +13973,7 @@
   <p:timing>
     <p:tnLst>
       <p:par>
-        <p:cTn id="1" dur="indefinite" restart="never" nodeType="tmRoot">
+        <p:cTn xmlns:p14="http://schemas.microsoft.com/office/powerpoint/2010/main" id="1" dur="indefinite" restart="never" nodeType="tmRoot">
           <p:childTnLst>
             <p:seq concurrent="1" nextAc="seek">
               <p:cTn id="2" dur="indefinite" nodeType="mainSeq">
@@ -12127,7 +14051,7 @@
 </p:sld>
 </file>
 
-<file path=ppt/slides/slide41.xml><?xml version="1.0" encoding="utf-8"?>
+<file path=ppt/slides/slide43.xml><?xml version="1.0" encoding="utf-8"?>
 <p:sld xmlns:a="http://schemas.openxmlformats.org/drawingml/2006/main" xmlns:r="http://schemas.openxmlformats.org/officeDocument/2006/relationships" xmlns:p="http://schemas.openxmlformats.org/presentationml/2006/main">
   <p:cSld>
     <p:spTree>
@@ -12271,14 +14195,14 @@
           </a:ln>
           <a:effectLst/>
           <a:extLst>
-            <a:ext uri="{909E8E84-426E-40DD-AFC4-6F175D3DCCD1}">
+            <a:ext uri="{909E8E84-426E-40dd-AFC4-6F175D3DCCD1}">
               <a14:hiddenFill xmlns:a14="http://schemas.microsoft.com/office/drawing/2010/main">
                 <a:solidFill>
                   <a:schemeClr val="accent1"/>
                 </a:solidFill>
               </a14:hiddenFill>
             </a:ext>
-            <a:ext uri="{91240B29-F687-4F45-9708-019B960494DF}">
+            <a:ext uri="{91240B29-F687-4f45-9708-019B960494DF}">
               <a14:hiddenLine xmlns:a14="http://schemas.microsoft.com/office/drawing/2010/main" w="9525">
                 <a:solidFill>
                   <a:schemeClr val="tx1"/>
@@ -12288,7 +14212,7 @@
                 <a:tailEnd/>
               </a14:hiddenLine>
             </a:ext>
-            <a:ext uri="{AF507438-7753-43E0-B8FC-AC1667EBCBE1}">
+            <a:ext uri="{AF507438-7753-43e0-B8FC-AC1667EBCBE1}">
               <a14:hiddenEffects xmlns:a14="http://schemas.microsoft.com/office/drawing/2010/main">
                 <a:effectLst>
                   <a:outerShdw dist="35921" dir="2700000" algn="ctr" rotWithShape="0">
@@ -12404,6 +14328,59 @@
               <a:t>I feel like I can never show this headline too many times</a:t>
             </a:r>
             <a:endParaRPr lang="en-US" dirty="0"/>
+          </a:p>
+        </p:txBody>
+      </p:sp>
+      <p:sp>
+        <p:nvSpPr>
+          <p:cNvPr id="7" name="TextBox 6"/>
+          <p:cNvSpPr txBox="1"/>
+          <p:nvPr/>
+        </p:nvSpPr>
+        <p:spPr>
+          <a:xfrm>
+            <a:off x="5638800" y="5879068"/>
+            <a:ext cx="3215130" cy="369332"/>
+          </a:xfrm>
+          <a:prstGeom prst="rect">
+            <a:avLst/>
+          </a:prstGeom>
+          <a:noFill/>
+        </p:spPr>
+        <p:txBody>
+          <a:bodyPr wrap="none" rtlCol="0">
+            <a:spAutoFit/>
+          </a:bodyPr>
+          <a:lstStyle/>
+          <a:p>
+            <a:r>
+              <a:rPr lang="en-US" dirty="0" smtClean="0"/>
+              <a:t>(Bonus: Self-test #10, 11, review)</a:t>
+            </a:r>
+            <a:endParaRPr lang="en-US" dirty="0"/>
+          </a:p>
+        </p:txBody>
+      </p:sp>
+      <p:sp>
+        <p:nvSpPr>
+          <p:cNvPr id="6" name="Slide Number Placeholder 5"/>
+          <p:cNvSpPr>
+            <a:spLocks noGrp="1"/>
+          </p:cNvSpPr>
+          <p:nvPr>
+            <p:ph type="sldNum" sz="quarter" idx="12"/>
+          </p:nvPr>
+        </p:nvSpPr>
+        <p:spPr/>
+        <p:txBody>
+          <a:bodyPr/>
+          <a:lstStyle/>
+          <a:p>
+            <a:fld id="{2A660FC1-65A1-426E-B7B2-1978E5FE673A}" type="slidenum">
+              <a:rPr lang="en-US" smtClean="0"/>
+              <a:t>43</a:t>
+            </a:fld>
+            <a:endParaRPr lang="en-US"/>
           </a:p>
         </p:txBody>
       </p:sp>
@@ -12420,7 +14397,7 @@
   <p:timing>
     <p:tnLst>
       <p:par>
-        <p:cTn id="1" dur="indefinite" restart="never" nodeType="tmRoot">
+        <p:cTn xmlns:p14="http://schemas.microsoft.com/office/powerpoint/2010/main" id="1" dur="indefinite" restart="never" nodeType="tmRoot">
           <p:childTnLst>
             <p:seq concurrent="1" nextAc="seek">
               <p:cTn id="2" dur="indefinite" nodeType="mainSeq">
@@ -12532,6 +14509,174 @@
           <a:p>
             <a:r>
               <a:rPr lang="en-US" dirty="0" smtClean="0"/>
+              <a:t>More </a:t>
+            </a:r>
+            <a:r>
+              <a:rPr lang="en-US" dirty="0" err="1" smtClean="0"/>
+              <a:t>read.table</a:t>
+            </a:r>
+            <a:endParaRPr lang="en-US" dirty="0"/>
+          </a:p>
+        </p:txBody>
+      </p:sp>
+      <p:sp>
+        <p:nvSpPr>
+          <p:cNvPr id="3" name="Content Placeholder 2"/>
+          <p:cNvSpPr>
+            <a:spLocks noGrp="1"/>
+          </p:cNvSpPr>
+          <p:nvPr>
+            <p:ph idx="1"/>
+          </p:nvPr>
+        </p:nvSpPr>
+        <p:spPr/>
+        <p:txBody>
+          <a:bodyPr>
+            <a:normAutofit/>
+          </a:bodyPr>
+          <a:lstStyle/>
+          <a:p>
+            <a:r>
+              <a:rPr lang="en-US" dirty="0" smtClean="0"/>
+              <a:t>Other parameters to know:</a:t>
+            </a:r>
+          </a:p>
+          <a:p>
+            <a:pPr lvl="1"/>
+            <a:r>
+              <a:rPr lang="en-US" dirty="0" err="1" smtClean="0"/>
+              <a:t>sep</a:t>
+            </a:r>
+            <a:r>
+              <a:rPr lang="en-US" dirty="0" smtClean="0"/>
+              <a:t>= spaces, tabs, hard returns (default), or specify</a:t>
+            </a:r>
+          </a:p>
+          <a:p>
+            <a:pPr lvl="1"/>
+            <a:r>
+              <a:rPr lang="en-US" dirty="0" err="1" smtClean="0"/>
+              <a:t>na.strings</a:t>
+            </a:r>
+            <a:r>
+              <a:rPr lang="en-US" dirty="0" smtClean="0"/>
+              <a:t>= how to treat missing values</a:t>
+            </a:r>
+          </a:p>
+          <a:p>
+            <a:pPr lvl="1"/>
+            <a:r>
+              <a:rPr lang="en-US" dirty="0" smtClean="0"/>
+              <a:t>skip= rows not to read in</a:t>
+            </a:r>
+          </a:p>
+          <a:p>
+            <a:pPr lvl="1"/>
+            <a:r>
+              <a:rPr lang="en-US" dirty="0" err="1" smtClean="0"/>
+              <a:t>nrows</a:t>
+            </a:r>
+            <a:r>
+              <a:rPr lang="en-US" dirty="0" smtClean="0"/>
+              <a:t>= number observations to read in</a:t>
+            </a:r>
+          </a:p>
+          <a:p>
+            <a:pPr lvl="1"/>
+            <a:r>
+              <a:rPr lang="en-US" dirty="0" smtClean="0"/>
+              <a:t>fill=TRUE if some observations have more variables than others</a:t>
+            </a:r>
+          </a:p>
+          <a:p>
+            <a:pPr lvl="2"/>
+            <a:r>
+              <a:rPr lang="en-US" dirty="0" smtClean="0"/>
+              <a:t>(otherwise R expects all observations to be equal)</a:t>
+            </a:r>
+          </a:p>
+          <a:p>
+            <a:endParaRPr lang="en-US" dirty="0"/>
+          </a:p>
+        </p:txBody>
+      </p:sp>
+      <p:sp>
+        <p:nvSpPr>
+          <p:cNvPr id="4" name="Slide Number Placeholder 3"/>
+          <p:cNvSpPr>
+            <a:spLocks noGrp="1"/>
+          </p:cNvSpPr>
+          <p:nvPr>
+            <p:ph type="sldNum" sz="quarter" idx="12"/>
+          </p:nvPr>
+        </p:nvSpPr>
+        <p:spPr/>
+        <p:txBody>
+          <a:bodyPr/>
+          <a:lstStyle/>
+          <a:p>
+            <a:fld id="{8E535618-13C3-4318-851E-E6049AC5CA6F}" type="slidenum">
+              <a:rPr lang="en-US" smtClean="0"/>
+              <a:t>5</a:t>
+            </a:fld>
+            <a:endParaRPr lang="en-US"/>
+          </a:p>
+        </p:txBody>
+      </p:sp>
+    </p:spTree>
+    <p:extLst>
+      <p:ext uri="{BB962C8B-B14F-4D97-AF65-F5344CB8AC3E}">
+        <p14:creationId xmlns:p14="http://schemas.microsoft.com/office/powerpoint/2010/main" val="1374937731"/>
+      </p:ext>
+    </p:extLst>
+  </p:cSld>
+  <p:clrMapOvr>
+    <a:masterClrMapping/>
+  </p:clrMapOvr>
+  <p:timing>
+    <p:tnLst>
+      <p:par>
+        <p:cTn xmlns:p14="http://schemas.microsoft.com/office/powerpoint/2010/main" id="1" dur="indefinite" restart="never" nodeType="tmRoot"/>
+      </p:par>
+    </p:tnLst>
+  </p:timing>
+</p:sld>
+</file>
+
+<file path=ppt/slides/slide6.xml><?xml version="1.0" encoding="utf-8"?>
+<p:sld xmlns:a="http://schemas.openxmlformats.org/drawingml/2006/main" xmlns:r="http://schemas.openxmlformats.org/officeDocument/2006/relationships" xmlns:p="http://schemas.openxmlformats.org/presentationml/2006/main">
+  <p:cSld>
+    <p:spTree>
+      <p:nvGrpSpPr>
+        <p:cNvPr id="1" name=""/>
+        <p:cNvGrpSpPr/>
+        <p:nvPr/>
+      </p:nvGrpSpPr>
+      <p:grpSpPr>
+        <a:xfrm>
+          <a:off x="0" y="0"/>
+          <a:ext cx="0" cy="0"/>
+          <a:chOff x="0" y="0"/>
+          <a:chExt cx="0" cy="0"/>
+        </a:xfrm>
+      </p:grpSpPr>
+      <p:sp>
+        <p:nvSpPr>
+          <p:cNvPr id="2" name="Title 1"/>
+          <p:cNvSpPr>
+            <a:spLocks noGrp="1"/>
+          </p:cNvSpPr>
+          <p:nvPr>
+            <p:ph type="title"/>
+          </p:nvPr>
+        </p:nvSpPr>
+        <p:spPr/>
+        <p:txBody>
+          <a:bodyPr/>
+          <a:lstStyle/>
+          <a:p>
+            <a:r>
+              <a:rPr lang="en-US" dirty="0" smtClean="0"/>
               <a:t>Important variations on </a:t>
             </a:r>
             <a:r>
@@ -12592,47 +14737,6 @@
       </p:sp>
       <p:sp>
         <p:nvSpPr>
-          <p:cNvPr id="4" name="Rectangle 3"/>
-          <p:cNvSpPr/>
-          <p:nvPr/>
-        </p:nvSpPr>
-        <p:spPr>
-          <a:xfrm>
-            <a:off x="457200" y="4495800"/>
-            <a:ext cx="8305800" cy="923330"/>
-          </a:xfrm>
-          <a:prstGeom prst="rect">
-            <a:avLst/>
-          </a:prstGeom>
-        </p:spPr>
-        <p:txBody>
-          <a:bodyPr wrap="square">
-            <a:spAutoFit/>
-          </a:bodyPr>
-          <a:lstStyle/>
-          <a:p>
-            <a:r>
-              <a:rPr lang="en-US" dirty="0" smtClean="0"/>
-              <a:t>Remember this?</a:t>
-            </a:r>
-          </a:p>
-          <a:p>
-            <a:r>
-              <a:rPr lang="en-US" dirty="0" smtClean="0">
-                <a:latin typeface="Courier New" panose="02070309020205020404" pitchFamily="49" charset="0"/>
-                <a:cs typeface="Courier New" panose="02070309020205020404" pitchFamily="49" charset="0"/>
-              </a:rPr>
-              <a:t>dig &lt;- read.csv("http://www.columbia.edu/~sjm2186/EPIC_R/dig.csv")</a:t>
-            </a:r>
-            <a:endParaRPr lang="en-US" dirty="0">
-              <a:latin typeface="Courier New" panose="02070309020205020404" pitchFamily="49" charset="0"/>
-              <a:cs typeface="Courier New" panose="02070309020205020404" pitchFamily="49" charset="0"/>
-            </a:endParaRPr>
-          </a:p>
-        </p:txBody>
-      </p:sp>
-      <p:sp>
-        <p:nvSpPr>
           <p:cNvPr id="5" name="Slide Number Placeholder 4"/>
           <p:cNvSpPr>
             <a:spLocks noGrp="1"/>
@@ -12648,7 +14752,7 @@
           <a:p>
             <a:fld id="{8E535618-13C3-4318-851E-E6049AC5CA6F}" type="slidenum">
               <a:rPr lang="en-US" smtClean="0"/>
-              <a:t>5</a:t>
+              <a:t>6</a:t>
             </a:fld>
             <a:endParaRPr lang="en-US"/>
           </a:p>
@@ -12667,14 +14771,14 @@
   <p:timing>
     <p:tnLst>
       <p:par>
-        <p:cTn id="1" dur="indefinite" restart="never" nodeType="tmRoot"/>
+        <p:cTn xmlns:p14="http://schemas.microsoft.com/office/powerpoint/2010/main" id="1" dur="indefinite" restart="never" nodeType="tmRoot"/>
       </p:par>
     </p:tnLst>
   </p:timing>
 </p:sld>
 </file>
 
-<file path=ppt/slides/slide6.xml><?xml version="1.0" encoding="utf-8"?>
+<file path=ppt/slides/slide7.xml><?xml version="1.0" encoding="utf-8"?>
 <p:sld xmlns:a="http://schemas.openxmlformats.org/drawingml/2006/main" xmlns:r="http://schemas.openxmlformats.org/officeDocument/2006/relationships" xmlns:p="http://schemas.openxmlformats.org/presentationml/2006/main">
   <p:cSld>
     <p:spTree>
@@ -12903,14 +15007,14 @@
           </a:ln>
           <a:effectLst/>
           <a:extLst>
-            <a:ext uri="{909E8E84-426E-40DD-AFC4-6F175D3DCCD1}">
+            <a:ext uri="{909E8E84-426E-40dd-AFC4-6F175D3DCCD1}">
               <a14:hiddenFill xmlns:a14="http://schemas.microsoft.com/office/drawing/2010/main">
                 <a:solidFill>
                   <a:schemeClr val="accent1"/>
                 </a:solidFill>
               </a14:hiddenFill>
             </a:ext>
-            <a:ext uri="{91240B29-F687-4F45-9708-019B960494DF}">
+            <a:ext uri="{91240B29-F687-4f45-9708-019B960494DF}">
               <a14:hiddenLine xmlns:a14="http://schemas.microsoft.com/office/drawing/2010/main" w="9525">
                 <a:solidFill>
                   <a:schemeClr val="tx1"/>
@@ -12920,7 +15024,7 @@
                 <a:tailEnd/>
               </a14:hiddenLine>
             </a:ext>
-            <a:ext uri="{AF507438-7753-43E0-B8FC-AC1667EBCBE1}">
+            <a:ext uri="{AF507438-7753-43e0-B8FC-AC1667EBCBE1}">
               <a14:hiddenEffects xmlns:a14="http://schemas.microsoft.com/office/drawing/2010/main">
                 <a:effectLst>
                   <a:outerShdw dist="35921" dir="2700000" algn="ctr" rotWithShape="0">
@@ -12980,7 +15084,7 @@
           <a:p>
             <a:fld id="{8E535618-13C3-4318-851E-E6049AC5CA6F}" type="slidenum">
               <a:rPr lang="en-US" smtClean="0"/>
-              <a:t>6</a:t>
+              <a:t>7</a:t>
             </a:fld>
             <a:endParaRPr lang="en-US"/>
           </a:p>
@@ -12999,14 +15103,14 @@
   <p:timing>
     <p:tnLst>
       <p:par>
-        <p:cTn id="1" dur="indefinite" restart="never" nodeType="tmRoot"/>
+        <p:cTn xmlns:p14="http://schemas.microsoft.com/office/powerpoint/2010/main" id="1" dur="indefinite" restart="never" nodeType="tmRoot"/>
       </p:par>
     </p:tnLst>
   </p:timing>
 </p:sld>
 </file>
 
-<file path=ppt/slides/slide7.xml><?xml version="1.0" encoding="utf-8"?>
+<file path=ppt/slides/slide8.xml><?xml version="1.0" encoding="utf-8"?>
 <p:sld xmlns:a="http://schemas.openxmlformats.org/drawingml/2006/main" xmlns:r="http://schemas.openxmlformats.org/officeDocument/2006/relationships" xmlns:p="http://schemas.openxmlformats.org/presentationml/2006/main">
   <p:cSld>
     <p:spTree>
@@ -13035,12 +15139,14 @@
         </p:nvSpPr>
         <p:spPr/>
         <p:txBody>
-          <a:bodyPr/>
-          <a:lstStyle/>
-          <a:p>
-            <a:r>
-              <a:rPr lang="en-US" dirty="0" smtClean="0"/>
-              <a:t>How to decide</a:t>
+          <a:bodyPr>
+            <a:normAutofit fontScale="90000"/>
+          </a:bodyPr>
+          <a:lstStyle/>
+          <a:p>
+            <a:r>
+              <a:rPr lang="en-US" dirty="0" smtClean="0"/>
+              <a:t>How to get data from someone else?</a:t>
             </a:r>
             <a:endParaRPr lang="en-US" dirty="0"/>
           </a:p>
@@ -13145,14 +15251,14 @@
           </a:ln>
           <a:effectLst/>
           <a:extLst>
-            <a:ext uri="{909E8E84-426E-40DD-AFC4-6F175D3DCCD1}">
+            <a:ext uri="{909E8E84-426E-40dd-AFC4-6F175D3DCCD1}">
               <a14:hiddenFill xmlns:a14="http://schemas.microsoft.com/office/drawing/2010/main">
                 <a:solidFill>
                   <a:schemeClr val="accent1"/>
                 </a:solidFill>
               </a14:hiddenFill>
             </a:ext>
-            <a:ext uri="{91240B29-F687-4F45-9708-019B960494DF}">
+            <a:ext uri="{91240B29-F687-4f45-9708-019B960494DF}">
               <a14:hiddenLine xmlns:a14="http://schemas.microsoft.com/office/drawing/2010/main" w="9525">
                 <a:solidFill>
                   <a:schemeClr val="tx1"/>
@@ -13162,7 +15268,7 @@
                 <a:tailEnd/>
               </a14:hiddenLine>
             </a:ext>
-            <a:ext uri="{AF507438-7753-43E0-B8FC-AC1667EBCBE1}">
+            <a:ext uri="{AF507438-7753-43e0-B8FC-AC1667EBCBE1}">
               <a14:hiddenEffects xmlns:a14="http://schemas.microsoft.com/office/drawing/2010/main">
                 <a:effectLst>
                   <a:outerShdw dist="35921" dir="2700000" algn="ctr" rotWithShape="0">
@@ -13191,7 +15297,7 @@
           <a:p>
             <a:fld id="{8E535618-13C3-4318-851E-E6049AC5CA6F}" type="slidenum">
               <a:rPr lang="en-US" smtClean="0"/>
-              <a:t>7</a:t>
+              <a:t>8</a:t>
             </a:fld>
             <a:endParaRPr lang="en-US"/>
           </a:p>
@@ -13210,14 +15316,14 @@
   <p:timing>
     <p:tnLst>
       <p:par>
-        <p:cTn id="1" dur="indefinite" restart="never" nodeType="tmRoot"/>
+        <p:cTn xmlns:p14="http://schemas.microsoft.com/office/powerpoint/2010/main" id="1" dur="indefinite" restart="never" nodeType="tmRoot"/>
       </p:par>
     </p:tnLst>
   </p:timing>
 </p:sld>
 </file>
 
-<file path=ppt/slides/slide8.xml><?xml version="1.0" encoding="utf-8"?>
+<file path=ppt/slides/slide9.xml><?xml version="1.0" encoding="utf-8"?>
 <p:sld xmlns:a="http://schemas.openxmlformats.org/drawingml/2006/main" xmlns:r="http://schemas.openxmlformats.org/officeDocument/2006/relationships" xmlns:p="http://schemas.openxmlformats.org/presentationml/2006/main">
   <p:cSld>
     <p:spTree>
@@ -13355,14 +15461,14 @@
           </a:ln>
           <a:effectLst/>
           <a:extLst>
-            <a:ext uri="{909E8E84-426E-40DD-AFC4-6F175D3DCCD1}">
+            <a:ext uri="{909E8E84-426E-40dd-AFC4-6F175D3DCCD1}">
               <a14:hiddenFill xmlns:a14="http://schemas.microsoft.com/office/drawing/2010/main">
                 <a:solidFill>
                   <a:schemeClr val="accent1"/>
                 </a:solidFill>
               </a14:hiddenFill>
             </a:ext>
-            <a:ext uri="{91240B29-F687-4F45-9708-019B960494DF}">
+            <a:ext uri="{91240B29-F687-4f45-9708-019B960494DF}">
               <a14:hiddenLine xmlns:a14="http://schemas.microsoft.com/office/drawing/2010/main" w="9525">
                 <a:solidFill>
                   <a:schemeClr val="tx1"/>
@@ -13372,7 +15478,7 @@
                 <a:tailEnd/>
               </a14:hiddenLine>
             </a:ext>
-            <a:ext uri="{AF507438-7753-43E0-B8FC-AC1667EBCBE1}">
+            <a:ext uri="{AF507438-7753-43e0-B8FC-AC1667EBCBE1}">
               <a14:hiddenEffects xmlns:a14="http://schemas.microsoft.com/office/drawing/2010/main">
                 <a:effectLst>
                   <a:outerShdw dist="35921" dir="2700000" algn="ctr" rotWithShape="0">
@@ -13442,7 +15548,7 @@
           <a:p>
             <a:fld id="{8E535618-13C3-4318-851E-E6049AC5CA6F}" type="slidenum">
               <a:rPr lang="en-US" smtClean="0"/>
-              <a:t>8</a:t>
+              <a:t>9</a:t>
             </a:fld>
             <a:endParaRPr lang="en-US"/>
           </a:p>
@@ -13461,203 +15567,7 @@
   <p:timing>
     <p:tnLst>
       <p:par>
-        <p:cTn id="1" dur="indefinite" restart="never" nodeType="tmRoot"/>
-      </p:par>
-    </p:tnLst>
-  </p:timing>
-</p:sld>
-</file>
-
-<file path=ppt/slides/slide9.xml><?xml version="1.0" encoding="utf-8"?>
-<p:sld xmlns:a="http://schemas.openxmlformats.org/drawingml/2006/main" xmlns:r="http://schemas.openxmlformats.org/officeDocument/2006/relationships" xmlns:p="http://schemas.openxmlformats.org/presentationml/2006/main">
-  <p:cSld>
-    <p:spTree>
-      <p:nvGrpSpPr>
-        <p:cNvPr id="1" name=""/>
-        <p:cNvGrpSpPr/>
-        <p:nvPr/>
-      </p:nvGrpSpPr>
-      <p:grpSpPr>
-        <a:xfrm>
-          <a:off x="0" y="0"/>
-          <a:ext cx="0" cy="0"/>
-          <a:chOff x="0" y="0"/>
-          <a:chExt cx="0" cy="0"/>
-        </a:xfrm>
-      </p:grpSpPr>
-      <p:sp>
-        <p:nvSpPr>
-          <p:cNvPr id="2" name="Title 1"/>
-          <p:cNvSpPr>
-            <a:spLocks noGrp="1"/>
-          </p:cNvSpPr>
-          <p:nvPr>
-            <p:ph type="title"/>
-          </p:nvPr>
-        </p:nvSpPr>
-        <p:spPr/>
-        <p:txBody>
-          <a:bodyPr/>
-          <a:lstStyle/>
-          <a:p>
-            <a:r>
-              <a:rPr lang="en-US" dirty="0" smtClean="0"/>
-              <a:t>Aside: Reading from SQL</a:t>
-            </a:r>
-            <a:endParaRPr lang="en-US" dirty="0"/>
-          </a:p>
-        </p:txBody>
-      </p:sp>
-      <p:sp>
-        <p:nvSpPr>
-          <p:cNvPr id="3" name="Content Placeholder 2"/>
-          <p:cNvSpPr>
-            <a:spLocks noGrp="1"/>
-          </p:cNvSpPr>
-          <p:nvPr>
-            <p:ph idx="1"/>
-          </p:nvPr>
-        </p:nvSpPr>
-        <p:spPr>
-          <a:xfrm>
-            <a:off x="457201" y="1600200"/>
-            <a:ext cx="5638800" cy="4525963"/>
-          </a:xfrm>
-        </p:spPr>
-        <p:txBody>
-          <a:bodyPr>
-            <a:normAutofit lnSpcReduction="10000"/>
-          </a:bodyPr>
-          <a:lstStyle/>
-          <a:p>
-            <a:r>
-              <a:rPr lang="en-US" dirty="0" smtClean="0"/>
-              <a:t>We don't do this a lot now, but it is my belief that connecting to online databases is going to be more important in the future</a:t>
-            </a:r>
-          </a:p>
-          <a:p>
-            <a:endParaRPr lang="en-US" dirty="0"/>
-          </a:p>
-          <a:p>
-            <a:r>
-              <a:rPr lang="en-US" dirty="0" smtClean="0"/>
-              <a:t>If you agree with me, you may want to look into the </a:t>
-            </a:r>
-            <a:r>
-              <a:rPr lang="en-US" i="1" dirty="0" err="1" smtClean="0"/>
-              <a:t>sqldf</a:t>
-            </a:r>
-            <a:r>
-              <a:rPr lang="en-US" dirty="0" smtClean="0"/>
-              <a:t> package</a:t>
-            </a:r>
-          </a:p>
-          <a:p>
-            <a:endParaRPr lang="en-US" dirty="0"/>
-          </a:p>
-        </p:txBody>
-      </p:sp>
-      <p:pic>
-        <p:nvPicPr>
-          <p:cNvPr id="1026" name="Picture 2"/>
-          <p:cNvPicPr>
-            <a:picLocks noChangeAspect="1" noChangeArrowheads="1"/>
-          </p:cNvPicPr>
-          <p:nvPr/>
-        </p:nvPicPr>
-        <p:blipFill>
-          <a:blip r:embed="rId2">
-            <a:extLst>
-              <a:ext uri="{28A0092B-C50C-407E-A947-70E740481C1C}">
-                <a14:useLocalDpi xmlns:a14="http://schemas.microsoft.com/office/drawing/2010/main" val="0"/>
-              </a:ext>
-            </a:extLst>
-          </a:blip>
-          <a:srcRect/>
-          <a:stretch>
-            <a:fillRect/>
-          </a:stretch>
-        </p:blipFill>
-        <p:spPr bwMode="auto">
-          <a:xfrm>
-            <a:off x="6422571" y="2286000"/>
-            <a:ext cx="2552700" cy="1790700"/>
-          </a:xfrm>
-          <a:prstGeom prst="rect">
-            <a:avLst/>
-          </a:prstGeom>
-          <a:noFill/>
-          <a:ln>
-            <a:noFill/>
-          </a:ln>
-          <a:effectLst/>
-          <a:extLst>
-            <a:ext uri="{909E8E84-426E-40DD-AFC4-6F175D3DCCD1}">
-              <a14:hiddenFill xmlns:a14="http://schemas.microsoft.com/office/drawing/2010/main">
-                <a:solidFill>
-                  <a:schemeClr val="accent1"/>
-                </a:solidFill>
-              </a14:hiddenFill>
-            </a:ext>
-            <a:ext uri="{91240B29-F687-4F45-9708-019B960494DF}">
-              <a14:hiddenLine xmlns:a14="http://schemas.microsoft.com/office/drawing/2010/main" w="9525">
-                <a:solidFill>
-                  <a:schemeClr val="tx1"/>
-                </a:solidFill>
-                <a:miter lim="800000"/>
-                <a:headEnd/>
-                <a:tailEnd/>
-              </a14:hiddenLine>
-            </a:ext>
-            <a:ext uri="{AF507438-7753-43E0-B8FC-AC1667EBCBE1}">
-              <a14:hiddenEffects xmlns:a14="http://schemas.microsoft.com/office/drawing/2010/main">
-                <a:effectLst>
-                  <a:outerShdw dist="35921" dir="2700000" algn="ctr" rotWithShape="0">
-                    <a:schemeClr val="bg2"/>
-                  </a:outerShdw>
-                </a:effectLst>
-              </a14:hiddenEffects>
-            </a:ext>
-          </a:extLst>
-        </p:spPr>
-      </p:pic>
-      <p:sp>
-        <p:nvSpPr>
-          <p:cNvPr id="4" name="Slide Number Placeholder 3"/>
-          <p:cNvSpPr>
-            <a:spLocks noGrp="1"/>
-          </p:cNvSpPr>
-          <p:nvPr>
-            <p:ph type="sldNum" sz="quarter" idx="12"/>
-          </p:nvPr>
-        </p:nvSpPr>
-        <p:spPr/>
-        <p:txBody>
-          <a:bodyPr/>
-          <a:lstStyle/>
-          <a:p>
-            <a:fld id="{8E535618-13C3-4318-851E-E6049AC5CA6F}" type="slidenum">
-              <a:rPr lang="en-US" smtClean="0"/>
-              <a:t>9</a:t>
-            </a:fld>
-            <a:endParaRPr lang="en-US"/>
-          </a:p>
-        </p:txBody>
-      </p:sp>
-    </p:spTree>
-    <p:extLst>
-      <p:ext uri="{BB962C8B-B14F-4D97-AF65-F5344CB8AC3E}">
-        <p14:creationId xmlns:p14="http://schemas.microsoft.com/office/powerpoint/2010/main" val="1247735791"/>
-      </p:ext>
-    </p:extLst>
-  </p:cSld>
-  <p:clrMapOvr>
-    <a:masterClrMapping/>
-  </p:clrMapOvr>
-  <p:timing>
-    <p:tnLst>
-      <p:par>
-        <p:cTn id="1" dur="indefinite" restart="never" nodeType="tmRoot"/>
+        <p:cTn xmlns:p14="http://schemas.microsoft.com/office/powerpoint/2010/main" id="1" dur="indefinite" restart="never" nodeType="tmRoot"/>
       </p:par>
     </p:tnLst>
   </p:timing>
@@ -13951,4 +15861,644 @@
   <a:objectDefaults/>
   <a:extraClrSchemeLst/>
 </a:theme>
+</file>
+
+<file path=ppt/theme/theme2.xml><?xml version="1.0" encoding="utf-8"?>
+<a:theme xmlns:a="http://schemas.openxmlformats.org/drawingml/2006/main" name="Office Theme">
+  <a:themeElements>
+    <a:clrScheme name="Office">
+      <a:dk1>
+        <a:sysClr val="windowText" lastClr="000000"/>
+      </a:dk1>
+      <a:lt1>
+        <a:sysClr val="window" lastClr="FFFFFF"/>
+      </a:lt1>
+      <a:dk2>
+        <a:srgbClr val="1F497D"/>
+      </a:dk2>
+      <a:lt2>
+        <a:srgbClr val="EEECE1"/>
+      </a:lt2>
+      <a:accent1>
+        <a:srgbClr val="4F81BD"/>
+      </a:accent1>
+      <a:accent2>
+        <a:srgbClr val="C0504D"/>
+      </a:accent2>
+      <a:accent3>
+        <a:srgbClr val="9BBB59"/>
+      </a:accent3>
+      <a:accent4>
+        <a:srgbClr val="8064A2"/>
+      </a:accent4>
+      <a:accent5>
+        <a:srgbClr val="4BACC6"/>
+      </a:accent5>
+      <a:accent6>
+        <a:srgbClr val="F79646"/>
+      </a:accent6>
+      <a:hlink>
+        <a:srgbClr val="0000FF"/>
+      </a:hlink>
+      <a:folHlink>
+        <a:srgbClr val="800080"/>
+      </a:folHlink>
+    </a:clrScheme>
+    <a:fontScheme name="Office">
+      <a:majorFont>
+        <a:latin typeface="Calibri"/>
+        <a:ea typeface=""/>
+        <a:cs typeface=""/>
+        <a:font script="Jpan" typeface="ＭＳ Ｐゴシック"/>
+        <a:font script="Hang" typeface="맑은 고딕"/>
+        <a:font script="Hans" typeface="宋体"/>
+        <a:font script="Hant" typeface="新細明體"/>
+        <a:font script="Arab" typeface="Times New Roman"/>
+        <a:font script="Hebr" typeface="Times New Roman"/>
+        <a:font script="Thai" typeface="Angsana New"/>
+        <a:font script="Ethi" typeface="Nyala"/>
+        <a:font script="Beng" typeface="Vrinda"/>
+        <a:font script="Gujr" typeface="Shruti"/>
+        <a:font script="Khmr" typeface="MoolBoran"/>
+        <a:font script="Knda" typeface="Tunga"/>
+        <a:font script="Guru" typeface="Raavi"/>
+        <a:font script="Cans" typeface="Euphemia"/>
+        <a:font script="Cher" typeface="Plantagenet Cherokee"/>
+        <a:font script="Yiii" typeface="Microsoft Yi Baiti"/>
+        <a:font script="Tibt" typeface="Microsoft Himalaya"/>
+        <a:font script="Thaa" typeface="MV Boli"/>
+        <a:font script="Deva" typeface="Mangal"/>
+        <a:font script="Telu" typeface="Gautami"/>
+        <a:font script="Taml" typeface="Latha"/>
+        <a:font script="Syrc" typeface="Estrangelo Edessa"/>
+        <a:font script="Orya" typeface="Kalinga"/>
+        <a:font script="Mlym" typeface="Kartika"/>
+        <a:font script="Laoo" typeface="DokChampa"/>
+        <a:font script="Sinh" typeface="Iskoola Pota"/>
+        <a:font script="Mong" typeface="Mongolian Baiti"/>
+        <a:font script="Viet" typeface="Times New Roman"/>
+        <a:font script="Uigh" typeface="Microsoft Uighur"/>
+        <a:font script="Geor" typeface="Sylfaen"/>
+      </a:majorFont>
+      <a:minorFont>
+        <a:latin typeface="Calibri"/>
+        <a:ea typeface=""/>
+        <a:cs typeface=""/>
+        <a:font script="Jpan" typeface="ＭＳ Ｐゴシック"/>
+        <a:font script="Hang" typeface="맑은 고딕"/>
+        <a:font script="Hans" typeface="宋体"/>
+        <a:font script="Hant" typeface="新細明體"/>
+        <a:font script="Arab" typeface="Arial"/>
+        <a:font script="Hebr" typeface="Arial"/>
+        <a:font script="Thai" typeface="Cordia New"/>
+        <a:font script="Ethi" typeface="Nyala"/>
+        <a:font script="Beng" typeface="Vrinda"/>
+        <a:font script="Gujr" typeface="Shruti"/>
+        <a:font script="Khmr" typeface="DaunPenh"/>
+        <a:font script="Knda" typeface="Tunga"/>
+        <a:font script="Guru" typeface="Raavi"/>
+        <a:font script="Cans" typeface="Euphemia"/>
+        <a:font script="Cher" typeface="Plantagenet Cherokee"/>
+        <a:font script="Yiii" typeface="Microsoft Yi Baiti"/>
+        <a:font script="Tibt" typeface="Microsoft Himalaya"/>
+        <a:font script="Thaa" typeface="MV Boli"/>
+        <a:font script="Deva" typeface="Mangal"/>
+        <a:font script="Telu" typeface="Gautami"/>
+        <a:font script="Taml" typeface="Latha"/>
+        <a:font script="Syrc" typeface="Estrangelo Edessa"/>
+        <a:font script="Orya" typeface="Kalinga"/>
+        <a:font script="Mlym" typeface="Kartika"/>
+        <a:font script="Laoo" typeface="DokChampa"/>
+        <a:font script="Sinh" typeface="Iskoola Pota"/>
+        <a:font script="Mong" typeface="Mongolian Baiti"/>
+        <a:font script="Viet" typeface="Arial"/>
+        <a:font script="Uigh" typeface="Microsoft Uighur"/>
+        <a:font script="Geor" typeface="Sylfaen"/>
+      </a:minorFont>
+    </a:fontScheme>
+    <a:fmtScheme name="Office">
+      <a:fillStyleLst>
+        <a:solidFill>
+          <a:schemeClr val="phClr"/>
+        </a:solidFill>
+        <a:gradFill rotWithShape="1">
+          <a:gsLst>
+            <a:gs pos="0">
+              <a:schemeClr val="phClr">
+                <a:tint val="50000"/>
+                <a:satMod val="300000"/>
+              </a:schemeClr>
+            </a:gs>
+            <a:gs pos="35000">
+              <a:schemeClr val="phClr">
+                <a:tint val="37000"/>
+                <a:satMod val="300000"/>
+              </a:schemeClr>
+            </a:gs>
+            <a:gs pos="100000">
+              <a:schemeClr val="phClr">
+                <a:tint val="15000"/>
+                <a:satMod val="350000"/>
+              </a:schemeClr>
+            </a:gs>
+          </a:gsLst>
+          <a:lin ang="16200000" scaled="1"/>
+        </a:gradFill>
+        <a:gradFill rotWithShape="1">
+          <a:gsLst>
+            <a:gs pos="0">
+              <a:schemeClr val="phClr">
+                <a:tint val="100000"/>
+                <a:shade val="100000"/>
+                <a:satMod val="130000"/>
+              </a:schemeClr>
+            </a:gs>
+            <a:gs pos="100000">
+              <a:schemeClr val="phClr">
+                <a:tint val="50000"/>
+                <a:shade val="100000"/>
+                <a:satMod val="350000"/>
+              </a:schemeClr>
+            </a:gs>
+          </a:gsLst>
+          <a:lin ang="16200000" scaled="0"/>
+        </a:gradFill>
+      </a:fillStyleLst>
+      <a:lnStyleLst>
+        <a:ln w="9525" cap="flat" cmpd="sng" algn="ctr">
+          <a:solidFill>
+            <a:schemeClr val="phClr">
+              <a:shade val="95000"/>
+              <a:satMod val="105000"/>
+            </a:schemeClr>
+          </a:solidFill>
+          <a:prstDash val="solid"/>
+        </a:ln>
+        <a:ln w="25400" cap="flat" cmpd="sng" algn="ctr">
+          <a:solidFill>
+            <a:schemeClr val="phClr"/>
+          </a:solidFill>
+          <a:prstDash val="solid"/>
+        </a:ln>
+        <a:ln w="38100" cap="flat" cmpd="sng" algn="ctr">
+          <a:solidFill>
+            <a:schemeClr val="phClr"/>
+          </a:solidFill>
+          <a:prstDash val="solid"/>
+        </a:ln>
+      </a:lnStyleLst>
+      <a:effectStyleLst>
+        <a:effectStyle>
+          <a:effectLst>
+            <a:outerShdw blurRad="40000" dist="20000" dir="5400000" rotWithShape="0">
+              <a:srgbClr val="000000">
+                <a:alpha val="38000"/>
+              </a:srgbClr>
+            </a:outerShdw>
+          </a:effectLst>
+        </a:effectStyle>
+        <a:effectStyle>
+          <a:effectLst>
+            <a:outerShdw blurRad="40000" dist="23000" dir="5400000" rotWithShape="0">
+              <a:srgbClr val="000000">
+                <a:alpha val="35000"/>
+              </a:srgbClr>
+            </a:outerShdw>
+          </a:effectLst>
+        </a:effectStyle>
+        <a:effectStyle>
+          <a:effectLst>
+            <a:outerShdw blurRad="40000" dist="23000" dir="5400000" rotWithShape="0">
+              <a:srgbClr val="000000">
+                <a:alpha val="35000"/>
+              </a:srgbClr>
+            </a:outerShdw>
+          </a:effectLst>
+          <a:scene3d>
+            <a:camera prst="orthographicFront">
+              <a:rot lat="0" lon="0" rev="0"/>
+            </a:camera>
+            <a:lightRig rig="threePt" dir="t">
+              <a:rot lat="0" lon="0" rev="1200000"/>
+            </a:lightRig>
+          </a:scene3d>
+          <a:sp3d>
+            <a:bevelT w="63500" h="25400"/>
+          </a:sp3d>
+        </a:effectStyle>
+      </a:effectStyleLst>
+      <a:bgFillStyleLst>
+        <a:solidFill>
+          <a:schemeClr val="phClr"/>
+        </a:solidFill>
+        <a:gradFill rotWithShape="1">
+          <a:gsLst>
+            <a:gs pos="0">
+              <a:schemeClr val="phClr">
+                <a:tint val="40000"/>
+                <a:satMod val="350000"/>
+              </a:schemeClr>
+            </a:gs>
+            <a:gs pos="40000">
+              <a:schemeClr val="phClr">
+                <a:tint val="45000"/>
+                <a:shade val="99000"/>
+                <a:satMod val="350000"/>
+              </a:schemeClr>
+            </a:gs>
+            <a:gs pos="100000">
+              <a:schemeClr val="phClr">
+                <a:shade val="20000"/>
+                <a:satMod val="255000"/>
+              </a:schemeClr>
+            </a:gs>
+          </a:gsLst>
+          <a:path path="circle">
+            <a:fillToRect l="50000" t="-80000" r="50000" b="180000"/>
+          </a:path>
+        </a:gradFill>
+        <a:gradFill rotWithShape="1">
+          <a:gsLst>
+            <a:gs pos="0">
+              <a:schemeClr val="phClr">
+                <a:tint val="80000"/>
+                <a:satMod val="300000"/>
+              </a:schemeClr>
+            </a:gs>
+            <a:gs pos="100000">
+              <a:schemeClr val="phClr">
+                <a:shade val="30000"/>
+                <a:satMod val="200000"/>
+              </a:schemeClr>
+            </a:gs>
+          </a:gsLst>
+          <a:path path="circle">
+            <a:fillToRect l="50000" t="50000" r="50000" b="50000"/>
+          </a:path>
+        </a:gradFill>
+      </a:bgFillStyleLst>
+    </a:fmtScheme>
+  </a:themeElements>
+  <a:objectDefaults>
+    <a:spDef>
+      <a:spPr/>
+      <a:bodyPr/>
+      <a:lstStyle/>
+      <a:style>
+        <a:lnRef idx="1">
+          <a:schemeClr val="accent1"/>
+        </a:lnRef>
+        <a:fillRef idx="3">
+          <a:schemeClr val="accent1"/>
+        </a:fillRef>
+        <a:effectRef idx="2">
+          <a:schemeClr val="accent1"/>
+        </a:effectRef>
+        <a:fontRef idx="minor">
+          <a:schemeClr val="lt1"/>
+        </a:fontRef>
+      </a:style>
+    </a:spDef>
+    <a:lnDef>
+      <a:spPr/>
+      <a:bodyPr/>
+      <a:lstStyle/>
+      <a:style>
+        <a:lnRef idx="2">
+          <a:schemeClr val="accent1"/>
+        </a:lnRef>
+        <a:fillRef idx="0">
+          <a:schemeClr val="accent1"/>
+        </a:fillRef>
+        <a:effectRef idx="1">
+          <a:schemeClr val="accent1"/>
+        </a:effectRef>
+        <a:fontRef idx="minor">
+          <a:schemeClr val="tx1"/>
+        </a:fontRef>
+      </a:style>
+    </a:lnDef>
+  </a:objectDefaults>
+  <a:extraClrSchemeLst/>
+</a:theme>
+</file>
+
+<file path=ppt/theme/theme3.xml><?xml version="1.0" encoding="utf-8"?>
+<a:theme xmlns:a="http://schemas.openxmlformats.org/drawingml/2006/main" name="Office Theme">
+  <a:themeElements>
+    <a:clrScheme name="Office">
+      <a:dk1>
+        <a:sysClr val="windowText" lastClr="000000"/>
+      </a:dk1>
+      <a:lt1>
+        <a:sysClr val="window" lastClr="FFFFFF"/>
+      </a:lt1>
+      <a:dk2>
+        <a:srgbClr val="1F497D"/>
+      </a:dk2>
+      <a:lt2>
+        <a:srgbClr val="EEECE1"/>
+      </a:lt2>
+      <a:accent1>
+        <a:srgbClr val="4F81BD"/>
+      </a:accent1>
+      <a:accent2>
+        <a:srgbClr val="C0504D"/>
+      </a:accent2>
+      <a:accent3>
+        <a:srgbClr val="9BBB59"/>
+      </a:accent3>
+      <a:accent4>
+        <a:srgbClr val="8064A2"/>
+      </a:accent4>
+      <a:accent5>
+        <a:srgbClr val="4BACC6"/>
+      </a:accent5>
+      <a:accent6>
+        <a:srgbClr val="F79646"/>
+      </a:accent6>
+      <a:hlink>
+        <a:srgbClr val="0000FF"/>
+      </a:hlink>
+      <a:folHlink>
+        <a:srgbClr val="800080"/>
+      </a:folHlink>
+    </a:clrScheme>
+    <a:fontScheme name="Office">
+      <a:majorFont>
+        <a:latin typeface="Calibri"/>
+        <a:ea typeface=""/>
+        <a:cs typeface=""/>
+        <a:font script="Jpan" typeface="ＭＳ Ｐゴシック"/>
+        <a:font script="Hang" typeface="맑은 고딕"/>
+        <a:font script="Hans" typeface="宋体"/>
+        <a:font script="Hant" typeface="新細明體"/>
+        <a:font script="Arab" typeface="Times New Roman"/>
+        <a:font script="Hebr" typeface="Times New Roman"/>
+        <a:font script="Thai" typeface="Angsana New"/>
+        <a:font script="Ethi" typeface="Nyala"/>
+        <a:font script="Beng" typeface="Vrinda"/>
+        <a:font script="Gujr" typeface="Shruti"/>
+        <a:font script="Khmr" typeface="MoolBoran"/>
+        <a:font script="Knda" typeface="Tunga"/>
+        <a:font script="Guru" typeface="Raavi"/>
+        <a:font script="Cans" typeface="Euphemia"/>
+        <a:font script="Cher" typeface="Plantagenet Cherokee"/>
+        <a:font script="Yiii" typeface="Microsoft Yi Baiti"/>
+        <a:font script="Tibt" typeface="Microsoft Himalaya"/>
+        <a:font script="Thaa" typeface="MV Boli"/>
+        <a:font script="Deva" typeface="Mangal"/>
+        <a:font script="Telu" typeface="Gautami"/>
+        <a:font script="Taml" typeface="Latha"/>
+        <a:font script="Syrc" typeface="Estrangelo Edessa"/>
+        <a:font script="Orya" typeface="Kalinga"/>
+        <a:font script="Mlym" typeface="Kartika"/>
+        <a:font script="Laoo" typeface="DokChampa"/>
+        <a:font script="Sinh" typeface="Iskoola Pota"/>
+        <a:font script="Mong" typeface="Mongolian Baiti"/>
+        <a:font script="Viet" typeface="Times New Roman"/>
+        <a:font script="Uigh" typeface="Microsoft Uighur"/>
+        <a:font script="Geor" typeface="Sylfaen"/>
+      </a:majorFont>
+      <a:minorFont>
+        <a:latin typeface="Calibri"/>
+        <a:ea typeface=""/>
+        <a:cs typeface=""/>
+        <a:font script="Jpan" typeface="ＭＳ Ｐゴシック"/>
+        <a:font script="Hang" typeface="맑은 고딕"/>
+        <a:font script="Hans" typeface="宋体"/>
+        <a:font script="Hant" typeface="新細明體"/>
+        <a:font script="Arab" typeface="Arial"/>
+        <a:font script="Hebr" typeface="Arial"/>
+        <a:font script="Thai" typeface="Cordia New"/>
+        <a:font script="Ethi" typeface="Nyala"/>
+        <a:font script="Beng" typeface="Vrinda"/>
+        <a:font script="Gujr" typeface="Shruti"/>
+        <a:font script="Khmr" typeface="DaunPenh"/>
+        <a:font script="Knda" typeface="Tunga"/>
+        <a:font script="Guru" typeface="Raavi"/>
+        <a:font script="Cans" typeface="Euphemia"/>
+        <a:font script="Cher" typeface="Plantagenet Cherokee"/>
+        <a:font script="Yiii" typeface="Microsoft Yi Baiti"/>
+        <a:font script="Tibt" typeface="Microsoft Himalaya"/>
+        <a:font script="Thaa" typeface="MV Boli"/>
+        <a:font script="Deva" typeface="Mangal"/>
+        <a:font script="Telu" typeface="Gautami"/>
+        <a:font script="Taml" typeface="Latha"/>
+        <a:font script="Syrc" typeface="Estrangelo Edessa"/>
+        <a:font script="Orya" typeface="Kalinga"/>
+        <a:font script="Mlym" typeface="Kartika"/>
+        <a:font script="Laoo" typeface="DokChampa"/>
+        <a:font script="Sinh" typeface="Iskoola Pota"/>
+        <a:font script="Mong" typeface="Mongolian Baiti"/>
+        <a:font script="Viet" typeface="Arial"/>
+        <a:font script="Uigh" typeface="Microsoft Uighur"/>
+        <a:font script="Geor" typeface="Sylfaen"/>
+      </a:minorFont>
+    </a:fontScheme>
+    <a:fmtScheme name="Office">
+      <a:fillStyleLst>
+        <a:solidFill>
+          <a:schemeClr val="phClr"/>
+        </a:solidFill>
+        <a:gradFill rotWithShape="1">
+          <a:gsLst>
+            <a:gs pos="0">
+              <a:schemeClr val="phClr">
+                <a:tint val="50000"/>
+                <a:satMod val="300000"/>
+              </a:schemeClr>
+            </a:gs>
+            <a:gs pos="35000">
+              <a:schemeClr val="phClr">
+                <a:tint val="37000"/>
+                <a:satMod val="300000"/>
+              </a:schemeClr>
+            </a:gs>
+            <a:gs pos="100000">
+              <a:schemeClr val="phClr">
+                <a:tint val="15000"/>
+                <a:satMod val="350000"/>
+              </a:schemeClr>
+            </a:gs>
+          </a:gsLst>
+          <a:lin ang="16200000" scaled="1"/>
+        </a:gradFill>
+        <a:gradFill rotWithShape="1">
+          <a:gsLst>
+            <a:gs pos="0">
+              <a:schemeClr val="phClr">
+                <a:tint val="100000"/>
+                <a:shade val="100000"/>
+                <a:satMod val="130000"/>
+              </a:schemeClr>
+            </a:gs>
+            <a:gs pos="100000">
+              <a:schemeClr val="phClr">
+                <a:tint val="50000"/>
+                <a:shade val="100000"/>
+                <a:satMod val="350000"/>
+              </a:schemeClr>
+            </a:gs>
+          </a:gsLst>
+          <a:lin ang="16200000" scaled="0"/>
+        </a:gradFill>
+      </a:fillStyleLst>
+      <a:lnStyleLst>
+        <a:ln w="9525" cap="flat" cmpd="sng" algn="ctr">
+          <a:solidFill>
+            <a:schemeClr val="phClr">
+              <a:shade val="95000"/>
+              <a:satMod val="105000"/>
+            </a:schemeClr>
+          </a:solidFill>
+          <a:prstDash val="solid"/>
+        </a:ln>
+        <a:ln w="25400" cap="flat" cmpd="sng" algn="ctr">
+          <a:solidFill>
+            <a:schemeClr val="phClr"/>
+          </a:solidFill>
+          <a:prstDash val="solid"/>
+        </a:ln>
+        <a:ln w="38100" cap="flat" cmpd="sng" algn="ctr">
+          <a:solidFill>
+            <a:schemeClr val="phClr"/>
+          </a:solidFill>
+          <a:prstDash val="solid"/>
+        </a:ln>
+      </a:lnStyleLst>
+      <a:effectStyleLst>
+        <a:effectStyle>
+          <a:effectLst>
+            <a:outerShdw blurRad="40000" dist="20000" dir="5400000" rotWithShape="0">
+              <a:srgbClr val="000000">
+                <a:alpha val="38000"/>
+              </a:srgbClr>
+            </a:outerShdw>
+          </a:effectLst>
+        </a:effectStyle>
+        <a:effectStyle>
+          <a:effectLst>
+            <a:outerShdw blurRad="40000" dist="23000" dir="5400000" rotWithShape="0">
+              <a:srgbClr val="000000">
+                <a:alpha val="35000"/>
+              </a:srgbClr>
+            </a:outerShdw>
+          </a:effectLst>
+        </a:effectStyle>
+        <a:effectStyle>
+          <a:effectLst>
+            <a:outerShdw blurRad="40000" dist="23000" dir="5400000" rotWithShape="0">
+              <a:srgbClr val="000000">
+                <a:alpha val="35000"/>
+              </a:srgbClr>
+            </a:outerShdw>
+          </a:effectLst>
+          <a:scene3d>
+            <a:camera prst="orthographicFront">
+              <a:rot lat="0" lon="0" rev="0"/>
+            </a:camera>
+            <a:lightRig rig="threePt" dir="t">
+              <a:rot lat="0" lon="0" rev="1200000"/>
+            </a:lightRig>
+          </a:scene3d>
+          <a:sp3d>
+            <a:bevelT w="63500" h="25400"/>
+          </a:sp3d>
+        </a:effectStyle>
+      </a:effectStyleLst>
+      <a:bgFillStyleLst>
+        <a:solidFill>
+          <a:schemeClr val="phClr"/>
+        </a:solidFill>
+        <a:gradFill rotWithShape="1">
+          <a:gsLst>
+            <a:gs pos="0">
+              <a:schemeClr val="phClr">
+                <a:tint val="40000"/>
+                <a:satMod val="350000"/>
+              </a:schemeClr>
+            </a:gs>
+            <a:gs pos="40000">
+              <a:schemeClr val="phClr">
+                <a:tint val="45000"/>
+                <a:shade val="99000"/>
+                <a:satMod val="350000"/>
+              </a:schemeClr>
+            </a:gs>
+            <a:gs pos="100000">
+              <a:schemeClr val="phClr">
+                <a:shade val="20000"/>
+                <a:satMod val="255000"/>
+              </a:schemeClr>
+            </a:gs>
+          </a:gsLst>
+          <a:path path="circle">
+            <a:fillToRect l="50000" t="-80000" r="50000" b="180000"/>
+          </a:path>
+        </a:gradFill>
+        <a:gradFill rotWithShape="1">
+          <a:gsLst>
+            <a:gs pos="0">
+              <a:schemeClr val="phClr">
+                <a:tint val="80000"/>
+                <a:satMod val="300000"/>
+              </a:schemeClr>
+            </a:gs>
+            <a:gs pos="100000">
+              <a:schemeClr val="phClr">
+                <a:shade val="30000"/>
+                <a:satMod val="200000"/>
+              </a:schemeClr>
+            </a:gs>
+          </a:gsLst>
+          <a:path path="circle">
+            <a:fillToRect l="50000" t="50000" r="50000" b="50000"/>
+          </a:path>
+        </a:gradFill>
+      </a:bgFillStyleLst>
+    </a:fmtScheme>
+  </a:themeElements>
+  <a:objectDefaults>
+    <a:spDef>
+      <a:spPr/>
+      <a:bodyPr/>
+      <a:lstStyle/>
+      <a:style>
+        <a:lnRef idx="1">
+          <a:schemeClr val="accent1"/>
+        </a:lnRef>
+        <a:fillRef idx="3">
+          <a:schemeClr val="accent1"/>
+        </a:fillRef>
+        <a:effectRef idx="2">
+          <a:schemeClr val="accent1"/>
+        </a:effectRef>
+        <a:fontRef idx="minor">
+          <a:schemeClr val="lt1"/>
+        </a:fontRef>
+      </a:style>
+    </a:spDef>
+    <a:lnDef>
+      <a:spPr/>
+      <a:bodyPr/>
+      <a:lstStyle/>
+      <a:style>
+        <a:lnRef idx="2">
+          <a:schemeClr val="accent1"/>
+        </a:lnRef>
+        <a:fillRef idx="0">
+          <a:schemeClr val="accent1"/>
+        </a:fillRef>
+        <a:effectRef idx="1">
+          <a:schemeClr val="accent1"/>
+        </a:effectRef>
+        <a:fontRef idx="minor">
+          <a:schemeClr val="tx1"/>
+        </a:fontRef>
+      </a:style>
+    </a:lnDef>
+  </a:objectDefaults>
+  <a:extraClrSchemeLst/>
+</a:theme>
 </file>
--- a/RWorkshopPart2-DataAndPackages.pptx
+++ b/RWorkshopPart2-DataAndPackages.pptx
@@ -3753,6 +3753,114 @@
           </a:p>
         </p:txBody>
       </p:sp>
+      <p:pic>
+        <p:nvPicPr>
+          <p:cNvPr id="5" name="Picture 2"/>
+          <p:cNvPicPr>
+            <a:picLocks noChangeAspect="1" noChangeArrowheads="1"/>
+          </p:cNvPicPr>
+          <p:nvPr/>
+        </p:nvPicPr>
+        <p:blipFill>
+          <a:blip r:embed="rId2">
+            <a:extLst>
+              <a:ext uri="{28A0092B-C50C-407E-A947-70E740481C1C}">
+                <a14:useLocalDpi xmlns:a14="http://schemas.microsoft.com/office/drawing/2010/main" val="0"/>
+              </a:ext>
+            </a:extLst>
+          </a:blip>
+          <a:srcRect/>
+          <a:stretch>
+            <a:fillRect/>
+          </a:stretch>
+        </p:blipFill>
+        <p:spPr bwMode="auto">
+          <a:xfrm>
+            <a:off x="685800" y="381000"/>
+            <a:ext cx="2066925" cy="752475"/>
+          </a:xfrm>
+          <a:prstGeom prst="rect">
+            <a:avLst/>
+          </a:prstGeom>
+          <a:noFill/>
+          <a:ln>
+            <a:noFill/>
+          </a:ln>
+          <a:extLst>
+            <a:ext uri="{909E8E84-426E-40dd-AFC4-6F175D3DCCD1}">
+              <a14:hiddenFill xmlns:a14="http://schemas.microsoft.com/office/drawing/2010/main">
+                <a:solidFill>
+                  <a:schemeClr val="accent1"/>
+                </a:solidFill>
+              </a14:hiddenFill>
+            </a:ext>
+            <a:ext uri="{91240B29-F687-4f45-9708-019B960494DF}">
+              <a14:hiddenLine xmlns:a14="http://schemas.microsoft.com/office/drawing/2010/main" w="9525">
+                <a:solidFill>
+                  <a:schemeClr val="tx1"/>
+                </a:solidFill>
+                <a:miter lim="800000"/>
+                <a:headEnd/>
+                <a:tailEnd/>
+              </a14:hiddenLine>
+            </a:ext>
+          </a:extLst>
+        </p:spPr>
+      </p:pic>
+      <p:pic>
+        <p:nvPicPr>
+          <p:cNvPr id="6" name="Picture 5"/>
+          <p:cNvPicPr>
+            <a:picLocks noChangeAspect="1" noChangeArrowheads="1"/>
+          </p:cNvPicPr>
+          <p:nvPr/>
+        </p:nvPicPr>
+        <p:blipFill>
+          <a:blip r:embed="rId3">
+            <a:extLst>
+              <a:ext uri="{28A0092B-C50C-407E-A947-70E740481C1C}">
+                <a14:useLocalDpi xmlns:a14="http://schemas.microsoft.com/office/drawing/2010/main" val="0"/>
+              </a:ext>
+            </a:extLst>
+          </a:blip>
+          <a:srcRect/>
+          <a:stretch>
+            <a:fillRect/>
+          </a:stretch>
+        </p:blipFill>
+        <p:spPr bwMode="auto">
+          <a:xfrm>
+            <a:off x="6096000" y="228599"/>
+            <a:ext cx="2781300" cy="1057275"/>
+          </a:xfrm>
+          <a:prstGeom prst="rect">
+            <a:avLst/>
+          </a:prstGeom>
+          <a:noFill/>
+          <a:ln>
+            <a:noFill/>
+          </a:ln>
+          <a:extLst>
+            <a:ext uri="{909E8E84-426E-40dd-AFC4-6F175D3DCCD1}">
+              <a14:hiddenFill xmlns:a14="http://schemas.microsoft.com/office/drawing/2010/main">
+                <a:solidFill>
+                  <a:schemeClr val="accent1"/>
+                </a:solidFill>
+              </a14:hiddenFill>
+            </a:ext>
+            <a:ext uri="{91240B29-F687-4f45-9708-019B960494DF}">
+              <a14:hiddenLine xmlns:a14="http://schemas.microsoft.com/office/drawing/2010/main" w="9525">
+                <a:solidFill>
+                  <a:schemeClr val="tx1"/>
+                </a:solidFill>
+                <a:miter lim="800000"/>
+                <a:headEnd/>
+                <a:tailEnd/>
+              </a14:hiddenLine>
+            </a:ext>
+          </a:extLst>
+        </p:spPr>
+      </p:pic>
     </p:spTree>
     <p:extLst>
       <p:ext uri="{BB962C8B-B14F-4D97-AF65-F5344CB8AC3E}">
@@ -12837,14 +12945,7 @@
                 <a:latin typeface="Courier New" pitchFamily="49" charset="0"/>
                 <a:cs typeface="Courier New" pitchFamily="49" charset="0"/>
               </a:rPr>
-              <a:t>births &lt;</a:t>
-            </a:r>
-            <a:r>
-              <a:rPr lang="en-US" sz="1800" dirty="0" smtClean="0">
-                <a:latin typeface="Courier New" pitchFamily="49" charset="0"/>
-                <a:cs typeface="Courier New" pitchFamily="49" charset="0"/>
-              </a:rPr>
-              <a:t>- </a:t>
+              <a:t>births &lt;- </a:t>
             </a:r>
             <a:r>
               <a:rPr lang="en-US" sz="1800" dirty="0" err="1" smtClean="0">
